--- a/SFM_Projekt_Áttekintés.pptx
+++ b/SFM_Projekt_Áttekintés.pptx
@@ -6,15 +6,16 @@
   </p:sldMasterIdLst>
   <p:sldIdLst>
     <p:sldId id="259" r:id="rId2"/>
-    <p:sldId id="267" r:id="rId3"/>
-    <p:sldId id="256" r:id="rId4"/>
-    <p:sldId id="263" r:id="rId5"/>
-    <p:sldId id="269" r:id="rId6"/>
-    <p:sldId id="265" r:id="rId7"/>
-    <p:sldId id="268" r:id="rId8"/>
-    <p:sldId id="260" r:id="rId9"/>
-    <p:sldId id="257" r:id="rId10"/>
-    <p:sldId id="271" r:id="rId11"/>
+    <p:sldId id="272" r:id="rId3"/>
+    <p:sldId id="267" r:id="rId4"/>
+    <p:sldId id="256" r:id="rId5"/>
+    <p:sldId id="263" r:id="rId6"/>
+    <p:sldId id="269" r:id="rId7"/>
+    <p:sldId id="265" r:id="rId8"/>
+    <p:sldId id="268" r:id="rId9"/>
+    <p:sldId id="260" r:id="rId10"/>
+    <p:sldId id="257" r:id="rId11"/>
+    <p:sldId id="271" r:id="rId12"/>
   </p:sldIdLst>
   <p:sldSz cx="12192000" cy="6858000"/>
   <p:notesSz cx="6858000" cy="9144000"/>
@@ -113,6 +114,11 @@
       </a:defRPr>
     </a:lvl9pPr>
   </p:defaultTextStyle>
+  <p:extLst>
+    <p:ext uri="{EFAFB233-063F-42B5-8137-9DF3F51BA10A}">
+      <p15:sldGuideLst xmlns:p15="http://schemas.microsoft.com/office/powerpoint/2012/main"/>
+    </p:ext>
+  </p:extLst>
 </p:presentation>
 </file>
 
@@ -4130,7 +4136,7 @@
       </p:grpSpPr>
       <p:sp useBgFill="1">
         <p:nvSpPr>
-          <p:cNvPr id="24" name="Rectangle 23">
+          <p:cNvPr id="10" name="Rectangle 9">
             <a:extLst>
               <a:ext uri="{FF2B5EF4-FFF2-40B4-BE49-F238E27FC236}">
                 <a16:creationId xmlns:a16="http://schemas.microsoft.com/office/drawing/2014/main" id="{A8384FB5-9ADC-4DDC-881B-597D56F5B15D}"/>
@@ -4206,7 +4212,7 @@
       </p:sp>
       <p:sp>
         <p:nvSpPr>
-          <p:cNvPr id="26" name="Rectangle 25">
+          <p:cNvPr id="12" name="Rectangle 11">
             <a:extLst>
               <a:ext uri="{FF2B5EF4-FFF2-40B4-BE49-F238E27FC236}">
                 <a16:creationId xmlns:a16="http://schemas.microsoft.com/office/drawing/2014/main" id="{91E5A9A7-95C6-4F4F-B00E-C82E07FE62EF}"/>
@@ -4279,7 +4285,7 @@
       </p:sp>
       <p:sp>
         <p:nvSpPr>
-          <p:cNvPr id="28" name="Rectangle 27">
+          <p:cNvPr id="14" name="Rectangle 13">
             <a:extLst>
               <a:ext uri="{FF2B5EF4-FFF2-40B4-BE49-F238E27FC236}">
                 <a16:creationId xmlns:a16="http://schemas.microsoft.com/office/drawing/2014/main" id="{D07DD2DE-F619-49DD-B5E7-03A290FF4ED1}"/>
@@ -4355,7 +4361,7 @@
       </p:sp>
       <p:sp>
         <p:nvSpPr>
-          <p:cNvPr id="30" name="Rectangle 29">
+          <p:cNvPr id="16" name="Rectangle 15">
             <a:extLst>
               <a:ext uri="{FF2B5EF4-FFF2-40B4-BE49-F238E27FC236}">
                 <a16:creationId xmlns:a16="http://schemas.microsoft.com/office/drawing/2014/main" id="{85149191-5F60-4A28-AAFF-039F96B0F3EC}"/>
@@ -4430,7 +4436,7 @@
       </p:sp>
       <p:sp>
         <p:nvSpPr>
-          <p:cNvPr id="32" name="Freeform: Shape 31">
+          <p:cNvPr id="18" name="Freeform: Shape 17">
             <a:extLst>
               <a:ext uri="{FF2B5EF4-FFF2-40B4-BE49-F238E27FC236}">
                 <a16:creationId xmlns:a16="http://schemas.microsoft.com/office/drawing/2014/main" id="{F8260ED5-17F7-4158-B241-D51DD4CF1B7E}"/>
@@ -4619,6 +4625,776 @@
         </p:nvSpPr>
         <p:spPr>
           <a:xfrm>
+            <a:off x="673104" y="1923325"/>
+            <a:ext cx="2880828" cy="3071906"/>
+          </a:xfrm>
+        </p:spPr>
+        <p:txBody>
+          <a:bodyPr vert="horz" lIns="91440" tIns="45720" rIns="91440" bIns="45720" rtlCol="0" anchor="t">
+            <a:normAutofit/>
+          </a:bodyPr>
+          <a:lstStyle/>
+          <a:p>
+            <a:r>
+              <a:rPr lang="hu-HU" sz="2000" kern="1200" dirty="0">
+                <a:solidFill>
+                  <a:srgbClr val="FFFFFF"/>
+                </a:solidFill>
+                <a:latin typeface="+mj-lt"/>
+                <a:ea typeface="+mj-ea"/>
+                <a:cs typeface="+mj-cs"/>
+              </a:rPr>
+              <a:t>Még egy-egy almenühöz különböző gombok létrehozása.</a:t>
+            </a:r>
+            <a:br>
+              <a:rPr lang="hu-HU" sz="2000" kern="1200" dirty="0">
+                <a:solidFill>
+                  <a:srgbClr val="FFFFFF"/>
+                </a:solidFill>
+                <a:latin typeface="+mj-lt"/>
+                <a:ea typeface="+mj-ea"/>
+                <a:cs typeface="+mj-cs"/>
+              </a:rPr>
+            </a:br>
+            <a:r>
+              <a:rPr lang="hu-HU" sz="2000" kern="1200" dirty="0">
+                <a:solidFill>
+                  <a:srgbClr val="FFFFFF"/>
+                </a:solidFill>
+                <a:latin typeface="+mj-lt"/>
+                <a:ea typeface="+mj-ea"/>
+                <a:cs typeface="+mj-cs"/>
+              </a:rPr>
+              <a:t>Pl.: „Törlés” gomb , amivel az adattáblánkból kitörölhetünk sorokat.  </a:t>
+            </a:r>
+            <a:endParaRPr lang="en-US" sz="2000" kern="1200" dirty="0">
+              <a:solidFill>
+                <a:srgbClr val="FFFFFF"/>
+              </a:solidFill>
+              <a:latin typeface="+mj-lt"/>
+              <a:ea typeface="+mj-ea"/>
+              <a:cs typeface="+mj-cs"/>
+            </a:endParaRPr>
+          </a:p>
+        </p:txBody>
+      </p:sp>
+      <p:pic>
+        <p:nvPicPr>
+          <p:cNvPr id="5" name="Tartalom helye 4">
+            <a:extLst>
+              <a:ext uri="{FF2B5EF4-FFF2-40B4-BE49-F238E27FC236}">
+                <a16:creationId xmlns:a16="http://schemas.microsoft.com/office/drawing/2014/main" id="{B1342991-5790-4FD0-AD15-BD379B7389AC}"/>
+              </a:ext>
+            </a:extLst>
+          </p:cNvPr>
+          <p:cNvPicPr>
+            <a:picLocks noGrp="1" noChangeAspect="1"/>
+          </p:cNvPicPr>
+          <p:nvPr>
+            <p:ph idx="1"/>
+          </p:nvPr>
+        </p:nvPicPr>
+        <p:blipFill>
+          <a:blip r:embed="rId2"/>
+          <a:stretch>
+            <a:fillRect/>
+          </a:stretch>
+        </p:blipFill>
+        <p:spPr>
+          <a:xfrm>
+            <a:off x="4520654" y="541883"/>
+            <a:ext cx="7225748" cy="5834790"/>
+          </a:xfrm>
+          <a:prstGeom prst="rect">
+            <a:avLst/>
+          </a:prstGeom>
+        </p:spPr>
+      </p:pic>
+      <p:sp>
+        <p:nvSpPr>
+          <p:cNvPr id="15" name="Téglalap: lekerekített 14">
+            <a:extLst>
+              <a:ext uri="{FF2B5EF4-FFF2-40B4-BE49-F238E27FC236}">
+                <a16:creationId xmlns:a16="http://schemas.microsoft.com/office/drawing/2014/main" id="{0E941265-82E7-4590-8B6E-383690EE8C85}"/>
+              </a:ext>
+            </a:extLst>
+          </p:cNvPr>
+          <p:cNvSpPr/>
+          <p:nvPr/>
+        </p:nvSpPr>
+        <p:spPr>
+          <a:xfrm>
+            <a:off x="7419401" y="6057013"/>
+            <a:ext cx="801092" cy="298292"/>
+          </a:xfrm>
+          <a:prstGeom prst="roundRect">
+            <a:avLst/>
+          </a:prstGeom>
+          <a:noFill/>
+          <a:ln w="38100">
+            <a:solidFill>
+              <a:srgbClr val="FF0000"/>
+            </a:solidFill>
+          </a:ln>
+        </p:spPr>
+        <p:style>
+          <a:lnRef idx="2">
+            <a:schemeClr val="accent1">
+              <a:shade val="50000"/>
+            </a:schemeClr>
+          </a:lnRef>
+          <a:fillRef idx="1">
+            <a:schemeClr val="accent1"/>
+          </a:fillRef>
+          <a:effectRef idx="0">
+            <a:schemeClr val="accent1"/>
+          </a:effectRef>
+          <a:fontRef idx="minor">
+            <a:schemeClr val="lt1"/>
+          </a:fontRef>
+        </p:style>
+        <p:txBody>
+          <a:bodyPr rtlCol="0" anchor="ctr"/>
+          <a:lstStyle/>
+          <a:p>
+            <a:pPr algn="ctr"/>
+            <a:endParaRPr lang="hu-HU"/>
+          </a:p>
+        </p:txBody>
+      </p:sp>
+      <p:sp>
+        <p:nvSpPr>
+          <p:cNvPr id="17" name="Téglalap: lekerekített 16">
+            <a:extLst>
+              <a:ext uri="{FF2B5EF4-FFF2-40B4-BE49-F238E27FC236}">
+                <a16:creationId xmlns:a16="http://schemas.microsoft.com/office/drawing/2014/main" id="{C2F2B5A4-F4F4-4A69-A38E-13ABCDDD0FEB}"/>
+              </a:ext>
+            </a:extLst>
+          </p:cNvPr>
+          <p:cNvSpPr/>
+          <p:nvPr/>
+        </p:nvSpPr>
+        <p:spPr>
+          <a:xfrm>
+            <a:off x="8523832" y="6057013"/>
+            <a:ext cx="801092" cy="298292"/>
+          </a:xfrm>
+          <a:prstGeom prst="roundRect">
+            <a:avLst/>
+          </a:prstGeom>
+          <a:noFill/>
+          <a:ln w="38100">
+            <a:solidFill>
+              <a:srgbClr val="FF0000"/>
+            </a:solidFill>
+          </a:ln>
+        </p:spPr>
+        <p:style>
+          <a:lnRef idx="2">
+            <a:schemeClr val="accent1">
+              <a:shade val="50000"/>
+            </a:schemeClr>
+          </a:lnRef>
+          <a:fillRef idx="1">
+            <a:schemeClr val="accent1"/>
+          </a:fillRef>
+          <a:effectRef idx="0">
+            <a:schemeClr val="accent1"/>
+          </a:effectRef>
+          <a:fontRef idx="minor">
+            <a:schemeClr val="lt1"/>
+          </a:fontRef>
+        </p:style>
+        <p:txBody>
+          <a:bodyPr rtlCol="0" anchor="ctr"/>
+          <a:lstStyle/>
+          <a:p>
+            <a:pPr algn="ctr"/>
+            <a:endParaRPr lang="hu-HU"/>
+          </a:p>
+        </p:txBody>
+      </p:sp>
+      <p:sp>
+        <p:nvSpPr>
+          <p:cNvPr id="19" name="Téglalap: lekerekített 18">
+            <a:extLst>
+              <a:ext uri="{FF2B5EF4-FFF2-40B4-BE49-F238E27FC236}">
+                <a16:creationId xmlns:a16="http://schemas.microsoft.com/office/drawing/2014/main" id="{8F40412C-D8BC-46CB-974A-234D7A1E9752}"/>
+              </a:ext>
+            </a:extLst>
+          </p:cNvPr>
+          <p:cNvSpPr/>
+          <p:nvPr/>
+        </p:nvSpPr>
+        <p:spPr>
+          <a:xfrm>
+            <a:off x="9610036" y="6057013"/>
+            <a:ext cx="801092" cy="298292"/>
+          </a:xfrm>
+          <a:prstGeom prst="roundRect">
+            <a:avLst/>
+          </a:prstGeom>
+          <a:noFill/>
+          <a:ln w="38100">
+            <a:solidFill>
+              <a:srgbClr val="FF0000"/>
+            </a:solidFill>
+          </a:ln>
+        </p:spPr>
+        <p:style>
+          <a:lnRef idx="2">
+            <a:schemeClr val="accent1">
+              <a:shade val="50000"/>
+            </a:schemeClr>
+          </a:lnRef>
+          <a:fillRef idx="1">
+            <a:schemeClr val="accent1"/>
+          </a:fillRef>
+          <a:effectRef idx="0">
+            <a:schemeClr val="accent1"/>
+          </a:effectRef>
+          <a:fontRef idx="minor">
+            <a:schemeClr val="lt1"/>
+          </a:fontRef>
+        </p:style>
+        <p:txBody>
+          <a:bodyPr rtlCol="0" anchor="ctr"/>
+          <a:lstStyle/>
+          <a:p>
+            <a:pPr algn="ctr"/>
+            <a:endParaRPr lang="hu-HU"/>
+          </a:p>
+        </p:txBody>
+      </p:sp>
+    </p:spTree>
+    <p:extLst>
+      <p:ext uri="{BB962C8B-B14F-4D97-AF65-F5344CB8AC3E}">
+        <p14:creationId xmlns:p14="http://schemas.microsoft.com/office/powerpoint/2010/main" val="3364366076"/>
+      </p:ext>
+    </p:extLst>
+  </p:cSld>
+  <p:clrMapOvr>
+    <a:masterClrMapping/>
+  </p:clrMapOvr>
+</p:sld>
+</file>
+
+<file path=ppt/slides/slide11.xml><?xml version="1.0" encoding="utf-8"?>
+<p:sld xmlns:a="http://schemas.openxmlformats.org/drawingml/2006/main" xmlns:r="http://schemas.openxmlformats.org/officeDocument/2006/relationships" xmlns:p="http://schemas.openxmlformats.org/presentationml/2006/main">
+  <p:cSld>
+    <p:bg>
+      <p:bgPr>
+        <a:solidFill>
+          <a:schemeClr val="bg1"/>
+        </a:solidFill>
+        <a:effectLst/>
+      </p:bgPr>
+    </p:bg>
+    <p:spTree>
+      <p:nvGrpSpPr>
+        <p:cNvPr id="1" name=""/>
+        <p:cNvGrpSpPr/>
+        <p:nvPr/>
+      </p:nvGrpSpPr>
+      <p:grpSpPr>
+        <a:xfrm>
+          <a:off x="0" y="0"/>
+          <a:ext cx="0" cy="0"/>
+          <a:chOff x="0" y="0"/>
+          <a:chExt cx="0" cy="0"/>
+        </a:xfrm>
+      </p:grpSpPr>
+      <p:sp useBgFill="1">
+        <p:nvSpPr>
+          <p:cNvPr id="24" name="Rectangle 23">
+            <a:extLst>
+              <a:ext uri="{FF2B5EF4-FFF2-40B4-BE49-F238E27FC236}">
+                <a16:creationId xmlns:a16="http://schemas.microsoft.com/office/drawing/2014/main" id="{A8384FB5-9ADC-4DDC-881B-597D56F5B15D}"/>
+              </a:ext>
+              <a:ext uri="{C183D7F6-B498-43B3-948B-1728B52AA6E4}">
+                <adec:decorative xmlns:adec="http://schemas.microsoft.com/office/drawing/2017/decorative" val="1"/>
+              </a:ext>
+            </a:extLst>
+          </p:cNvPr>
+          <p:cNvSpPr>
+            <a:spLocks noGrp="1" noRot="1" noChangeAspect="1" noMove="1" noResize="1" noEditPoints="1" noAdjustHandles="1" noChangeArrowheads="1" noChangeShapeType="1" noTextEdit="1"/>
+          </p:cNvSpPr>
+          <p:nvPr>
+            <p:extLst>
+              <p:ext uri="{386F3935-93C4-4BCD-93E2-E3B085C9AB24}">
+                <p16:designElem xmlns:p16="http://schemas.microsoft.com/office/powerpoint/2015/main" val="1"/>
+              </p:ext>
+            </p:extLst>
+          </p:nvPr>
+        </p:nvSpPr>
+        <p:spPr>
+          <a:xfrm>
+            <a:off x="0" y="0"/>
+            <a:ext cx="12192000" cy="6858000"/>
+          </a:xfrm>
+          <a:prstGeom prst="rect">
+            <a:avLst/>
+          </a:prstGeom>
+          <a:ln w="12700" cap="flat" cmpd="sng" algn="ctr">
+            <a:noFill/>
+            <a:prstDash val="solid"/>
+            <a:miter lim="800000"/>
+          </a:ln>
+          <a:effectLst/>
+          <a:extLst>
+            <a:ext uri="{91240B29-F687-4F45-9708-019B960494DF}">
+              <a14:hiddenLine xmlns:a14="http://schemas.microsoft.com/office/drawing/2010/main" w="12700" cap="flat" cmpd="sng" algn="ctr">
+                <a:solidFill>
+                  <a:schemeClr val="accent1">
+                    <a:shade val="50000"/>
+                  </a:schemeClr>
+                </a:solidFill>
+                <a:prstDash val="solid"/>
+                <a:miter lim="800000"/>
+              </a14:hiddenLine>
+            </a:ext>
+          </a:extLst>
+        </p:spPr>
+        <p:style>
+          <a:lnRef idx="2">
+            <a:schemeClr val="accent1">
+              <a:shade val="50000"/>
+            </a:schemeClr>
+          </a:lnRef>
+          <a:fillRef idx="1">
+            <a:schemeClr val="accent1"/>
+          </a:fillRef>
+          <a:effectRef idx="0">
+            <a:schemeClr val="accent1"/>
+          </a:effectRef>
+          <a:fontRef idx="minor">
+            <a:schemeClr val="lt1"/>
+          </a:fontRef>
+        </p:style>
+        <p:txBody>
+          <a:bodyPr rtlCol="0" anchor="ctr"/>
+          <a:lstStyle/>
+          <a:p>
+            <a:pPr algn="ctr"/>
+            <a:endParaRPr lang="en-US"/>
+          </a:p>
+        </p:txBody>
+      </p:sp>
+      <p:sp>
+        <p:nvSpPr>
+          <p:cNvPr id="26" name="Rectangle 25">
+            <a:extLst>
+              <a:ext uri="{FF2B5EF4-FFF2-40B4-BE49-F238E27FC236}">
+                <a16:creationId xmlns:a16="http://schemas.microsoft.com/office/drawing/2014/main" id="{91E5A9A7-95C6-4F4F-B00E-C82E07FE62EF}"/>
+              </a:ext>
+              <a:ext uri="{C183D7F6-B498-43B3-948B-1728B52AA6E4}">
+                <adec:decorative xmlns:adec="http://schemas.microsoft.com/office/drawing/2017/decorative" val="1"/>
+              </a:ext>
+            </a:extLst>
+          </p:cNvPr>
+          <p:cNvSpPr>
+            <a:spLocks noGrp="1" noRot="1" noChangeAspect="1" noMove="1" noResize="1" noEditPoints="1" noAdjustHandles="1" noChangeArrowheads="1" noChangeShapeType="1" noTextEdit="1"/>
+          </p:cNvSpPr>
+          <p:nvPr>
+            <p:extLst>
+              <p:ext uri="{386F3935-93C4-4BCD-93E2-E3B085C9AB24}">
+                <p16:designElem xmlns:p16="http://schemas.microsoft.com/office/powerpoint/2015/main" val="1"/>
+              </p:ext>
+            </p:extLst>
+          </p:nvPr>
+        </p:nvSpPr>
+        <p:spPr>
+          <a:xfrm rot="5400000" flipH="1">
+            <a:off x="-1417539" y="1417538"/>
+            <a:ext cx="6875818" cy="4040744"/>
+          </a:xfrm>
+          <a:prstGeom prst="rect">
+            <a:avLst/>
+          </a:prstGeom>
+          <a:gradFill>
+            <a:gsLst>
+              <a:gs pos="0">
+                <a:srgbClr val="000000"/>
+              </a:gs>
+              <a:gs pos="100000">
+                <a:schemeClr val="accent1">
+                  <a:lumMod val="75000"/>
+                </a:schemeClr>
+              </a:gs>
+            </a:gsLst>
+            <a:lin ang="18600000" scaled="0"/>
+          </a:gradFill>
+          <a:ln>
+            <a:noFill/>
+          </a:ln>
+        </p:spPr>
+        <p:style>
+          <a:lnRef idx="2">
+            <a:schemeClr val="accent1">
+              <a:shade val="50000"/>
+            </a:schemeClr>
+          </a:lnRef>
+          <a:fillRef idx="1">
+            <a:schemeClr val="accent1"/>
+          </a:fillRef>
+          <a:effectRef idx="0">
+            <a:schemeClr val="accent1"/>
+          </a:effectRef>
+          <a:fontRef idx="minor">
+            <a:schemeClr val="lt1"/>
+          </a:fontRef>
+        </p:style>
+        <p:txBody>
+          <a:bodyPr rtlCol="0" anchor="ctr"/>
+          <a:lstStyle/>
+          <a:p>
+            <a:pPr algn="ctr"/>
+            <a:endParaRPr lang="en-US" dirty="0"/>
+          </a:p>
+        </p:txBody>
+      </p:sp>
+      <p:sp>
+        <p:nvSpPr>
+          <p:cNvPr id="28" name="Rectangle 27">
+            <a:extLst>
+              <a:ext uri="{FF2B5EF4-FFF2-40B4-BE49-F238E27FC236}">
+                <a16:creationId xmlns:a16="http://schemas.microsoft.com/office/drawing/2014/main" id="{D07DD2DE-F619-49DD-B5E7-03A290FF4ED1}"/>
+              </a:ext>
+              <a:ext uri="{C183D7F6-B498-43B3-948B-1728B52AA6E4}">
+                <adec:decorative xmlns:adec="http://schemas.microsoft.com/office/drawing/2017/decorative" val="1"/>
+              </a:ext>
+            </a:extLst>
+          </p:cNvPr>
+          <p:cNvSpPr>
+            <a:spLocks noGrp="1" noRot="1" noChangeAspect="1" noMove="1" noResize="1" noEditPoints="1" noAdjustHandles="1" noChangeArrowheads="1" noChangeShapeType="1" noTextEdit="1"/>
+          </p:cNvSpPr>
+          <p:nvPr>
+            <p:extLst>
+              <p:ext uri="{386F3935-93C4-4BCD-93E2-E3B085C9AB24}">
+                <p16:designElem xmlns:p16="http://schemas.microsoft.com/office/powerpoint/2015/main" val="1"/>
+              </p:ext>
+            </p:extLst>
+          </p:nvPr>
+        </p:nvSpPr>
+        <p:spPr>
+          <a:xfrm rot="16200000">
+            <a:off x="-158495" y="2660473"/>
+            <a:ext cx="4355594" cy="4038603"/>
+          </a:xfrm>
+          <a:prstGeom prst="rect">
+            <a:avLst/>
+          </a:prstGeom>
+          <a:gradFill>
+            <a:gsLst>
+              <a:gs pos="0">
+                <a:schemeClr val="accent1">
+                  <a:alpha val="50000"/>
+                </a:schemeClr>
+              </a:gs>
+              <a:gs pos="100000">
+                <a:schemeClr val="accent1">
+                  <a:lumMod val="50000"/>
+                  <a:alpha val="0"/>
+                </a:schemeClr>
+              </a:gs>
+            </a:gsLst>
+            <a:lin ang="11400000" scaled="0"/>
+          </a:gradFill>
+          <a:ln>
+            <a:noFill/>
+          </a:ln>
+        </p:spPr>
+        <p:style>
+          <a:lnRef idx="2">
+            <a:schemeClr val="accent1">
+              <a:shade val="50000"/>
+            </a:schemeClr>
+          </a:lnRef>
+          <a:fillRef idx="1">
+            <a:schemeClr val="accent1"/>
+          </a:fillRef>
+          <a:effectRef idx="0">
+            <a:schemeClr val="accent1"/>
+          </a:effectRef>
+          <a:fontRef idx="minor">
+            <a:schemeClr val="lt1"/>
+          </a:fontRef>
+        </p:style>
+        <p:txBody>
+          <a:bodyPr rtlCol="0" anchor="ctr"/>
+          <a:lstStyle/>
+          <a:p>
+            <a:pPr algn="ctr"/>
+            <a:endParaRPr lang="en-US"/>
+          </a:p>
+        </p:txBody>
+      </p:sp>
+      <p:sp>
+        <p:nvSpPr>
+          <p:cNvPr id="30" name="Rectangle 29">
+            <a:extLst>
+              <a:ext uri="{FF2B5EF4-FFF2-40B4-BE49-F238E27FC236}">
+                <a16:creationId xmlns:a16="http://schemas.microsoft.com/office/drawing/2014/main" id="{85149191-5F60-4A28-AAFF-039F96B0F3EC}"/>
+              </a:ext>
+              <a:ext uri="{C183D7F6-B498-43B3-948B-1728B52AA6E4}">
+                <adec:decorative xmlns:adec="http://schemas.microsoft.com/office/drawing/2017/decorative" val="1"/>
+              </a:ext>
+            </a:extLst>
+          </p:cNvPr>
+          <p:cNvSpPr>
+            <a:spLocks noGrp="1" noRot="1" noChangeAspect="1" noMove="1" noResize="1" noEditPoints="1" noAdjustHandles="1" noChangeArrowheads="1" noChangeShapeType="1" noTextEdit="1"/>
+          </p:cNvSpPr>
+          <p:nvPr>
+            <p:extLst>
+              <p:ext uri="{386F3935-93C4-4BCD-93E2-E3B085C9AB24}">
+                <p16:designElem xmlns:p16="http://schemas.microsoft.com/office/powerpoint/2015/main" val="1"/>
+              </p:ext>
+            </p:extLst>
+          </p:nvPr>
+        </p:nvSpPr>
+        <p:spPr>
+          <a:xfrm rot="16200000" flipH="1">
+            <a:off x="-1180882" y="1638085"/>
+            <a:ext cx="6857572" cy="3581401"/>
+          </a:xfrm>
+          <a:prstGeom prst="rect">
+            <a:avLst/>
+          </a:prstGeom>
+          <a:gradFill>
+            <a:gsLst>
+              <a:gs pos="0">
+                <a:srgbClr val="000000">
+                  <a:alpha val="59000"/>
+                </a:srgbClr>
+              </a:gs>
+              <a:gs pos="69000">
+                <a:schemeClr val="accent1">
+                  <a:alpha val="0"/>
+                </a:schemeClr>
+              </a:gs>
+            </a:gsLst>
+            <a:lin ang="13200000" scaled="0"/>
+          </a:gradFill>
+          <a:ln>
+            <a:noFill/>
+          </a:ln>
+        </p:spPr>
+        <p:style>
+          <a:lnRef idx="2">
+            <a:schemeClr val="accent1">
+              <a:shade val="50000"/>
+            </a:schemeClr>
+          </a:lnRef>
+          <a:fillRef idx="1">
+            <a:schemeClr val="accent1"/>
+          </a:fillRef>
+          <a:effectRef idx="0">
+            <a:schemeClr val="accent1"/>
+          </a:effectRef>
+          <a:fontRef idx="minor">
+            <a:schemeClr val="lt1"/>
+          </a:fontRef>
+        </p:style>
+        <p:txBody>
+          <a:bodyPr rtlCol="0" anchor="ctr"/>
+          <a:lstStyle/>
+          <a:p>
+            <a:pPr algn="ctr"/>
+            <a:endParaRPr lang="en-US" dirty="0"/>
+          </a:p>
+        </p:txBody>
+      </p:sp>
+      <p:sp>
+        <p:nvSpPr>
+          <p:cNvPr id="32" name="Freeform: Shape 31">
+            <a:extLst>
+              <a:ext uri="{FF2B5EF4-FFF2-40B4-BE49-F238E27FC236}">
+                <a16:creationId xmlns:a16="http://schemas.microsoft.com/office/drawing/2014/main" id="{F8260ED5-17F7-4158-B241-D51DD4CF1B7E}"/>
+              </a:ext>
+              <a:ext uri="{C183D7F6-B498-43B3-948B-1728B52AA6E4}">
+                <adec:decorative xmlns:adec="http://schemas.microsoft.com/office/drawing/2017/decorative" val="1"/>
+              </a:ext>
+            </a:extLst>
+          </p:cNvPr>
+          <p:cNvSpPr>
+            <a:spLocks noGrp="1" noRot="1" noChangeAspect="1" noMove="1" noResize="1" noEditPoints="1" noAdjustHandles="1" noChangeArrowheads="1" noChangeShapeType="1" noTextEdit="1"/>
+          </p:cNvSpPr>
+          <p:nvPr>
+            <p:extLst>
+              <p:ext uri="{386F3935-93C4-4BCD-93E2-E3B085C9AB24}">
+                <p16:designElem xmlns:p16="http://schemas.microsoft.com/office/powerpoint/2015/main" val="1"/>
+              </p:ext>
+            </p:extLst>
+          </p:nvPr>
+        </p:nvSpPr>
+        <p:spPr>
+          <a:xfrm rot="6097846">
+            <a:off x="-747355" y="1201312"/>
+            <a:ext cx="4808302" cy="4088666"/>
+          </a:xfrm>
+          <a:custGeom>
+            <a:avLst/>
+            <a:gdLst>
+              <a:gd name="connsiteX0" fmla="*/ 48844 w 4808302"/>
+              <a:gd name="connsiteY0" fmla="*/ 2888671 h 4088666"/>
+              <a:gd name="connsiteX1" fmla="*/ 0 w 4808302"/>
+              <a:gd name="connsiteY1" fmla="*/ 2404151 h 4088666"/>
+              <a:gd name="connsiteX2" fmla="*/ 2404151 w 4808302"/>
+              <a:gd name="connsiteY2" fmla="*/ 0 h 4088666"/>
+              <a:gd name="connsiteX3" fmla="*/ 4808302 w 4808302"/>
+              <a:gd name="connsiteY3" fmla="*/ 2404151 h 4088666"/>
+              <a:gd name="connsiteX4" fmla="*/ 4700216 w 4808302"/>
+              <a:gd name="connsiteY4" fmla="*/ 3119072 h 4088666"/>
+              <a:gd name="connsiteX5" fmla="*/ 4643143 w 4808302"/>
+              <a:gd name="connsiteY5" fmla="*/ 3275009 h 4088666"/>
+              <a:gd name="connsiteX6" fmla="*/ 690093 w 4808302"/>
+              <a:gd name="connsiteY6" fmla="*/ 4088666 h 4088666"/>
+              <a:gd name="connsiteX7" fmla="*/ 548991 w 4808302"/>
+              <a:gd name="connsiteY7" fmla="*/ 3933414 h 4088666"/>
+              <a:gd name="connsiteX8" fmla="*/ 48844 w 4808302"/>
+              <a:gd name="connsiteY8" fmla="*/ 2888671 h 4088666"/>
+            </a:gdLst>
+            <a:ahLst/>
+            <a:cxnLst>
+              <a:cxn ang="0">
+                <a:pos x="connsiteX0" y="connsiteY0"/>
+              </a:cxn>
+              <a:cxn ang="0">
+                <a:pos x="connsiteX1" y="connsiteY1"/>
+              </a:cxn>
+              <a:cxn ang="0">
+                <a:pos x="connsiteX2" y="connsiteY2"/>
+              </a:cxn>
+              <a:cxn ang="0">
+                <a:pos x="connsiteX3" y="connsiteY3"/>
+              </a:cxn>
+              <a:cxn ang="0">
+                <a:pos x="connsiteX4" y="connsiteY4"/>
+              </a:cxn>
+              <a:cxn ang="0">
+                <a:pos x="connsiteX5" y="connsiteY5"/>
+              </a:cxn>
+              <a:cxn ang="0">
+                <a:pos x="connsiteX6" y="connsiteY6"/>
+              </a:cxn>
+              <a:cxn ang="0">
+                <a:pos x="connsiteX7" y="connsiteY7"/>
+              </a:cxn>
+              <a:cxn ang="0">
+                <a:pos x="connsiteX8" y="connsiteY8"/>
+              </a:cxn>
+            </a:cxnLst>
+            <a:rect l="l" t="t" r="r" b="b"/>
+            <a:pathLst>
+              <a:path w="4808302" h="4088666">
+                <a:moveTo>
+                  <a:pt x="48844" y="2888671"/>
+                </a:moveTo>
+                <a:cubicBezTo>
+                  <a:pt x="16818" y="2732167"/>
+                  <a:pt x="0" y="2570123"/>
+                  <a:pt x="0" y="2404151"/>
+                </a:cubicBezTo>
+                <a:cubicBezTo>
+                  <a:pt x="0" y="1076375"/>
+                  <a:pt x="1076375" y="0"/>
+                  <a:pt x="2404151" y="0"/>
+                </a:cubicBezTo>
+                <a:cubicBezTo>
+                  <a:pt x="3731927" y="0"/>
+                  <a:pt x="4808302" y="1076375"/>
+                  <a:pt x="4808302" y="2404151"/>
+                </a:cubicBezTo>
+                <a:cubicBezTo>
+                  <a:pt x="4808302" y="2653109"/>
+                  <a:pt x="4770461" y="2893229"/>
+                  <a:pt x="4700216" y="3119072"/>
+                </a:cubicBezTo>
+                <a:lnTo>
+                  <a:pt x="4643143" y="3275009"/>
+                </a:lnTo>
+                <a:lnTo>
+                  <a:pt x="690093" y="4088666"/>
+                </a:lnTo>
+                <a:lnTo>
+                  <a:pt x="548991" y="3933414"/>
+                </a:lnTo>
+                <a:cubicBezTo>
+                  <a:pt x="304015" y="3636572"/>
+                  <a:pt x="128908" y="3279932"/>
+                  <a:pt x="48844" y="2888671"/>
+                </a:cubicBezTo>
+                <a:close/>
+              </a:path>
+            </a:pathLst>
+          </a:custGeom>
+          <a:gradFill>
+            <a:gsLst>
+              <a:gs pos="39000">
+                <a:schemeClr val="accent1">
+                  <a:lumMod val="60000"/>
+                  <a:lumOff val="40000"/>
+                  <a:alpha val="0"/>
+                </a:schemeClr>
+              </a:gs>
+              <a:gs pos="100000">
+                <a:schemeClr val="accent1">
+                  <a:lumMod val="75000"/>
+                  <a:alpha val="26000"/>
+                </a:schemeClr>
+              </a:gs>
+            </a:gsLst>
+            <a:lin ang="18600000" scaled="0"/>
+          </a:gradFill>
+          <a:ln>
+            <a:noFill/>
+          </a:ln>
+        </p:spPr>
+        <p:style>
+          <a:lnRef idx="2">
+            <a:schemeClr val="accent1">
+              <a:shade val="50000"/>
+            </a:schemeClr>
+          </a:lnRef>
+          <a:fillRef idx="1">
+            <a:schemeClr val="accent1"/>
+          </a:fillRef>
+          <a:effectRef idx="0">
+            <a:schemeClr val="accent1"/>
+          </a:effectRef>
+          <a:fontRef idx="minor">
+            <a:schemeClr val="lt1"/>
+          </a:fontRef>
+        </p:style>
+        <p:txBody>
+          <a:bodyPr wrap="square" rtlCol="0" anchor="ctr">
+            <a:noAutofit/>
+          </a:bodyPr>
+          <a:lstStyle/>
+          <a:p>
+            <a:pPr algn="ctr"/>
+            <a:endParaRPr lang="en-US" dirty="0"/>
+          </a:p>
+        </p:txBody>
+      </p:sp>
+      <p:sp>
+        <p:nvSpPr>
+          <p:cNvPr id="2" name="Cím 1">
+            <a:extLst>
+              <a:ext uri="{FF2B5EF4-FFF2-40B4-BE49-F238E27FC236}">
+                <a16:creationId xmlns:a16="http://schemas.microsoft.com/office/drawing/2014/main" id="{83324CB0-604C-413A-A33E-E81A89945FCE}"/>
+              </a:ext>
+            </a:extLst>
+          </p:cNvPr>
+          <p:cNvSpPr>
+            <a:spLocks noGrp="1"/>
+          </p:cNvSpPr>
+          <p:nvPr>
+            <p:ph type="title"/>
+          </p:nvPr>
+        </p:nvSpPr>
+        <p:spPr>
+          <a:xfrm>
             <a:off x="354105" y="2100900"/>
             <a:ext cx="3579222" cy="3071906"/>
           </a:xfrm>
@@ -4768,6 +5544,86 @@
 </file>
 
 <file path=ppt/slides/slide2.xml><?xml version="1.0" encoding="utf-8"?>
+<p:sld xmlns:a="http://schemas.openxmlformats.org/drawingml/2006/main" xmlns:r="http://schemas.openxmlformats.org/officeDocument/2006/relationships" xmlns:p="http://schemas.openxmlformats.org/presentationml/2006/main">
+  <p:cSld>
+    <p:spTree>
+      <p:nvGrpSpPr>
+        <p:cNvPr id="1" name=""/>
+        <p:cNvGrpSpPr/>
+        <p:nvPr/>
+      </p:nvGrpSpPr>
+      <p:grpSpPr>
+        <a:xfrm>
+          <a:off x="0" y="0"/>
+          <a:ext cx="0" cy="0"/>
+          <a:chOff x="0" y="0"/>
+          <a:chExt cx="0" cy="0"/>
+        </a:xfrm>
+      </p:grpSpPr>
+      <p:sp>
+        <p:nvSpPr>
+          <p:cNvPr id="2" name="Cím 1">
+            <a:extLst>
+              <a:ext uri="{FF2B5EF4-FFF2-40B4-BE49-F238E27FC236}">
+                <a16:creationId xmlns:a16="http://schemas.microsoft.com/office/drawing/2014/main" id="{7A3CCADE-D4C7-46F4-BB26-D5FF894A5C66}"/>
+              </a:ext>
+            </a:extLst>
+          </p:cNvPr>
+          <p:cNvSpPr>
+            <a:spLocks noGrp="1"/>
+          </p:cNvSpPr>
+          <p:nvPr>
+            <p:ph type="title"/>
+          </p:nvPr>
+        </p:nvSpPr>
+        <p:spPr/>
+        <p:txBody>
+          <a:bodyPr/>
+          <a:lstStyle/>
+          <a:p>
+            <a:endParaRPr lang="hu-HU"/>
+          </a:p>
+        </p:txBody>
+      </p:sp>
+      <p:sp>
+        <p:nvSpPr>
+          <p:cNvPr id="3" name="Tartalom helye 2">
+            <a:extLst>
+              <a:ext uri="{FF2B5EF4-FFF2-40B4-BE49-F238E27FC236}">
+                <a16:creationId xmlns:a16="http://schemas.microsoft.com/office/drawing/2014/main" id="{E9D1BD39-229B-4633-925D-FD81F52A0569}"/>
+              </a:ext>
+            </a:extLst>
+          </p:cNvPr>
+          <p:cNvSpPr>
+            <a:spLocks noGrp="1"/>
+          </p:cNvSpPr>
+          <p:nvPr>
+            <p:ph idx="1"/>
+          </p:nvPr>
+        </p:nvSpPr>
+        <p:spPr/>
+        <p:txBody>
+          <a:bodyPr/>
+          <a:lstStyle/>
+          <a:p>
+            <a:endParaRPr lang="hu-HU"/>
+          </a:p>
+        </p:txBody>
+      </p:sp>
+    </p:spTree>
+    <p:extLst>
+      <p:ext uri="{BB962C8B-B14F-4D97-AF65-F5344CB8AC3E}">
+        <p14:creationId xmlns:p14="http://schemas.microsoft.com/office/powerpoint/2010/main" val="3274728984"/>
+      </p:ext>
+    </p:extLst>
+  </p:cSld>
+  <p:clrMapOvr>
+    <a:masterClrMapping/>
+  </p:clrMapOvr>
+</p:sld>
+</file>
+
+<file path=ppt/slides/slide3.xml><?xml version="1.0" encoding="utf-8"?>
 <p:sld xmlns:a="http://schemas.openxmlformats.org/drawingml/2006/main" xmlns:r="http://schemas.openxmlformats.org/officeDocument/2006/relationships" xmlns:p="http://schemas.openxmlformats.org/presentationml/2006/main">
   <p:cSld>
     <p:bg>
@@ -5578,7 +6434,7 @@
 </p:sld>
 </file>
 
-<file path=ppt/slides/slide3.xml><?xml version="1.0" encoding="utf-8"?>
+<file path=ppt/slides/slide4.xml><?xml version="1.0" encoding="utf-8"?>
 <p:sld xmlns:a="http://schemas.openxmlformats.org/drawingml/2006/main" xmlns:r="http://schemas.openxmlformats.org/officeDocument/2006/relationships" xmlns:p="http://schemas.openxmlformats.org/presentationml/2006/main">
   <p:cSld>
     <p:bg>
@@ -6341,7 +7197,7 @@
 </p:sld>
 </file>
 
-<file path=ppt/slides/slide4.xml><?xml version="1.0" encoding="utf-8"?>
+<file path=ppt/slides/slide5.xml><?xml version="1.0" encoding="utf-8"?>
 <p:sld xmlns:a="http://schemas.openxmlformats.org/drawingml/2006/main" xmlns:r="http://schemas.openxmlformats.org/officeDocument/2006/relationships" xmlns:p="http://schemas.openxmlformats.org/presentationml/2006/main">
   <p:cSld>
     <p:bg>
@@ -7208,7 +8064,7 @@
 </p:sld>
 </file>
 
-<file path=ppt/slides/slide5.xml><?xml version="1.0" encoding="utf-8"?>
+<file path=ppt/slides/slide6.xml><?xml version="1.0" encoding="utf-8"?>
 <p:sld xmlns:a="http://schemas.openxmlformats.org/drawingml/2006/main" xmlns:r="http://schemas.openxmlformats.org/officeDocument/2006/relationships" xmlns:p="http://schemas.openxmlformats.org/presentationml/2006/main">
   <p:cSld>
     <p:bg>
@@ -8333,7 +9189,7 @@
 </p:sld>
 </file>
 
-<file path=ppt/slides/slide6.xml><?xml version="1.0" encoding="utf-8"?>
+<file path=ppt/slides/slide7.xml><?xml version="1.0" encoding="utf-8"?>
 <p:sld xmlns:a="http://schemas.openxmlformats.org/drawingml/2006/main" xmlns:r="http://schemas.openxmlformats.org/officeDocument/2006/relationships" xmlns:p="http://schemas.openxmlformats.org/presentationml/2006/main">
   <p:cSld>
     <p:bg>
@@ -9068,7 +9924,7 @@
 </p:sld>
 </file>
 
-<file path=ppt/slides/slide7.xml><?xml version="1.0" encoding="utf-8"?>
+<file path=ppt/slides/slide8.xml><?xml version="1.0" encoding="utf-8"?>
 <p:sld xmlns:a="http://schemas.openxmlformats.org/drawingml/2006/main" xmlns:r="http://schemas.openxmlformats.org/officeDocument/2006/relationships" xmlns:p="http://schemas.openxmlformats.org/presentationml/2006/main">
   <p:cSld>
     <p:bg>
@@ -9889,7 +10745,7 @@
 </p:sld>
 </file>
 
-<file path=ppt/slides/slide8.xml><?xml version="1.0" encoding="utf-8"?>
+<file path=ppt/slides/slide9.xml><?xml version="1.0" encoding="utf-8"?>
 <p:sld xmlns:a="http://schemas.openxmlformats.org/drawingml/2006/main" xmlns:r="http://schemas.openxmlformats.org/officeDocument/2006/relationships" xmlns:p="http://schemas.openxmlformats.org/presentationml/2006/main">
   <p:cSld>
     <p:bg>
@@ -10552,776 +11408,6 @@
     <p:extLst>
       <p:ext uri="{BB962C8B-B14F-4D97-AF65-F5344CB8AC3E}">
         <p14:creationId xmlns:p14="http://schemas.microsoft.com/office/powerpoint/2010/main" val="1968849174"/>
-      </p:ext>
-    </p:extLst>
-  </p:cSld>
-  <p:clrMapOvr>
-    <a:masterClrMapping/>
-  </p:clrMapOvr>
-</p:sld>
-</file>
-
-<file path=ppt/slides/slide9.xml><?xml version="1.0" encoding="utf-8"?>
-<p:sld xmlns:a="http://schemas.openxmlformats.org/drawingml/2006/main" xmlns:r="http://schemas.openxmlformats.org/officeDocument/2006/relationships" xmlns:p="http://schemas.openxmlformats.org/presentationml/2006/main">
-  <p:cSld>
-    <p:bg>
-      <p:bgPr>
-        <a:solidFill>
-          <a:schemeClr val="bg1"/>
-        </a:solidFill>
-        <a:effectLst/>
-      </p:bgPr>
-    </p:bg>
-    <p:spTree>
-      <p:nvGrpSpPr>
-        <p:cNvPr id="1" name=""/>
-        <p:cNvGrpSpPr/>
-        <p:nvPr/>
-      </p:nvGrpSpPr>
-      <p:grpSpPr>
-        <a:xfrm>
-          <a:off x="0" y="0"/>
-          <a:ext cx="0" cy="0"/>
-          <a:chOff x="0" y="0"/>
-          <a:chExt cx="0" cy="0"/>
-        </a:xfrm>
-      </p:grpSpPr>
-      <p:sp useBgFill="1">
-        <p:nvSpPr>
-          <p:cNvPr id="10" name="Rectangle 9">
-            <a:extLst>
-              <a:ext uri="{FF2B5EF4-FFF2-40B4-BE49-F238E27FC236}">
-                <a16:creationId xmlns:a16="http://schemas.microsoft.com/office/drawing/2014/main" id="{A8384FB5-9ADC-4DDC-881B-597D56F5B15D}"/>
-              </a:ext>
-              <a:ext uri="{C183D7F6-B498-43B3-948B-1728B52AA6E4}">
-                <adec:decorative xmlns:adec="http://schemas.microsoft.com/office/drawing/2017/decorative" val="1"/>
-              </a:ext>
-            </a:extLst>
-          </p:cNvPr>
-          <p:cNvSpPr>
-            <a:spLocks noGrp="1" noRot="1" noChangeAspect="1" noMove="1" noResize="1" noEditPoints="1" noAdjustHandles="1" noChangeArrowheads="1" noChangeShapeType="1" noTextEdit="1"/>
-          </p:cNvSpPr>
-          <p:nvPr>
-            <p:extLst>
-              <p:ext uri="{386F3935-93C4-4BCD-93E2-E3B085C9AB24}">
-                <p16:designElem xmlns:p16="http://schemas.microsoft.com/office/powerpoint/2015/main" val="1"/>
-              </p:ext>
-            </p:extLst>
-          </p:nvPr>
-        </p:nvSpPr>
-        <p:spPr>
-          <a:xfrm>
-            <a:off x="0" y="0"/>
-            <a:ext cx="12192000" cy="6858000"/>
-          </a:xfrm>
-          <a:prstGeom prst="rect">
-            <a:avLst/>
-          </a:prstGeom>
-          <a:ln w="12700" cap="flat" cmpd="sng" algn="ctr">
-            <a:noFill/>
-            <a:prstDash val="solid"/>
-            <a:miter lim="800000"/>
-          </a:ln>
-          <a:effectLst/>
-          <a:extLst>
-            <a:ext uri="{91240B29-F687-4F45-9708-019B960494DF}">
-              <a14:hiddenLine xmlns:a14="http://schemas.microsoft.com/office/drawing/2010/main" w="12700" cap="flat" cmpd="sng" algn="ctr">
-                <a:solidFill>
-                  <a:schemeClr val="accent1">
-                    <a:shade val="50000"/>
-                  </a:schemeClr>
-                </a:solidFill>
-                <a:prstDash val="solid"/>
-                <a:miter lim="800000"/>
-              </a14:hiddenLine>
-            </a:ext>
-          </a:extLst>
-        </p:spPr>
-        <p:style>
-          <a:lnRef idx="2">
-            <a:schemeClr val="accent1">
-              <a:shade val="50000"/>
-            </a:schemeClr>
-          </a:lnRef>
-          <a:fillRef idx="1">
-            <a:schemeClr val="accent1"/>
-          </a:fillRef>
-          <a:effectRef idx="0">
-            <a:schemeClr val="accent1"/>
-          </a:effectRef>
-          <a:fontRef idx="minor">
-            <a:schemeClr val="lt1"/>
-          </a:fontRef>
-        </p:style>
-        <p:txBody>
-          <a:bodyPr rtlCol="0" anchor="ctr"/>
-          <a:lstStyle/>
-          <a:p>
-            <a:pPr algn="ctr"/>
-            <a:endParaRPr lang="en-US"/>
-          </a:p>
-        </p:txBody>
-      </p:sp>
-      <p:sp>
-        <p:nvSpPr>
-          <p:cNvPr id="12" name="Rectangle 11">
-            <a:extLst>
-              <a:ext uri="{FF2B5EF4-FFF2-40B4-BE49-F238E27FC236}">
-                <a16:creationId xmlns:a16="http://schemas.microsoft.com/office/drawing/2014/main" id="{91E5A9A7-95C6-4F4F-B00E-C82E07FE62EF}"/>
-              </a:ext>
-              <a:ext uri="{C183D7F6-B498-43B3-948B-1728B52AA6E4}">
-                <adec:decorative xmlns:adec="http://schemas.microsoft.com/office/drawing/2017/decorative" val="1"/>
-              </a:ext>
-            </a:extLst>
-          </p:cNvPr>
-          <p:cNvSpPr>
-            <a:spLocks noGrp="1" noRot="1" noChangeAspect="1" noMove="1" noResize="1" noEditPoints="1" noAdjustHandles="1" noChangeArrowheads="1" noChangeShapeType="1" noTextEdit="1"/>
-          </p:cNvSpPr>
-          <p:nvPr>
-            <p:extLst>
-              <p:ext uri="{386F3935-93C4-4BCD-93E2-E3B085C9AB24}">
-                <p16:designElem xmlns:p16="http://schemas.microsoft.com/office/powerpoint/2015/main" val="1"/>
-              </p:ext>
-            </p:extLst>
-          </p:nvPr>
-        </p:nvSpPr>
-        <p:spPr>
-          <a:xfrm rot="5400000" flipH="1">
-            <a:off x="-1417539" y="1417538"/>
-            <a:ext cx="6875818" cy="4040744"/>
-          </a:xfrm>
-          <a:prstGeom prst="rect">
-            <a:avLst/>
-          </a:prstGeom>
-          <a:gradFill>
-            <a:gsLst>
-              <a:gs pos="0">
-                <a:srgbClr val="000000"/>
-              </a:gs>
-              <a:gs pos="100000">
-                <a:schemeClr val="accent1">
-                  <a:lumMod val="75000"/>
-                </a:schemeClr>
-              </a:gs>
-            </a:gsLst>
-            <a:lin ang="18600000" scaled="0"/>
-          </a:gradFill>
-          <a:ln>
-            <a:noFill/>
-          </a:ln>
-        </p:spPr>
-        <p:style>
-          <a:lnRef idx="2">
-            <a:schemeClr val="accent1">
-              <a:shade val="50000"/>
-            </a:schemeClr>
-          </a:lnRef>
-          <a:fillRef idx="1">
-            <a:schemeClr val="accent1"/>
-          </a:fillRef>
-          <a:effectRef idx="0">
-            <a:schemeClr val="accent1"/>
-          </a:effectRef>
-          <a:fontRef idx="minor">
-            <a:schemeClr val="lt1"/>
-          </a:fontRef>
-        </p:style>
-        <p:txBody>
-          <a:bodyPr rtlCol="0" anchor="ctr"/>
-          <a:lstStyle/>
-          <a:p>
-            <a:pPr algn="ctr"/>
-            <a:endParaRPr lang="en-US" dirty="0"/>
-          </a:p>
-        </p:txBody>
-      </p:sp>
-      <p:sp>
-        <p:nvSpPr>
-          <p:cNvPr id="14" name="Rectangle 13">
-            <a:extLst>
-              <a:ext uri="{FF2B5EF4-FFF2-40B4-BE49-F238E27FC236}">
-                <a16:creationId xmlns:a16="http://schemas.microsoft.com/office/drawing/2014/main" id="{D07DD2DE-F619-49DD-B5E7-03A290FF4ED1}"/>
-              </a:ext>
-              <a:ext uri="{C183D7F6-B498-43B3-948B-1728B52AA6E4}">
-                <adec:decorative xmlns:adec="http://schemas.microsoft.com/office/drawing/2017/decorative" val="1"/>
-              </a:ext>
-            </a:extLst>
-          </p:cNvPr>
-          <p:cNvSpPr>
-            <a:spLocks noGrp="1" noRot="1" noChangeAspect="1" noMove="1" noResize="1" noEditPoints="1" noAdjustHandles="1" noChangeArrowheads="1" noChangeShapeType="1" noTextEdit="1"/>
-          </p:cNvSpPr>
-          <p:nvPr>
-            <p:extLst>
-              <p:ext uri="{386F3935-93C4-4BCD-93E2-E3B085C9AB24}">
-                <p16:designElem xmlns:p16="http://schemas.microsoft.com/office/powerpoint/2015/main" val="1"/>
-              </p:ext>
-            </p:extLst>
-          </p:nvPr>
-        </p:nvSpPr>
-        <p:spPr>
-          <a:xfrm rot="16200000">
-            <a:off x="-158495" y="2660473"/>
-            <a:ext cx="4355594" cy="4038603"/>
-          </a:xfrm>
-          <a:prstGeom prst="rect">
-            <a:avLst/>
-          </a:prstGeom>
-          <a:gradFill>
-            <a:gsLst>
-              <a:gs pos="0">
-                <a:schemeClr val="accent1">
-                  <a:alpha val="50000"/>
-                </a:schemeClr>
-              </a:gs>
-              <a:gs pos="100000">
-                <a:schemeClr val="accent1">
-                  <a:lumMod val="50000"/>
-                  <a:alpha val="0"/>
-                </a:schemeClr>
-              </a:gs>
-            </a:gsLst>
-            <a:lin ang="11400000" scaled="0"/>
-          </a:gradFill>
-          <a:ln>
-            <a:noFill/>
-          </a:ln>
-        </p:spPr>
-        <p:style>
-          <a:lnRef idx="2">
-            <a:schemeClr val="accent1">
-              <a:shade val="50000"/>
-            </a:schemeClr>
-          </a:lnRef>
-          <a:fillRef idx="1">
-            <a:schemeClr val="accent1"/>
-          </a:fillRef>
-          <a:effectRef idx="0">
-            <a:schemeClr val="accent1"/>
-          </a:effectRef>
-          <a:fontRef idx="minor">
-            <a:schemeClr val="lt1"/>
-          </a:fontRef>
-        </p:style>
-        <p:txBody>
-          <a:bodyPr rtlCol="0" anchor="ctr"/>
-          <a:lstStyle/>
-          <a:p>
-            <a:pPr algn="ctr"/>
-            <a:endParaRPr lang="en-US"/>
-          </a:p>
-        </p:txBody>
-      </p:sp>
-      <p:sp>
-        <p:nvSpPr>
-          <p:cNvPr id="16" name="Rectangle 15">
-            <a:extLst>
-              <a:ext uri="{FF2B5EF4-FFF2-40B4-BE49-F238E27FC236}">
-                <a16:creationId xmlns:a16="http://schemas.microsoft.com/office/drawing/2014/main" id="{85149191-5F60-4A28-AAFF-039F96B0F3EC}"/>
-              </a:ext>
-              <a:ext uri="{C183D7F6-B498-43B3-948B-1728B52AA6E4}">
-                <adec:decorative xmlns:adec="http://schemas.microsoft.com/office/drawing/2017/decorative" val="1"/>
-              </a:ext>
-            </a:extLst>
-          </p:cNvPr>
-          <p:cNvSpPr>
-            <a:spLocks noGrp="1" noRot="1" noChangeAspect="1" noMove="1" noResize="1" noEditPoints="1" noAdjustHandles="1" noChangeArrowheads="1" noChangeShapeType="1" noTextEdit="1"/>
-          </p:cNvSpPr>
-          <p:nvPr>
-            <p:extLst>
-              <p:ext uri="{386F3935-93C4-4BCD-93E2-E3B085C9AB24}">
-                <p16:designElem xmlns:p16="http://schemas.microsoft.com/office/powerpoint/2015/main" val="1"/>
-              </p:ext>
-            </p:extLst>
-          </p:nvPr>
-        </p:nvSpPr>
-        <p:spPr>
-          <a:xfrm rot="16200000" flipH="1">
-            <a:off x="-1180882" y="1638085"/>
-            <a:ext cx="6857572" cy="3581401"/>
-          </a:xfrm>
-          <a:prstGeom prst="rect">
-            <a:avLst/>
-          </a:prstGeom>
-          <a:gradFill>
-            <a:gsLst>
-              <a:gs pos="0">
-                <a:srgbClr val="000000">
-                  <a:alpha val="59000"/>
-                </a:srgbClr>
-              </a:gs>
-              <a:gs pos="69000">
-                <a:schemeClr val="accent1">
-                  <a:alpha val="0"/>
-                </a:schemeClr>
-              </a:gs>
-            </a:gsLst>
-            <a:lin ang="13200000" scaled="0"/>
-          </a:gradFill>
-          <a:ln>
-            <a:noFill/>
-          </a:ln>
-        </p:spPr>
-        <p:style>
-          <a:lnRef idx="2">
-            <a:schemeClr val="accent1">
-              <a:shade val="50000"/>
-            </a:schemeClr>
-          </a:lnRef>
-          <a:fillRef idx="1">
-            <a:schemeClr val="accent1"/>
-          </a:fillRef>
-          <a:effectRef idx="0">
-            <a:schemeClr val="accent1"/>
-          </a:effectRef>
-          <a:fontRef idx="minor">
-            <a:schemeClr val="lt1"/>
-          </a:fontRef>
-        </p:style>
-        <p:txBody>
-          <a:bodyPr rtlCol="0" anchor="ctr"/>
-          <a:lstStyle/>
-          <a:p>
-            <a:pPr algn="ctr"/>
-            <a:endParaRPr lang="en-US" dirty="0"/>
-          </a:p>
-        </p:txBody>
-      </p:sp>
-      <p:sp>
-        <p:nvSpPr>
-          <p:cNvPr id="18" name="Freeform: Shape 17">
-            <a:extLst>
-              <a:ext uri="{FF2B5EF4-FFF2-40B4-BE49-F238E27FC236}">
-                <a16:creationId xmlns:a16="http://schemas.microsoft.com/office/drawing/2014/main" id="{F8260ED5-17F7-4158-B241-D51DD4CF1B7E}"/>
-              </a:ext>
-              <a:ext uri="{C183D7F6-B498-43B3-948B-1728B52AA6E4}">
-                <adec:decorative xmlns:adec="http://schemas.microsoft.com/office/drawing/2017/decorative" val="1"/>
-              </a:ext>
-            </a:extLst>
-          </p:cNvPr>
-          <p:cNvSpPr>
-            <a:spLocks noGrp="1" noRot="1" noChangeAspect="1" noMove="1" noResize="1" noEditPoints="1" noAdjustHandles="1" noChangeArrowheads="1" noChangeShapeType="1" noTextEdit="1"/>
-          </p:cNvSpPr>
-          <p:nvPr>
-            <p:extLst>
-              <p:ext uri="{386F3935-93C4-4BCD-93E2-E3B085C9AB24}">
-                <p16:designElem xmlns:p16="http://schemas.microsoft.com/office/powerpoint/2015/main" val="1"/>
-              </p:ext>
-            </p:extLst>
-          </p:nvPr>
-        </p:nvSpPr>
-        <p:spPr>
-          <a:xfrm rot="6097846">
-            <a:off x="-747355" y="1201312"/>
-            <a:ext cx="4808302" cy="4088666"/>
-          </a:xfrm>
-          <a:custGeom>
-            <a:avLst/>
-            <a:gdLst>
-              <a:gd name="connsiteX0" fmla="*/ 48844 w 4808302"/>
-              <a:gd name="connsiteY0" fmla="*/ 2888671 h 4088666"/>
-              <a:gd name="connsiteX1" fmla="*/ 0 w 4808302"/>
-              <a:gd name="connsiteY1" fmla="*/ 2404151 h 4088666"/>
-              <a:gd name="connsiteX2" fmla="*/ 2404151 w 4808302"/>
-              <a:gd name="connsiteY2" fmla="*/ 0 h 4088666"/>
-              <a:gd name="connsiteX3" fmla="*/ 4808302 w 4808302"/>
-              <a:gd name="connsiteY3" fmla="*/ 2404151 h 4088666"/>
-              <a:gd name="connsiteX4" fmla="*/ 4700216 w 4808302"/>
-              <a:gd name="connsiteY4" fmla="*/ 3119072 h 4088666"/>
-              <a:gd name="connsiteX5" fmla="*/ 4643143 w 4808302"/>
-              <a:gd name="connsiteY5" fmla="*/ 3275009 h 4088666"/>
-              <a:gd name="connsiteX6" fmla="*/ 690093 w 4808302"/>
-              <a:gd name="connsiteY6" fmla="*/ 4088666 h 4088666"/>
-              <a:gd name="connsiteX7" fmla="*/ 548991 w 4808302"/>
-              <a:gd name="connsiteY7" fmla="*/ 3933414 h 4088666"/>
-              <a:gd name="connsiteX8" fmla="*/ 48844 w 4808302"/>
-              <a:gd name="connsiteY8" fmla="*/ 2888671 h 4088666"/>
-            </a:gdLst>
-            <a:ahLst/>
-            <a:cxnLst>
-              <a:cxn ang="0">
-                <a:pos x="connsiteX0" y="connsiteY0"/>
-              </a:cxn>
-              <a:cxn ang="0">
-                <a:pos x="connsiteX1" y="connsiteY1"/>
-              </a:cxn>
-              <a:cxn ang="0">
-                <a:pos x="connsiteX2" y="connsiteY2"/>
-              </a:cxn>
-              <a:cxn ang="0">
-                <a:pos x="connsiteX3" y="connsiteY3"/>
-              </a:cxn>
-              <a:cxn ang="0">
-                <a:pos x="connsiteX4" y="connsiteY4"/>
-              </a:cxn>
-              <a:cxn ang="0">
-                <a:pos x="connsiteX5" y="connsiteY5"/>
-              </a:cxn>
-              <a:cxn ang="0">
-                <a:pos x="connsiteX6" y="connsiteY6"/>
-              </a:cxn>
-              <a:cxn ang="0">
-                <a:pos x="connsiteX7" y="connsiteY7"/>
-              </a:cxn>
-              <a:cxn ang="0">
-                <a:pos x="connsiteX8" y="connsiteY8"/>
-              </a:cxn>
-            </a:cxnLst>
-            <a:rect l="l" t="t" r="r" b="b"/>
-            <a:pathLst>
-              <a:path w="4808302" h="4088666">
-                <a:moveTo>
-                  <a:pt x="48844" y="2888671"/>
-                </a:moveTo>
-                <a:cubicBezTo>
-                  <a:pt x="16818" y="2732167"/>
-                  <a:pt x="0" y="2570123"/>
-                  <a:pt x="0" y="2404151"/>
-                </a:cubicBezTo>
-                <a:cubicBezTo>
-                  <a:pt x="0" y="1076375"/>
-                  <a:pt x="1076375" y="0"/>
-                  <a:pt x="2404151" y="0"/>
-                </a:cubicBezTo>
-                <a:cubicBezTo>
-                  <a:pt x="3731927" y="0"/>
-                  <a:pt x="4808302" y="1076375"/>
-                  <a:pt x="4808302" y="2404151"/>
-                </a:cubicBezTo>
-                <a:cubicBezTo>
-                  <a:pt x="4808302" y="2653109"/>
-                  <a:pt x="4770461" y="2893229"/>
-                  <a:pt x="4700216" y="3119072"/>
-                </a:cubicBezTo>
-                <a:lnTo>
-                  <a:pt x="4643143" y="3275009"/>
-                </a:lnTo>
-                <a:lnTo>
-                  <a:pt x="690093" y="4088666"/>
-                </a:lnTo>
-                <a:lnTo>
-                  <a:pt x="548991" y="3933414"/>
-                </a:lnTo>
-                <a:cubicBezTo>
-                  <a:pt x="304015" y="3636572"/>
-                  <a:pt x="128908" y="3279932"/>
-                  <a:pt x="48844" y="2888671"/>
-                </a:cubicBezTo>
-                <a:close/>
-              </a:path>
-            </a:pathLst>
-          </a:custGeom>
-          <a:gradFill>
-            <a:gsLst>
-              <a:gs pos="39000">
-                <a:schemeClr val="accent1">
-                  <a:lumMod val="60000"/>
-                  <a:lumOff val="40000"/>
-                  <a:alpha val="0"/>
-                </a:schemeClr>
-              </a:gs>
-              <a:gs pos="100000">
-                <a:schemeClr val="accent1">
-                  <a:lumMod val="75000"/>
-                  <a:alpha val="26000"/>
-                </a:schemeClr>
-              </a:gs>
-            </a:gsLst>
-            <a:lin ang="18600000" scaled="0"/>
-          </a:gradFill>
-          <a:ln>
-            <a:noFill/>
-          </a:ln>
-        </p:spPr>
-        <p:style>
-          <a:lnRef idx="2">
-            <a:schemeClr val="accent1">
-              <a:shade val="50000"/>
-            </a:schemeClr>
-          </a:lnRef>
-          <a:fillRef idx="1">
-            <a:schemeClr val="accent1"/>
-          </a:fillRef>
-          <a:effectRef idx="0">
-            <a:schemeClr val="accent1"/>
-          </a:effectRef>
-          <a:fontRef idx="minor">
-            <a:schemeClr val="lt1"/>
-          </a:fontRef>
-        </p:style>
-        <p:txBody>
-          <a:bodyPr wrap="square" rtlCol="0" anchor="ctr">
-            <a:noAutofit/>
-          </a:bodyPr>
-          <a:lstStyle/>
-          <a:p>
-            <a:pPr algn="ctr"/>
-            <a:endParaRPr lang="en-US" dirty="0"/>
-          </a:p>
-        </p:txBody>
-      </p:sp>
-      <p:sp>
-        <p:nvSpPr>
-          <p:cNvPr id="2" name="Cím 1">
-            <a:extLst>
-              <a:ext uri="{FF2B5EF4-FFF2-40B4-BE49-F238E27FC236}">
-                <a16:creationId xmlns:a16="http://schemas.microsoft.com/office/drawing/2014/main" id="{83324CB0-604C-413A-A33E-E81A89945FCE}"/>
-              </a:ext>
-            </a:extLst>
-          </p:cNvPr>
-          <p:cNvSpPr>
-            <a:spLocks noGrp="1"/>
-          </p:cNvSpPr>
-          <p:nvPr>
-            <p:ph type="title"/>
-          </p:nvPr>
-        </p:nvSpPr>
-        <p:spPr>
-          <a:xfrm>
-            <a:off x="673104" y="1923325"/>
-            <a:ext cx="2880828" cy="3071906"/>
-          </a:xfrm>
-        </p:spPr>
-        <p:txBody>
-          <a:bodyPr vert="horz" lIns="91440" tIns="45720" rIns="91440" bIns="45720" rtlCol="0" anchor="t">
-            <a:normAutofit/>
-          </a:bodyPr>
-          <a:lstStyle/>
-          <a:p>
-            <a:r>
-              <a:rPr lang="hu-HU" sz="2000" kern="1200" dirty="0">
-                <a:solidFill>
-                  <a:srgbClr val="FFFFFF"/>
-                </a:solidFill>
-                <a:latin typeface="+mj-lt"/>
-                <a:ea typeface="+mj-ea"/>
-                <a:cs typeface="+mj-cs"/>
-              </a:rPr>
-              <a:t>Még egy-egy almenühöz különböző gombok létrehozása.</a:t>
-            </a:r>
-            <a:br>
-              <a:rPr lang="hu-HU" sz="2000" kern="1200" dirty="0">
-                <a:solidFill>
-                  <a:srgbClr val="FFFFFF"/>
-                </a:solidFill>
-                <a:latin typeface="+mj-lt"/>
-                <a:ea typeface="+mj-ea"/>
-                <a:cs typeface="+mj-cs"/>
-              </a:rPr>
-            </a:br>
-            <a:r>
-              <a:rPr lang="hu-HU" sz="2000" kern="1200" dirty="0">
-                <a:solidFill>
-                  <a:srgbClr val="FFFFFF"/>
-                </a:solidFill>
-                <a:latin typeface="+mj-lt"/>
-                <a:ea typeface="+mj-ea"/>
-                <a:cs typeface="+mj-cs"/>
-              </a:rPr>
-              <a:t>Pl.: „Törlés” gomb , amivel az adattáblánkból kitörölhetünk sorokat.  </a:t>
-            </a:r>
-            <a:endParaRPr lang="en-US" sz="2000" kern="1200" dirty="0">
-              <a:solidFill>
-                <a:srgbClr val="FFFFFF"/>
-              </a:solidFill>
-              <a:latin typeface="+mj-lt"/>
-              <a:ea typeface="+mj-ea"/>
-              <a:cs typeface="+mj-cs"/>
-            </a:endParaRPr>
-          </a:p>
-        </p:txBody>
-      </p:sp>
-      <p:pic>
-        <p:nvPicPr>
-          <p:cNvPr id="5" name="Tartalom helye 4">
-            <a:extLst>
-              <a:ext uri="{FF2B5EF4-FFF2-40B4-BE49-F238E27FC236}">
-                <a16:creationId xmlns:a16="http://schemas.microsoft.com/office/drawing/2014/main" id="{B1342991-5790-4FD0-AD15-BD379B7389AC}"/>
-              </a:ext>
-            </a:extLst>
-          </p:cNvPr>
-          <p:cNvPicPr>
-            <a:picLocks noGrp="1" noChangeAspect="1"/>
-          </p:cNvPicPr>
-          <p:nvPr>
-            <p:ph idx="1"/>
-          </p:nvPr>
-        </p:nvPicPr>
-        <p:blipFill>
-          <a:blip r:embed="rId2"/>
-          <a:stretch>
-            <a:fillRect/>
-          </a:stretch>
-        </p:blipFill>
-        <p:spPr>
-          <a:xfrm>
-            <a:off x="4520654" y="541883"/>
-            <a:ext cx="7225748" cy="5834790"/>
-          </a:xfrm>
-          <a:prstGeom prst="rect">
-            <a:avLst/>
-          </a:prstGeom>
-        </p:spPr>
-      </p:pic>
-      <p:sp>
-        <p:nvSpPr>
-          <p:cNvPr id="15" name="Téglalap: lekerekített 14">
-            <a:extLst>
-              <a:ext uri="{FF2B5EF4-FFF2-40B4-BE49-F238E27FC236}">
-                <a16:creationId xmlns:a16="http://schemas.microsoft.com/office/drawing/2014/main" id="{0E941265-82E7-4590-8B6E-383690EE8C85}"/>
-              </a:ext>
-            </a:extLst>
-          </p:cNvPr>
-          <p:cNvSpPr/>
-          <p:nvPr/>
-        </p:nvSpPr>
-        <p:spPr>
-          <a:xfrm>
-            <a:off x="7419401" y="6057013"/>
-            <a:ext cx="801092" cy="298292"/>
-          </a:xfrm>
-          <a:prstGeom prst="roundRect">
-            <a:avLst/>
-          </a:prstGeom>
-          <a:noFill/>
-          <a:ln w="38100">
-            <a:solidFill>
-              <a:srgbClr val="FF0000"/>
-            </a:solidFill>
-          </a:ln>
-        </p:spPr>
-        <p:style>
-          <a:lnRef idx="2">
-            <a:schemeClr val="accent1">
-              <a:shade val="50000"/>
-            </a:schemeClr>
-          </a:lnRef>
-          <a:fillRef idx="1">
-            <a:schemeClr val="accent1"/>
-          </a:fillRef>
-          <a:effectRef idx="0">
-            <a:schemeClr val="accent1"/>
-          </a:effectRef>
-          <a:fontRef idx="minor">
-            <a:schemeClr val="lt1"/>
-          </a:fontRef>
-        </p:style>
-        <p:txBody>
-          <a:bodyPr rtlCol="0" anchor="ctr"/>
-          <a:lstStyle/>
-          <a:p>
-            <a:pPr algn="ctr"/>
-            <a:endParaRPr lang="hu-HU"/>
-          </a:p>
-        </p:txBody>
-      </p:sp>
-      <p:sp>
-        <p:nvSpPr>
-          <p:cNvPr id="17" name="Téglalap: lekerekített 16">
-            <a:extLst>
-              <a:ext uri="{FF2B5EF4-FFF2-40B4-BE49-F238E27FC236}">
-                <a16:creationId xmlns:a16="http://schemas.microsoft.com/office/drawing/2014/main" id="{C2F2B5A4-F4F4-4A69-A38E-13ABCDDD0FEB}"/>
-              </a:ext>
-            </a:extLst>
-          </p:cNvPr>
-          <p:cNvSpPr/>
-          <p:nvPr/>
-        </p:nvSpPr>
-        <p:spPr>
-          <a:xfrm>
-            <a:off x="8523832" y="6057013"/>
-            <a:ext cx="801092" cy="298292"/>
-          </a:xfrm>
-          <a:prstGeom prst="roundRect">
-            <a:avLst/>
-          </a:prstGeom>
-          <a:noFill/>
-          <a:ln w="38100">
-            <a:solidFill>
-              <a:srgbClr val="FF0000"/>
-            </a:solidFill>
-          </a:ln>
-        </p:spPr>
-        <p:style>
-          <a:lnRef idx="2">
-            <a:schemeClr val="accent1">
-              <a:shade val="50000"/>
-            </a:schemeClr>
-          </a:lnRef>
-          <a:fillRef idx="1">
-            <a:schemeClr val="accent1"/>
-          </a:fillRef>
-          <a:effectRef idx="0">
-            <a:schemeClr val="accent1"/>
-          </a:effectRef>
-          <a:fontRef idx="minor">
-            <a:schemeClr val="lt1"/>
-          </a:fontRef>
-        </p:style>
-        <p:txBody>
-          <a:bodyPr rtlCol="0" anchor="ctr"/>
-          <a:lstStyle/>
-          <a:p>
-            <a:pPr algn="ctr"/>
-            <a:endParaRPr lang="hu-HU"/>
-          </a:p>
-        </p:txBody>
-      </p:sp>
-      <p:sp>
-        <p:nvSpPr>
-          <p:cNvPr id="19" name="Téglalap: lekerekített 18">
-            <a:extLst>
-              <a:ext uri="{FF2B5EF4-FFF2-40B4-BE49-F238E27FC236}">
-                <a16:creationId xmlns:a16="http://schemas.microsoft.com/office/drawing/2014/main" id="{8F40412C-D8BC-46CB-974A-234D7A1E9752}"/>
-              </a:ext>
-            </a:extLst>
-          </p:cNvPr>
-          <p:cNvSpPr/>
-          <p:nvPr/>
-        </p:nvSpPr>
-        <p:spPr>
-          <a:xfrm>
-            <a:off x="9610036" y="6057013"/>
-            <a:ext cx="801092" cy="298292"/>
-          </a:xfrm>
-          <a:prstGeom prst="roundRect">
-            <a:avLst/>
-          </a:prstGeom>
-          <a:noFill/>
-          <a:ln w="38100">
-            <a:solidFill>
-              <a:srgbClr val="FF0000"/>
-            </a:solidFill>
-          </a:ln>
-        </p:spPr>
-        <p:style>
-          <a:lnRef idx="2">
-            <a:schemeClr val="accent1">
-              <a:shade val="50000"/>
-            </a:schemeClr>
-          </a:lnRef>
-          <a:fillRef idx="1">
-            <a:schemeClr val="accent1"/>
-          </a:fillRef>
-          <a:effectRef idx="0">
-            <a:schemeClr val="accent1"/>
-          </a:effectRef>
-          <a:fontRef idx="minor">
-            <a:schemeClr val="lt1"/>
-          </a:fontRef>
-        </p:style>
-        <p:txBody>
-          <a:bodyPr rtlCol="0" anchor="ctr"/>
-          <a:lstStyle/>
-          <a:p>
-            <a:pPr algn="ctr"/>
-            <a:endParaRPr lang="hu-HU"/>
-          </a:p>
-        </p:txBody>
-      </p:sp>
-    </p:spTree>
-    <p:extLst>
-      <p:ext uri="{BB962C8B-B14F-4D97-AF65-F5344CB8AC3E}">
-        <p14:creationId xmlns:p14="http://schemas.microsoft.com/office/powerpoint/2010/main" val="3364366076"/>
       </p:ext>
     </p:extLst>
   </p:cSld>

--- a/SFM_Projekt_Áttekintés.pptx
+++ b/SFM_Projekt_Áttekintés.pptx
@@ -6,16 +6,15 @@
   </p:sldMasterIdLst>
   <p:sldIdLst>
     <p:sldId id="259" r:id="rId2"/>
-    <p:sldId id="272" r:id="rId3"/>
-    <p:sldId id="267" r:id="rId4"/>
-    <p:sldId id="256" r:id="rId5"/>
-    <p:sldId id="263" r:id="rId6"/>
-    <p:sldId id="269" r:id="rId7"/>
-    <p:sldId id="265" r:id="rId8"/>
-    <p:sldId id="268" r:id="rId9"/>
-    <p:sldId id="260" r:id="rId10"/>
-    <p:sldId id="257" r:id="rId11"/>
-    <p:sldId id="271" r:id="rId12"/>
+    <p:sldId id="267" r:id="rId3"/>
+    <p:sldId id="256" r:id="rId4"/>
+    <p:sldId id="263" r:id="rId5"/>
+    <p:sldId id="269" r:id="rId6"/>
+    <p:sldId id="265" r:id="rId7"/>
+    <p:sldId id="268" r:id="rId8"/>
+    <p:sldId id="260" r:id="rId9"/>
+    <p:sldId id="257" r:id="rId10"/>
+    <p:sldId id="271" r:id="rId11"/>
   </p:sldIdLst>
   <p:sldSz cx="12192000" cy="6858000"/>
   <p:notesSz cx="6858000" cy="9144000"/>
@@ -4136,7 +4135,7 @@
       </p:grpSpPr>
       <p:sp useBgFill="1">
         <p:nvSpPr>
-          <p:cNvPr id="10" name="Rectangle 9">
+          <p:cNvPr id="24" name="Rectangle 23">
             <a:extLst>
               <a:ext uri="{FF2B5EF4-FFF2-40B4-BE49-F238E27FC236}">
                 <a16:creationId xmlns:a16="http://schemas.microsoft.com/office/drawing/2014/main" id="{A8384FB5-9ADC-4DDC-881B-597D56F5B15D}"/>
@@ -4212,7 +4211,7 @@
       </p:sp>
       <p:sp>
         <p:nvSpPr>
-          <p:cNvPr id="12" name="Rectangle 11">
+          <p:cNvPr id="26" name="Rectangle 25">
             <a:extLst>
               <a:ext uri="{FF2B5EF4-FFF2-40B4-BE49-F238E27FC236}">
                 <a16:creationId xmlns:a16="http://schemas.microsoft.com/office/drawing/2014/main" id="{91E5A9A7-95C6-4F4F-B00E-C82E07FE62EF}"/>
@@ -4285,7 +4284,7 @@
       </p:sp>
       <p:sp>
         <p:nvSpPr>
-          <p:cNvPr id="14" name="Rectangle 13">
+          <p:cNvPr id="28" name="Rectangle 27">
             <a:extLst>
               <a:ext uri="{FF2B5EF4-FFF2-40B4-BE49-F238E27FC236}">
                 <a16:creationId xmlns:a16="http://schemas.microsoft.com/office/drawing/2014/main" id="{D07DD2DE-F619-49DD-B5E7-03A290FF4ED1}"/>
@@ -4361,7 +4360,7 @@
       </p:sp>
       <p:sp>
         <p:nvSpPr>
-          <p:cNvPr id="16" name="Rectangle 15">
+          <p:cNvPr id="30" name="Rectangle 29">
             <a:extLst>
               <a:ext uri="{FF2B5EF4-FFF2-40B4-BE49-F238E27FC236}">
                 <a16:creationId xmlns:a16="http://schemas.microsoft.com/office/drawing/2014/main" id="{85149191-5F60-4A28-AAFF-039F96B0F3EC}"/>
@@ -4436,7 +4435,7 @@
       </p:sp>
       <p:sp>
         <p:nvSpPr>
-          <p:cNvPr id="18" name="Freeform: Shape 17">
+          <p:cNvPr id="32" name="Freeform: Shape 31">
             <a:extLst>
               <a:ext uri="{FF2B5EF4-FFF2-40B4-BE49-F238E27FC236}">
                 <a16:creationId xmlns:a16="http://schemas.microsoft.com/office/drawing/2014/main" id="{F8260ED5-17F7-4158-B241-D51DD4CF1B7E}"/>
@@ -4625,776 +4624,6 @@
         </p:nvSpPr>
         <p:spPr>
           <a:xfrm>
-            <a:off x="673104" y="1923325"/>
-            <a:ext cx="2880828" cy="3071906"/>
-          </a:xfrm>
-        </p:spPr>
-        <p:txBody>
-          <a:bodyPr vert="horz" lIns="91440" tIns="45720" rIns="91440" bIns="45720" rtlCol="0" anchor="t">
-            <a:normAutofit/>
-          </a:bodyPr>
-          <a:lstStyle/>
-          <a:p>
-            <a:r>
-              <a:rPr lang="hu-HU" sz="2000" kern="1200" dirty="0">
-                <a:solidFill>
-                  <a:srgbClr val="FFFFFF"/>
-                </a:solidFill>
-                <a:latin typeface="+mj-lt"/>
-                <a:ea typeface="+mj-ea"/>
-                <a:cs typeface="+mj-cs"/>
-              </a:rPr>
-              <a:t>Még egy-egy almenühöz különböző gombok létrehozása.</a:t>
-            </a:r>
-            <a:br>
-              <a:rPr lang="hu-HU" sz="2000" kern="1200" dirty="0">
-                <a:solidFill>
-                  <a:srgbClr val="FFFFFF"/>
-                </a:solidFill>
-                <a:latin typeface="+mj-lt"/>
-                <a:ea typeface="+mj-ea"/>
-                <a:cs typeface="+mj-cs"/>
-              </a:rPr>
-            </a:br>
-            <a:r>
-              <a:rPr lang="hu-HU" sz="2000" kern="1200" dirty="0">
-                <a:solidFill>
-                  <a:srgbClr val="FFFFFF"/>
-                </a:solidFill>
-                <a:latin typeface="+mj-lt"/>
-                <a:ea typeface="+mj-ea"/>
-                <a:cs typeface="+mj-cs"/>
-              </a:rPr>
-              <a:t>Pl.: „Törlés” gomb , amivel az adattáblánkból kitörölhetünk sorokat.  </a:t>
-            </a:r>
-            <a:endParaRPr lang="en-US" sz="2000" kern="1200" dirty="0">
-              <a:solidFill>
-                <a:srgbClr val="FFFFFF"/>
-              </a:solidFill>
-              <a:latin typeface="+mj-lt"/>
-              <a:ea typeface="+mj-ea"/>
-              <a:cs typeface="+mj-cs"/>
-            </a:endParaRPr>
-          </a:p>
-        </p:txBody>
-      </p:sp>
-      <p:pic>
-        <p:nvPicPr>
-          <p:cNvPr id="5" name="Tartalom helye 4">
-            <a:extLst>
-              <a:ext uri="{FF2B5EF4-FFF2-40B4-BE49-F238E27FC236}">
-                <a16:creationId xmlns:a16="http://schemas.microsoft.com/office/drawing/2014/main" id="{B1342991-5790-4FD0-AD15-BD379B7389AC}"/>
-              </a:ext>
-            </a:extLst>
-          </p:cNvPr>
-          <p:cNvPicPr>
-            <a:picLocks noGrp="1" noChangeAspect="1"/>
-          </p:cNvPicPr>
-          <p:nvPr>
-            <p:ph idx="1"/>
-          </p:nvPr>
-        </p:nvPicPr>
-        <p:blipFill>
-          <a:blip r:embed="rId2"/>
-          <a:stretch>
-            <a:fillRect/>
-          </a:stretch>
-        </p:blipFill>
-        <p:spPr>
-          <a:xfrm>
-            <a:off x="4520654" y="541883"/>
-            <a:ext cx="7225748" cy="5834790"/>
-          </a:xfrm>
-          <a:prstGeom prst="rect">
-            <a:avLst/>
-          </a:prstGeom>
-        </p:spPr>
-      </p:pic>
-      <p:sp>
-        <p:nvSpPr>
-          <p:cNvPr id="15" name="Téglalap: lekerekített 14">
-            <a:extLst>
-              <a:ext uri="{FF2B5EF4-FFF2-40B4-BE49-F238E27FC236}">
-                <a16:creationId xmlns:a16="http://schemas.microsoft.com/office/drawing/2014/main" id="{0E941265-82E7-4590-8B6E-383690EE8C85}"/>
-              </a:ext>
-            </a:extLst>
-          </p:cNvPr>
-          <p:cNvSpPr/>
-          <p:nvPr/>
-        </p:nvSpPr>
-        <p:spPr>
-          <a:xfrm>
-            <a:off x="7419401" y="6057013"/>
-            <a:ext cx="801092" cy="298292"/>
-          </a:xfrm>
-          <a:prstGeom prst="roundRect">
-            <a:avLst/>
-          </a:prstGeom>
-          <a:noFill/>
-          <a:ln w="38100">
-            <a:solidFill>
-              <a:srgbClr val="FF0000"/>
-            </a:solidFill>
-          </a:ln>
-        </p:spPr>
-        <p:style>
-          <a:lnRef idx="2">
-            <a:schemeClr val="accent1">
-              <a:shade val="50000"/>
-            </a:schemeClr>
-          </a:lnRef>
-          <a:fillRef idx="1">
-            <a:schemeClr val="accent1"/>
-          </a:fillRef>
-          <a:effectRef idx="0">
-            <a:schemeClr val="accent1"/>
-          </a:effectRef>
-          <a:fontRef idx="minor">
-            <a:schemeClr val="lt1"/>
-          </a:fontRef>
-        </p:style>
-        <p:txBody>
-          <a:bodyPr rtlCol="0" anchor="ctr"/>
-          <a:lstStyle/>
-          <a:p>
-            <a:pPr algn="ctr"/>
-            <a:endParaRPr lang="hu-HU"/>
-          </a:p>
-        </p:txBody>
-      </p:sp>
-      <p:sp>
-        <p:nvSpPr>
-          <p:cNvPr id="17" name="Téglalap: lekerekített 16">
-            <a:extLst>
-              <a:ext uri="{FF2B5EF4-FFF2-40B4-BE49-F238E27FC236}">
-                <a16:creationId xmlns:a16="http://schemas.microsoft.com/office/drawing/2014/main" id="{C2F2B5A4-F4F4-4A69-A38E-13ABCDDD0FEB}"/>
-              </a:ext>
-            </a:extLst>
-          </p:cNvPr>
-          <p:cNvSpPr/>
-          <p:nvPr/>
-        </p:nvSpPr>
-        <p:spPr>
-          <a:xfrm>
-            <a:off x="8523832" y="6057013"/>
-            <a:ext cx="801092" cy="298292"/>
-          </a:xfrm>
-          <a:prstGeom prst="roundRect">
-            <a:avLst/>
-          </a:prstGeom>
-          <a:noFill/>
-          <a:ln w="38100">
-            <a:solidFill>
-              <a:srgbClr val="FF0000"/>
-            </a:solidFill>
-          </a:ln>
-        </p:spPr>
-        <p:style>
-          <a:lnRef idx="2">
-            <a:schemeClr val="accent1">
-              <a:shade val="50000"/>
-            </a:schemeClr>
-          </a:lnRef>
-          <a:fillRef idx="1">
-            <a:schemeClr val="accent1"/>
-          </a:fillRef>
-          <a:effectRef idx="0">
-            <a:schemeClr val="accent1"/>
-          </a:effectRef>
-          <a:fontRef idx="minor">
-            <a:schemeClr val="lt1"/>
-          </a:fontRef>
-        </p:style>
-        <p:txBody>
-          <a:bodyPr rtlCol="0" anchor="ctr"/>
-          <a:lstStyle/>
-          <a:p>
-            <a:pPr algn="ctr"/>
-            <a:endParaRPr lang="hu-HU"/>
-          </a:p>
-        </p:txBody>
-      </p:sp>
-      <p:sp>
-        <p:nvSpPr>
-          <p:cNvPr id="19" name="Téglalap: lekerekített 18">
-            <a:extLst>
-              <a:ext uri="{FF2B5EF4-FFF2-40B4-BE49-F238E27FC236}">
-                <a16:creationId xmlns:a16="http://schemas.microsoft.com/office/drawing/2014/main" id="{8F40412C-D8BC-46CB-974A-234D7A1E9752}"/>
-              </a:ext>
-            </a:extLst>
-          </p:cNvPr>
-          <p:cNvSpPr/>
-          <p:nvPr/>
-        </p:nvSpPr>
-        <p:spPr>
-          <a:xfrm>
-            <a:off x="9610036" y="6057013"/>
-            <a:ext cx="801092" cy="298292"/>
-          </a:xfrm>
-          <a:prstGeom prst="roundRect">
-            <a:avLst/>
-          </a:prstGeom>
-          <a:noFill/>
-          <a:ln w="38100">
-            <a:solidFill>
-              <a:srgbClr val="FF0000"/>
-            </a:solidFill>
-          </a:ln>
-        </p:spPr>
-        <p:style>
-          <a:lnRef idx="2">
-            <a:schemeClr val="accent1">
-              <a:shade val="50000"/>
-            </a:schemeClr>
-          </a:lnRef>
-          <a:fillRef idx="1">
-            <a:schemeClr val="accent1"/>
-          </a:fillRef>
-          <a:effectRef idx="0">
-            <a:schemeClr val="accent1"/>
-          </a:effectRef>
-          <a:fontRef idx="minor">
-            <a:schemeClr val="lt1"/>
-          </a:fontRef>
-        </p:style>
-        <p:txBody>
-          <a:bodyPr rtlCol="0" anchor="ctr"/>
-          <a:lstStyle/>
-          <a:p>
-            <a:pPr algn="ctr"/>
-            <a:endParaRPr lang="hu-HU"/>
-          </a:p>
-        </p:txBody>
-      </p:sp>
-    </p:spTree>
-    <p:extLst>
-      <p:ext uri="{BB962C8B-B14F-4D97-AF65-F5344CB8AC3E}">
-        <p14:creationId xmlns:p14="http://schemas.microsoft.com/office/powerpoint/2010/main" val="3364366076"/>
-      </p:ext>
-    </p:extLst>
-  </p:cSld>
-  <p:clrMapOvr>
-    <a:masterClrMapping/>
-  </p:clrMapOvr>
-</p:sld>
-</file>
-
-<file path=ppt/slides/slide11.xml><?xml version="1.0" encoding="utf-8"?>
-<p:sld xmlns:a="http://schemas.openxmlformats.org/drawingml/2006/main" xmlns:r="http://schemas.openxmlformats.org/officeDocument/2006/relationships" xmlns:p="http://schemas.openxmlformats.org/presentationml/2006/main">
-  <p:cSld>
-    <p:bg>
-      <p:bgPr>
-        <a:solidFill>
-          <a:schemeClr val="bg1"/>
-        </a:solidFill>
-        <a:effectLst/>
-      </p:bgPr>
-    </p:bg>
-    <p:spTree>
-      <p:nvGrpSpPr>
-        <p:cNvPr id="1" name=""/>
-        <p:cNvGrpSpPr/>
-        <p:nvPr/>
-      </p:nvGrpSpPr>
-      <p:grpSpPr>
-        <a:xfrm>
-          <a:off x="0" y="0"/>
-          <a:ext cx="0" cy="0"/>
-          <a:chOff x="0" y="0"/>
-          <a:chExt cx="0" cy="0"/>
-        </a:xfrm>
-      </p:grpSpPr>
-      <p:sp useBgFill="1">
-        <p:nvSpPr>
-          <p:cNvPr id="24" name="Rectangle 23">
-            <a:extLst>
-              <a:ext uri="{FF2B5EF4-FFF2-40B4-BE49-F238E27FC236}">
-                <a16:creationId xmlns:a16="http://schemas.microsoft.com/office/drawing/2014/main" id="{A8384FB5-9ADC-4DDC-881B-597D56F5B15D}"/>
-              </a:ext>
-              <a:ext uri="{C183D7F6-B498-43B3-948B-1728B52AA6E4}">
-                <adec:decorative xmlns:adec="http://schemas.microsoft.com/office/drawing/2017/decorative" val="1"/>
-              </a:ext>
-            </a:extLst>
-          </p:cNvPr>
-          <p:cNvSpPr>
-            <a:spLocks noGrp="1" noRot="1" noChangeAspect="1" noMove="1" noResize="1" noEditPoints="1" noAdjustHandles="1" noChangeArrowheads="1" noChangeShapeType="1" noTextEdit="1"/>
-          </p:cNvSpPr>
-          <p:nvPr>
-            <p:extLst>
-              <p:ext uri="{386F3935-93C4-4BCD-93E2-E3B085C9AB24}">
-                <p16:designElem xmlns:p16="http://schemas.microsoft.com/office/powerpoint/2015/main" val="1"/>
-              </p:ext>
-            </p:extLst>
-          </p:nvPr>
-        </p:nvSpPr>
-        <p:spPr>
-          <a:xfrm>
-            <a:off x="0" y="0"/>
-            <a:ext cx="12192000" cy="6858000"/>
-          </a:xfrm>
-          <a:prstGeom prst="rect">
-            <a:avLst/>
-          </a:prstGeom>
-          <a:ln w="12700" cap="flat" cmpd="sng" algn="ctr">
-            <a:noFill/>
-            <a:prstDash val="solid"/>
-            <a:miter lim="800000"/>
-          </a:ln>
-          <a:effectLst/>
-          <a:extLst>
-            <a:ext uri="{91240B29-F687-4F45-9708-019B960494DF}">
-              <a14:hiddenLine xmlns:a14="http://schemas.microsoft.com/office/drawing/2010/main" w="12700" cap="flat" cmpd="sng" algn="ctr">
-                <a:solidFill>
-                  <a:schemeClr val="accent1">
-                    <a:shade val="50000"/>
-                  </a:schemeClr>
-                </a:solidFill>
-                <a:prstDash val="solid"/>
-                <a:miter lim="800000"/>
-              </a14:hiddenLine>
-            </a:ext>
-          </a:extLst>
-        </p:spPr>
-        <p:style>
-          <a:lnRef idx="2">
-            <a:schemeClr val="accent1">
-              <a:shade val="50000"/>
-            </a:schemeClr>
-          </a:lnRef>
-          <a:fillRef idx="1">
-            <a:schemeClr val="accent1"/>
-          </a:fillRef>
-          <a:effectRef idx="0">
-            <a:schemeClr val="accent1"/>
-          </a:effectRef>
-          <a:fontRef idx="minor">
-            <a:schemeClr val="lt1"/>
-          </a:fontRef>
-        </p:style>
-        <p:txBody>
-          <a:bodyPr rtlCol="0" anchor="ctr"/>
-          <a:lstStyle/>
-          <a:p>
-            <a:pPr algn="ctr"/>
-            <a:endParaRPr lang="en-US"/>
-          </a:p>
-        </p:txBody>
-      </p:sp>
-      <p:sp>
-        <p:nvSpPr>
-          <p:cNvPr id="26" name="Rectangle 25">
-            <a:extLst>
-              <a:ext uri="{FF2B5EF4-FFF2-40B4-BE49-F238E27FC236}">
-                <a16:creationId xmlns:a16="http://schemas.microsoft.com/office/drawing/2014/main" id="{91E5A9A7-95C6-4F4F-B00E-C82E07FE62EF}"/>
-              </a:ext>
-              <a:ext uri="{C183D7F6-B498-43B3-948B-1728B52AA6E4}">
-                <adec:decorative xmlns:adec="http://schemas.microsoft.com/office/drawing/2017/decorative" val="1"/>
-              </a:ext>
-            </a:extLst>
-          </p:cNvPr>
-          <p:cNvSpPr>
-            <a:spLocks noGrp="1" noRot="1" noChangeAspect="1" noMove="1" noResize="1" noEditPoints="1" noAdjustHandles="1" noChangeArrowheads="1" noChangeShapeType="1" noTextEdit="1"/>
-          </p:cNvSpPr>
-          <p:nvPr>
-            <p:extLst>
-              <p:ext uri="{386F3935-93C4-4BCD-93E2-E3B085C9AB24}">
-                <p16:designElem xmlns:p16="http://schemas.microsoft.com/office/powerpoint/2015/main" val="1"/>
-              </p:ext>
-            </p:extLst>
-          </p:nvPr>
-        </p:nvSpPr>
-        <p:spPr>
-          <a:xfrm rot="5400000" flipH="1">
-            <a:off x="-1417539" y="1417538"/>
-            <a:ext cx="6875818" cy="4040744"/>
-          </a:xfrm>
-          <a:prstGeom prst="rect">
-            <a:avLst/>
-          </a:prstGeom>
-          <a:gradFill>
-            <a:gsLst>
-              <a:gs pos="0">
-                <a:srgbClr val="000000"/>
-              </a:gs>
-              <a:gs pos="100000">
-                <a:schemeClr val="accent1">
-                  <a:lumMod val="75000"/>
-                </a:schemeClr>
-              </a:gs>
-            </a:gsLst>
-            <a:lin ang="18600000" scaled="0"/>
-          </a:gradFill>
-          <a:ln>
-            <a:noFill/>
-          </a:ln>
-        </p:spPr>
-        <p:style>
-          <a:lnRef idx="2">
-            <a:schemeClr val="accent1">
-              <a:shade val="50000"/>
-            </a:schemeClr>
-          </a:lnRef>
-          <a:fillRef idx="1">
-            <a:schemeClr val="accent1"/>
-          </a:fillRef>
-          <a:effectRef idx="0">
-            <a:schemeClr val="accent1"/>
-          </a:effectRef>
-          <a:fontRef idx="minor">
-            <a:schemeClr val="lt1"/>
-          </a:fontRef>
-        </p:style>
-        <p:txBody>
-          <a:bodyPr rtlCol="0" anchor="ctr"/>
-          <a:lstStyle/>
-          <a:p>
-            <a:pPr algn="ctr"/>
-            <a:endParaRPr lang="en-US" dirty="0"/>
-          </a:p>
-        </p:txBody>
-      </p:sp>
-      <p:sp>
-        <p:nvSpPr>
-          <p:cNvPr id="28" name="Rectangle 27">
-            <a:extLst>
-              <a:ext uri="{FF2B5EF4-FFF2-40B4-BE49-F238E27FC236}">
-                <a16:creationId xmlns:a16="http://schemas.microsoft.com/office/drawing/2014/main" id="{D07DD2DE-F619-49DD-B5E7-03A290FF4ED1}"/>
-              </a:ext>
-              <a:ext uri="{C183D7F6-B498-43B3-948B-1728B52AA6E4}">
-                <adec:decorative xmlns:adec="http://schemas.microsoft.com/office/drawing/2017/decorative" val="1"/>
-              </a:ext>
-            </a:extLst>
-          </p:cNvPr>
-          <p:cNvSpPr>
-            <a:spLocks noGrp="1" noRot="1" noChangeAspect="1" noMove="1" noResize="1" noEditPoints="1" noAdjustHandles="1" noChangeArrowheads="1" noChangeShapeType="1" noTextEdit="1"/>
-          </p:cNvSpPr>
-          <p:nvPr>
-            <p:extLst>
-              <p:ext uri="{386F3935-93C4-4BCD-93E2-E3B085C9AB24}">
-                <p16:designElem xmlns:p16="http://schemas.microsoft.com/office/powerpoint/2015/main" val="1"/>
-              </p:ext>
-            </p:extLst>
-          </p:nvPr>
-        </p:nvSpPr>
-        <p:spPr>
-          <a:xfrm rot="16200000">
-            <a:off x="-158495" y="2660473"/>
-            <a:ext cx="4355594" cy="4038603"/>
-          </a:xfrm>
-          <a:prstGeom prst="rect">
-            <a:avLst/>
-          </a:prstGeom>
-          <a:gradFill>
-            <a:gsLst>
-              <a:gs pos="0">
-                <a:schemeClr val="accent1">
-                  <a:alpha val="50000"/>
-                </a:schemeClr>
-              </a:gs>
-              <a:gs pos="100000">
-                <a:schemeClr val="accent1">
-                  <a:lumMod val="50000"/>
-                  <a:alpha val="0"/>
-                </a:schemeClr>
-              </a:gs>
-            </a:gsLst>
-            <a:lin ang="11400000" scaled="0"/>
-          </a:gradFill>
-          <a:ln>
-            <a:noFill/>
-          </a:ln>
-        </p:spPr>
-        <p:style>
-          <a:lnRef idx="2">
-            <a:schemeClr val="accent1">
-              <a:shade val="50000"/>
-            </a:schemeClr>
-          </a:lnRef>
-          <a:fillRef idx="1">
-            <a:schemeClr val="accent1"/>
-          </a:fillRef>
-          <a:effectRef idx="0">
-            <a:schemeClr val="accent1"/>
-          </a:effectRef>
-          <a:fontRef idx="minor">
-            <a:schemeClr val="lt1"/>
-          </a:fontRef>
-        </p:style>
-        <p:txBody>
-          <a:bodyPr rtlCol="0" anchor="ctr"/>
-          <a:lstStyle/>
-          <a:p>
-            <a:pPr algn="ctr"/>
-            <a:endParaRPr lang="en-US"/>
-          </a:p>
-        </p:txBody>
-      </p:sp>
-      <p:sp>
-        <p:nvSpPr>
-          <p:cNvPr id="30" name="Rectangle 29">
-            <a:extLst>
-              <a:ext uri="{FF2B5EF4-FFF2-40B4-BE49-F238E27FC236}">
-                <a16:creationId xmlns:a16="http://schemas.microsoft.com/office/drawing/2014/main" id="{85149191-5F60-4A28-AAFF-039F96B0F3EC}"/>
-              </a:ext>
-              <a:ext uri="{C183D7F6-B498-43B3-948B-1728B52AA6E4}">
-                <adec:decorative xmlns:adec="http://schemas.microsoft.com/office/drawing/2017/decorative" val="1"/>
-              </a:ext>
-            </a:extLst>
-          </p:cNvPr>
-          <p:cNvSpPr>
-            <a:spLocks noGrp="1" noRot="1" noChangeAspect="1" noMove="1" noResize="1" noEditPoints="1" noAdjustHandles="1" noChangeArrowheads="1" noChangeShapeType="1" noTextEdit="1"/>
-          </p:cNvSpPr>
-          <p:nvPr>
-            <p:extLst>
-              <p:ext uri="{386F3935-93C4-4BCD-93E2-E3B085C9AB24}">
-                <p16:designElem xmlns:p16="http://schemas.microsoft.com/office/powerpoint/2015/main" val="1"/>
-              </p:ext>
-            </p:extLst>
-          </p:nvPr>
-        </p:nvSpPr>
-        <p:spPr>
-          <a:xfrm rot="16200000" flipH="1">
-            <a:off x="-1180882" y="1638085"/>
-            <a:ext cx="6857572" cy="3581401"/>
-          </a:xfrm>
-          <a:prstGeom prst="rect">
-            <a:avLst/>
-          </a:prstGeom>
-          <a:gradFill>
-            <a:gsLst>
-              <a:gs pos="0">
-                <a:srgbClr val="000000">
-                  <a:alpha val="59000"/>
-                </a:srgbClr>
-              </a:gs>
-              <a:gs pos="69000">
-                <a:schemeClr val="accent1">
-                  <a:alpha val="0"/>
-                </a:schemeClr>
-              </a:gs>
-            </a:gsLst>
-            <a:lin ang="13200000" scaled="0"/>
-          </a:gradFill>
-          <a:ln>
-            <a:noFill/>
-          </a:ln>
-        </p:spPr>
-        <p:style>
-          <a:lnRef idx="2">
-            <a:schemeClr val="accent1">
-              <a:shade val="50000"/>
-            </a:schemeClr>
-          </a:lnRef>
-          <a:fillRef idx="1">
-            <a:schemeClr val="accent1"/>
-          </a:fillRef>
-          <a:effectRef idx="0">
-            <a:schemeClr val="accent1"/>
-          </a:effectRef>
-          <a:fontRef idx="minor">
-            <a:schemeClr val="lt1"/>
-          </a:fontRef>
-        </p:style>
-        <p:txBody>
-          <a:bodyPr rtlCol="0" anchor="ctr"/>
-          <a:lstStyle/>
-          <a:p>
-            <a:pPr algn="ctr"/>
-            <a:endParaRPr lang="en-US" dirty="0"/>
-          </a:p>
-        </p:txBody>
-      </p:sp>
-      <p:sp>
-        <p:nvSpPr>
-          <p:cNvPr id="32" name="Freeform: Shape 31">
-            <a:extLst>
-              <a:ext uri="{FF2B5EF4-FFF2-40B4-BE49-F238E27FC236}">
-                <a16:creationId xmlns:a16="http://schemas.microsoft.com/office/drawing/2014/main" id="{F8260ED5-17F7-4158-B241-D51DD4CF1B7E}"/>
-              </a:ext>
-              <a:ext uri="{C183D7F6-B498-43B3-948B-1728B52AA6E4}">
-                <adec:decorative xmlns:adec="http://schemas.microsoft.com/office/drawing/2017/decorative" val="1"/>
-              </a:ext>
-            </a:extLst>
-          </p:cNvPr>
-          <p:cNvSpPr>
-            <a:spLocks noGrp="1" noRot="1" noChangeAspect="1" noMove="1" noResize="1" noEditPoints="1" noAdjustHandles="1" noChangeArrowheads="1" noChangeShapeType="1" noTextEdit="1"/>
-          </p:cNvSpPr>
-          <p:nvPr>
-            <p:extLst>
-              <p:ext uri="{386F3935-93C4-4BCD-93E2-E3B085C9AB24}">
-                <p16:designElem xmlns:p16="http://schemas.microsoft.com/office/powerpoint/2015/main" val="1"/>
-              </p:ext>
-            </p:extLst>
-          </p:nvPr>
-        </p:nvSpPr>
-        <p:spPr>
-          <a:xfrm rot="6097846">
-            <a:off x="-747355" y="1201312"/>
-            <a:ext cx="4808302" cy="4088666"/>
-          </a:xfrm>
-          <a:custGeom>
-            <a:avLst/>
-            <a:gdLst>
-              <a:gd name="connsiteX0" fmla="*/ 48844 w 4808302"/>
-              <a:gd name="connsiteY0" fmla="*/ 2888671 h 4088666"/>
-              <a:gd name="connsiteX1" fmla="*/ 0 w 4808302"/>
-              <a:gd name="connsiteY1" fmla="*/ 2404151 h 4088666"/>
-              <a:gd name="connsiteX2" fmla="*/ 2404151 w 4808302"/>
-              <a:gd name="connsiteY2" fmla="*/ 0 h 4088666"/>
-              <a:gd name="connsiteX3" fmla="*/ 4808302 w 4808302"/>
-              <a:gd name="connsiteY3" fmla="*/ 2404151 h 4088666"/>
-              <a:gd name="connsiteX4" fmla="*/ 4700216 w 4808302"/>
-              <a:gd name="connsiteY4" fmla="*/ 3119072 h 4088666"/>
-              <a:gd name="connsiteX5" fmla="*/ 4643143 w 4808302"/>
-              <a:gd name="connsiteY5" fmla="*/ 3275009 h 4088666"/>
-              <a:gd name="connsiteX6" fmla="*/ 690093 w 4808302"/>
-              <a:gd name="connsiteY6" fmla="*/ 4088666 h 4088666"/>
-              <a:gd name="connsiteX7" fmla="*/ 548991 w 4808302"/>
-              <a:gd name="connsiteY7" fmla="*/ 3933414 h 4088666"/>
-              <a:gd name="connsiteX8" fmla="*/ 48844 w 4808302"/>
-              <a:gd name="connsiteY8" fmla="*/ 2888671 h 4088666"/>
-            </a:gdLst>
-            <a:ahLst/>
-            <a:cxnLst>
-              <a:cxn ang="0">
-                <a:pos x="connsiteX0" y="connsiteY0"/>
-              </a:cxn>
-              <a:cxn ang="0">
-                <a:pos x="connsiteX1" y="connsiteY1"/>
-              </a:cxn>
-              <a:cxn ang="0">
-                <a:pos x="connsiteX2" y="connsiteY2"/>
-              </a:cxn>
-              <a:cxn ang="0">
-                <a:pos x="connsiteX3" y="connsiteY3"/>
-              </a:cxn>
-              <a:cxn ang="0">
-                <a:pos x="connsiteX4" y="connsiteY4"/>
-              </a:cxn>
-              <a:cxn ang="0">
-                <a:pos x="connsiteX5" y="connsiteY5"/>
-              </a:cxn>
-              <a:cxn ang="0">
-                <a:pos x="connsiteX6" y="connsiteY6"/>
-              </a:cxn>
-              <a:cxn ang="0">
-                <a:pos x="connsiteX7" y="connsiteY7"/>
-              </a:cxn>
-              <a:cxn ang="0">
-                <a:pos x="connsiteX8" y="connsiteY8"/>
-              </a:cxn>
-            </a:cxnLst>
-            <a:rect l="l" t="t" r="r" b="b"/>
-            <a:pathLst>
-              <a:path w="4808302" h="4088666">
-                <a:moveTo>
-                  <a:pt x="48844" y="2888671"/>
-                </a:moveTo>
-                <a:cubicBezTo>
-                  <a:pt x="16818" y="2732167"/>
-                  <a:pt x="0" y="2570123"/>
-                  <a:pt x="0" y="2404151"/>
-                </a:cubicBezTo>
-                <a:cubicBezTo>
-                  <a:pt x="0" y="1076375"/>
-                  <a:pt x="1076375" y="0"/>
-                  <a:pt x="2404151" y="0"/>
-                </a:cubicBezTo>
-                <a:cubicBezTo>
-                  <a:pt x="3731927" y="0"/>
-                  <a:pt x="4808302" y="1076375"/>
-                  <a:pt x="4808302" y="2404151"/>
-                </a:cubicBezTo>
-                <a:cubicBezTo>
-                  <a:pt x="4808302" y="2653109"/>
-                  <a:pt x="4770461" y="2893229"/>
-                  <a:pt x="4700216" y="3119072"/>
-                </a:cubicBezTo>
-                <a:lnTo>
-                  <a:pt x="4643143" y="3275009"/>
-                </a:lnTo>
-                <a:lnTo>
-                  <a:pt x="690093" y="4088666"/>
-                </a:lnTo>
-                <a:lnTo>
-                  <a:pt x="548991" y="3933414"/>
-                </a:lnTo>
-                <a:cubicBezTo>
-                  <a:pt x="304015" y="3636572"/>
-                  <a:pt x="128908" y="3279932"/>
-                  <a:pt x="48844" y="2888671"/>
-                </a:cubicBezTo>
-                <a:close/>
-              </a:path>
-            </a:pathLst>
-          </a:custGeom>
-          <a:gradFill>
-            <a:gsLst>
-              <a:gs pos="39000">
-                <a:schemeClr val="accent1">
-                  <a:lumMod val="60000"/>
-                  <a:lumOff val="40000"/>
-                  <a:alpha val="0"/>
-                </a:schemeClr>
-              </a:gs>
-              <a:gs pos="100000">
-                <a:schemeClr val="accent1">
-                  <a:lumMod val="75000"/>
-                  <a:alpha val="26000"/>
-                </a:schemeClr>
-              </a:gs>
-            </a:gsLst>
-            <a:lin ang="18600000" scaled="0"/>
-          </a:gradFill>
-          <a:ln>
-            <a:noFill/>
-          </a:ln>
-        </p:spPr>
-        <p:style>
-          <a:lnRef idx="2">
-            <a:schemeClr val="accent1">
-              <a:shade val="50000"/>
-            </a:schemeClr>
-          </a:lnRef>
-          <a:fillRef idx="1">
-            <a:schemeClr val="accent1"/>
-          </a:fillRef>
-          <a:effectRef idx="0">
-            <a:schemeClr val="accent1"/>
-          </a:effectRef>
-          <a:fontRef idx="minor">
-            <a:schemeClr val="lt1"/>
-          </a:fontRef>
-        </p:style>
-        <p:txBody>
-          <a:bodyPr wrap="square" rtlCol="0" anchor="ctr">
-            <a:noAutofit/>
-          </a:bodyPr>
-          <a:lstStyle/>
-          <a:p>
-            <a:pPr algn="ctr"/>
-            <a:endParaRPr lang="en-US" dirty="0"/>
-          </a:p>
-        </p:txBody>
-      </p:sp>
-      <p:sp>
-        <p:nvSpPr>
-          <p:cNvPr id="2" name="Cím 1">
-            <a:extLst>
-              <a:ext uri="{FF2B5EF4-FFF2-40B4-BE49-F238E27FC236}">
-                <a16:creationId xmlns:a16="http://schemas.microsoft.com/office/drawing/2014/main" id="{83324CB0-604C-413A-A33E-E81A89945FCE}"/>
-              </a:ext>
-            </a:extLst>
-          </p:cNvPr>
-          <p:cNvSpPr>
-            <a:spLocks noGrp="1"/>
-          </p:cNvSpPr>
-          <p:nvPr>
-            <p:ph type="title"/>
-          </p:nvPr>
-        </p:nvSpPr>
-        <p:spPr>
-          <a:xfrm>
             <a:off x="354105" y="2100900"/>
             <a:ext cx="3579222" cy="3071906"/>
           </a:xfrm>
@@ -5544,86 +4773,6 @@
 </file>
 
 <file path=ppt/slides/slide2.xml><?xml version="1.0" encoding="utf-8"?>
-<p:sld xmlns:a="http://schemas.openxmlformats.org/drawingml/2006/main" xmlns:r="http://schemas.openxmlformats.org/officeDocument/2006/relationships" xmlns:p="http://schemas.openxmlformats.org/presentationml/2006/main">
-  <p:cSld>
-    <p:spTree>
-      <p:nvGrpSpPr>
-        <p:cNvPr id="1" name=""/>
-        <p:cNvGrpSpPr/>
-        <p:nvPr/>
-      </p:nvGrpSpPr>
-      <p:grpSpPr>
-        <a:xfrm>
-          <a:off x="0" y="0"/>
-          <a:ext cx="0" cy="0"/>
-          <a:chOff x="0" y="0"/>
-          <a:chExt cx="0" cy="0"/>
-        </a:xfrm>
-      </p:grpSpPr>
-      <p:sp>
-        <p:nvSpPr>
-          <p:cNvPr id="2" name="Cím 1">
-            <a:extLst>
-              <a:ext uri="{FF2B5EF4-FFF2-40B4-BE49-F238E27FC236}">
-                <a16:creationId xmlns:a16="http://schemas.microsoft.com/office/drawing/2014/main" id="{7A3CCADE-D4C7-46F4-BB26-D5FF894A5C66}"/>
-              </a:ext>
-            </a:extLst>
-          </p:cNvPr>
-          <p:cNvSpPr>
-            <a:spLocks noGrp="1"/>
-          </p:cNvSpPr>
-          <p:nvPr>
-            <p:ph type="title"/>
-          </p:nvPr>
-        </p:nvSpPr>
-        <p:spPr/>
-        <p:txBody>
-          <a:bodyPr/>
-          <a:lstStyle/>
-          <a:p>
-            <a:endParaRPr lang="hu-HU"/>
-          </a:p>
-        </p:txBody>
-      </p:sp>
-      <p:sp>
-        <p:nvSpPr>
-          <p:cNvPr id="3" name="Tartalom helye 2">
-            <a:extLst>
-              <a:ext uri="{FF2B5EF4-FFF2-40B4-BE49-F238E27FC236}">
-                <a16:creationId xmlns:a16="http://schemas.microsoft.com/office/drawing/2014/main" id="{E9D1BD39-229B-4633-925D-FD81F52A0569}"/>
-              </a:ext>
-            </a:extLst>
-          </p:cNvPr>
-          <p:cNvSpPr>
-            <a:spLocks noGrp="1"/>
-          </p:cNvSpPr>
-          <p:nvPr>
-            <p:ph idx="1"/>
-          </p:nvPr>
-        </p:nvSpPr>
-        <p:spPr/>
-        <p:txBody>
-          <a:bodyPr/>
-          <a:lstStyle/>
-          <a:p>
-            <a:endParaRPr lang="hu-HU"/>
-          </a:p>
-        </p:txBody>
-      </p:sp>
-    </p:spTree>
-    <p:extLst>
-      <p:ext uri="{BB962C8B-B14F-4D97-AF65-F5344CB8AC3E}">
-        <p14:creationId xmlns:p14="http://schemas.microsoft.com/office/powerpoint/2010/main" val="3274728984"/>
-      </p:ext>
-    </p:extLst>
-  </p:cSld>
-  <p:clrMapOvr>
-    <a:masterClrMapping/>
-  </p:clrMapOvr>
-</p:sld>
-</file>
-
-<file path=ppt/slides/slide3.xml><?xml version="1.0" encoding="utf-8"?>
 <p:sld xmlns:a="http://schemas.openxmlformats.org/drawingml/2006/main" xmlns:r="http://schemas.openxmlformats.org/officeDocument/2006/relationships" xmlns:p="http://schemas.openxmlformats.org/presentationml/2006/main">
   <p:cSld>
     <p:bg>
@@ -6434,7 +5583,7 @@
 </p:sld>
 </file>
 
-<file path=ppt/slides/slide4.xml><?xml version="1.0" encoding="utf-8"?>
+<file path=ppt/slides/slide3.xml><?xml version="1.0" encoding="utf-8"?>
 <p:sld xmlns:a="http://schemas.openxmlformats.org/drawingml/2006/main" xmlns:r="http://schemas.openxmlformats.org/officeDocument/2006/relationships" xmlns:p="http://schemas.openxmlformats.org/presentationml/2006/main">
   <p:cSld>
     <p:bg>
@@ -7197,7 +6346,7 @@
 </p:sld>
 </file>
 
-<file path=ppt/slides/slide5.xml><?xml version="1.0" encoding="utf-8"?>
+<file path=ppt/slides/slide4.xml><?xml version="1.0" encoding="utf-8"?>
 <p:sld xmlns:a="http://schemas.openxmlformats.org/drawingml/2006/main" xmlns:r="http://schemas.openxmlformats.org/officeDocument/2006/relationships" xmlns:p="http://schemas.openxmlformats.org/presentationml/2006/main">
   <p:cSld>
     <p:bg>
@@ -8064,7 +7213,7 @@
 </p:sld>
 </file>
 
-<file path=ppt/slides/slide6.xml><?xml version="1.0" encoding="utf-8"?>
+<file path=ppt/slides/slide5.xml><?xml version="1.0" encoding="utf-8"?>
 <p:sld xmlns:a="http://schemas.openxmlformats.org/drawingml/2006/main" xmlns:r="http://schemas.openxmlformats.org/officeDocument/2006/relationships" xmlns:p="http://schemas.openxmlformats.org/presentationml/2006/main">
   <p:cSld>
     <p:bg>
@@ -9189,7 +8338,7 @@
 </p:sld>
 </file>
 
-<file path=ppt/slides/slide7.xml><?xml version="1.0" encoding="utf-8"?>
+<file path=ppt/slides/slide6.xml><?xml version="1.0" encoding="utf-8"?>
 <p:sld xmlns:a="http://schemas.openxmlformats.org/drawingml/2006/main" xmlns:r="http://schemas.openxmlformats.org/officeDocument/2006/relationships" xmlns:p="http://schemas.openxmlformats.org/presentationml/2006/main">
   <p:cSld>
     <p:bg>
@@ -9924,7 +9073,7 @@
 </p:sld>
 </file>
 
-<file path=ppt/slides/slide8.xml><?xml version="1.0" encoding="utf-8"?>
+<file path=ppt/slides/slide7.xml><?xml version="1.0" encoding="utf-8"?>
 <p:sld xmlns:a="http://schemas.openxmlformats.org/drawingml/2006/main" xmlns:r="http://schemas.openxmlformats.org/officeDocument/2006/relationships" xmlns:p="http://schemas.openxmlformats.org/presentationml/2006/main">
   <p:cSld>
     <p:bg>
@@ -10745,7 +9894,7 @@
 </p:sld>
 </file>
 
-<file path=ppt/slides/slide9.xml><?xml version="1.0" encoding="utf-8"?>
+<file path=ppt/slides/slide8.xml><?xml version="1.0" encoding="utf-8"?>
 <p:sld xmlns:a="http://schemas.openxmlformats.org/drawingml/2006/main" xmlns:r="http://schemas.openxmlformats.org/officeDocument/2006/relationships" xmlns:p="http://schemas.openxmlformats.org/presentationml/2006/main">
   <p:cSld>
     <p:bg>
@@ -11408,6 +10557,776 @@
     <p:extLst>
       <p:ext uri="{BB962C8B-B14F-4D97-AF65-F5344CB8AC3E}">
         <p14:creationId xmlns:p14="http://schemas.microsoft.com/office/powerpoint/2010/main" val="1968849174"/>
+      </p:ext>
+    </p:extLst>
+  </p:cSld>
+  <p:clrMapOvr>
+    <a:masterClrMapping/>
+  </p:clrMapOvr>
+</p:sld>
+</file>
+
+<file path=ppt/slides/slide9.xml><?xml version="1.0" encoding="utf-8"?>
+<p:sld xmlns:a="http://schemas.openxmlformats.org/drawingml/2006/main" xmlns:r="http://schemas.openxmlformats.org/officeDocument/2006/relationships" xmlns:p="http://schemas.openxmlformats.org/presentationml/2006/main">
+  <p:cSld>
+    <p:bg>
+      <p:bgPr>
+        <a:solidFill>
+          <a:schemeClr val="bg1"/>
+        </a:solidFill>
+        <a:effectLst/>
+      </p:bgPr>
+    </p:bg>
+    <p:spTree>
+      <p:nvGrpSpPr>
+        <p:cNvPr id="1" name=""/>
+        <p:cNvGrpSpPr/>
+        <p:nvPr/>
+      </p:nvGrpSpPr>
+      <p:grpSpPr>
+        <a:xfrm>
+          <a:off x="0" y="0"/>
+          <a:ext cx="0" cy="0"/>
+          <a:chOff x="0" y="0"/>
+          <a:chExt cx="0" cy="0"/>
+        </a:xfrm>
+      </p:grpSpPr>
+      <p:sp useBgFill="1">
+        <p:nvSpPr>
+          <p:cNvPr id="10" name="Rectangle 9">
+            <a:extLst>
+              <a:ext uri="{FF2B5EF4-FFF2-40B4-BE49-F238E27FC236}">
+                <a16:creationId xmlns:a16="http://schemas.microsoft.com/office/drawing/2014/main" id="{A8384FB5-9ADC-4DDC-881B-597D56F5B15D}"/>
+              </a:ext>
+              <a:ext uri="{C183D7F6-B498-43B3-948B-1728B52AA6E4}">
+                <adec:decorative xmlns:adec="http://schemas.microsoft.com/office/drawing/2017/decorative" val="1"/>
+              </a:ext>
+            </a:extLst>
+          </p:cNvPr>
+          <p:cNvSpPr>
+            <a:spLocks noGrp="1" noRot="1" noChangeAspect="1" noMove="1" noResize="1" noEditPoints="1" noAdjustHandles="1" noChangeArrowheads="1" noChangeShapeType="1" noTextEdit="1"/>
+          </p:cNvSpPr>
+          <p:nvPr>
+            <p:extLst>
+              <p:ext uri="{386F3935-93C4-4BCD-93E2-E3B085C9AB24}">
+                <p16:designElem xmlns:p16="http://schemas.microsoft.com/office/powerpoint/2015/main" val="1"/>
+              </p:ext>
+            </p:extLst>
+          </p:nvPr>
+        </p:nvSpPr>
+        <p:spPr>
+          <a:xfrm>
+            <a:off x="0" y="0"/>
+            <a:ext cx="12192000" cy="6858000"/>
+          </a:xfrm>
+          <a:prstGeom prst="rect">
+            <a:avLst/>
+          </a:prstGeom>
+          <a:ln w="12700" cap="flat" cmpd="sng" algn="ctr">
+            <a:noFill/>
+            <a:prstDash val="solid"/>
+            <a:miter lim="800000"/>
+          </a:ln>
+          <a:effectLst/>
+          <a:extLst>
+            <a:ext uri="{91240B29-F687-4F45-9708-019B960494DF}">
+              <a14:hiddenLine xmlns:a14="http://schemas.microsoft.com/office/drawing/2010/main" w="12700" cap="flat" cmpd="sng" algn="ctr">
+                <a:solidFill>
+                  <a:schemeClr val="accent1">
+                    <a:shade val="50000"/>
+                  </a:schemeClr>
+                </a:solidFill>
+                <a:prstDash val="solid"/>
+                <a:miter lim="800000"/>
+              </a14:hiddenLine>
+            </a:ext>
+          </a:extLst>
+        </p:spPr>
+        <p:style>
+          <a:lnRef idx="2">
+            <a:schemeClr val="accent1">
+              <a:shade val="50000"/>
+            </a:schemeClr>
+          </a:lnRef>
+          <a:fillRef idx="1">
+            <a:schemeClr val="accent1"/>
+          </a:fillRef>
+          <a:effectRef idx="0">
+            <a:schemeClr val="accent1"/>
+          </a:effectRef>
+          <a:fontRef idx="minor">
+            <a:schemeClr val="lt1"/>
+          </a:fontRef>
+        </p:style>
+        <p:txBody>
+          <a:bodyPr rtlCol="0" anchor="ctr"/>
+          <a:lstStyle/>
+          <a:p>
+            <a:pPr algn="ctr"/>
+            <a:endParaRPr lang="en-US"/>
+          </a:p>
+        </p:txBody>
+      </p:sp>
+      <p:sp>
+        <p:nvSpPr>
+          <p:cNvPr id="12" name="Rectangle 11">
+            <a:extLst>
+              <a:ext uri="{FF2B5EF4-FFF2-40B4-BE49-F238E27FC236}">
+                <a16:creationId xmlns:a16="http://schemas.microsoft.com/office/drawing/2014/main" id="{91E5A9A7-95C6-4F4F-B00E-C82E07FE62EF}"/>
+              </a:ext>
+              <a:ext uri="{C183D7F6-B498-43B3-948B-1728B52AA6E4}">
+                <adec:decorative xmlns:adec="http://schemas.microsoft.com/office/drawing/2017/decorative" val="1"/>
+              </a:ext>
+            </a:extLst>
+          </p:cNvPr>
+          <p:cNvSpPr>
+            <a:spLocks noGrp="1" noRot="1" noChangeAspect="1" noMove="1" noResize="1" noEditPoints="1" noAdjustHandles="1" noChangeArrowheads="1" noChangeShapeType="1" noTextEdit="1"/>
+          </p:cNvSpPr>
+          <p:nvPr>
+            <p:extLst>
+              <p:ext uri="{386F3935-93C4-4BCD-93E2-E3B085C9AB24}">
+                <p16:designElem xmlns:p16="http://schemas.microsoft.com/office/powerpoint/2015/main" val="1"/>
+              </p:ext>
+            </p:extLst>
+          </p:nvPr>
+        </p:nvSpPr>
+        <p:spPr>
+          <a:xfrm rot="5400000" flipH="1">
+            <a:off x="-1417539" y="1417538"/>
+            <a:ext cx="6875818" cy="4040744"/>
+          </a:xfrm>
+          <a:prstGeom prst="rect">
+            <a:avLst/>
+          </a:prstGeom>
+          <a:gradFill>
+            <a:gsLst>
+              <a:gs pos="0">
+                <a:srgbClr val="000000"/>
+              </a:gs>
+              <a:gs pos="100000">
+                <a:schemeClr val="accent1">
+                  <a:lumMod val="75000"/>
+                </a:schemeClr>
+              </a:gs>
+            </a:gsLst>
+            <a:lin ang="18600000" scaled="0"/>
+          </a:gradFill>
+          <a:ln>
+            <a:noFill/>
+          </a:ln>
+        </p:spPr>
+        <p:style>
+          <a:lnRef idx="2">
+            <a:schemeClr val="accent1">
+              <a:shade val="50000"/>
+            </a:schemeClr>
+          </a:lnRef>
+          <a:fillRef idx="1">
+            <a:schemeClr val="accent1"/>
+          </a:fillRef>
+          <a:effectRef idx="0">
+            <a:schemeClr val="accent1"/>
+          </a:effectRef>
+          <a:fontRef idx="minor">
+            <a:schemeClr val="lt1"/>
+          </a:fontRef>
+        </p:style>
+        <p:txBody>
+          <a:bodyPr rtlCol="0" anchor="ctr"/>
+          <a:lstStyle/>
+          <a:p>
+            <a:pPr algn="ctr"/>
+            <a:endParaRPr lang="en-US" dirty="0"/>
+          </a:p>
+        </p:txBody>
+      </p:sp>
+      <p:sp>
+        <p:nvSpPr>
+          <p:cNvPr id="14" name="Rectangle 13">
+            <a:extLst>
+              <a:ext uri="{FF2B5EF4-FFF2-40B4-BE49-F238E27FC236}">
+                <a16:creationId xmlns:a16="http://schemas.microsoft.com/office/drawing/2014/main" id="{D07DD2DE-F619-49DD-B5E7-03A290FF4ED1}"/>
+              </a:ext>
+              <a:ext uri="{C183D7F6-B498-43B3-948B-1728B52AA6E4}">
+                <adec:decorative xmlns:adec="http://schemas.microsoft.com/office/drawing/2017/decorative" val="1"/>
+              </a:ext>
+            </a:extLst>
+          </p:cNvPr>
+          <p:cNvSpPr>
+            <a:spLocks noGrp="1" noRot="1" noChangeAspect="1" noMove="1" noResize="1" noEditPoints="1" noAdjustHandles="1" noChangeArrowheads="1" noChangeShapeType="1" noTextEdit="1"/>
+          </p:cNvSpPr>
+          <p:nvPr>
+            <p:extLst>
+              <p:ext uri="{386F3935-93C4-4BCD-93E2-E3B085C9AB24}">
+                <p16:designElem xmlns:p16="http://schemas.microsoft.com/office/powerpoint/2015/main" val="1"/>
+              </p:ext>
+            </p:extLst>
+          </p:nvPr>
+        </p:nvSpPr>
+        <p:spPr>
+          <a:xfrm rot="16200000">
+            <a:off x="-158495" y="2660473"/>
+            <a:ext cx="4355594" cy="4038603"/>
+          </a:xfrm>
+          <a:prstGeom prst="rect">
+            <a:avLst/>
+          </a:prstGeom>
+          <a:gradFill>
+            <a:gsLst>
+              <a:gs pos="0">
+                <a:schemeClr val="accent1">
+                  <a:alpha val="50000"/>
+                </a:schemeClr>
+              </a:gs>
+              <a:gs pos="100000">
+                <a:schemeClr val="accent1">
+                  <a:lumMod val="50000"/>
+                  <a:alpha val="0"/>
+                </a:schemeClr>
+              </a:gs>
+            </a:gsLst>
+            <a:lin ang="11400000" scaled="0"/>
+          </a:gradFill>
+          <a:ln>
+            <a:noFill/>
+          </a:ln>
+        </p:spPr>
+        <p:style>
+          <a:lnRef idx="2">
+            <a:schemeClr val="accent1">
+              <a:shade val="50000"/>
+            </a:schemeClr>
+          </a:lnRef>
+          <a:fillRef idx="1">
+            <a:schemeClr val="accent1"/>
+          </a:fillRef>
+          <a:effectRef idx="0">
+            <a:schemeClr val="accent1"/>
+          </a:effectRef>
+          <a:fontRef idx="minor">
+            <a:schemeClr val="lt1"/>
+          </a:fontRef>
+        </p:style>
+        <p:txBody>
+          <a:bodyPr rtlCol="0" anchor="ctr"/>
+          <a:lstStyle/>
+          <a:p>
+            <a:pPr algn="ctr"/>
+            <a:endParaRPr lang="en-US"/>
+          </a:p>
+        </p:txBody>
+      </p:sp>
+      <p:sp>
+        <p:nvSpPr>
+          <p:cNvPr id="16" name="Rectangle 15">
+            <a:extLst>
+              <a:ext uri="{FF2B5EF4-FFF2-40B4-BE49-F238E27FC236}">
+                <a16:creationId xmlns:a16="http://schemas.microsoft.com/office/drawing/2014/main" id="{85149191-5F60-4A28-AAFF-039F96B0F3EC}"/>
+              </a:ext>
+              <a:ext uri="{C183D7F6-B498-43B3-948B-1728B52AA6E4}">
+                <adec:decorative xmlns:adec="http://schemas.microsoft.com/office/drawing/2017/decorative" val="1"/>
+              </a:ext>
+            </a:extLst>
+          </p:cNvPr>
+          <p:cNvSpPr>
+            <a:spLocks noGrp="1" noRot="1" noChangeAspect="1" noMove="1" noResize="1" noEditPoints="1" noAdjustHandles="1" noChangeArrowheads="1" noChangeShapeType="1" noTextEdit="1"/>
+          </p:cNvSpPr>
+          <p:nvPr>
+            <p:extLst>
+              <p:ext uri="{386F3935-93C4-4BCD-93E2-E3B085C9AB24}">
+                <p16:designElem xmlns:p16="http://schemas.microsoft.com/office/powerpoint/2015/main" val="1"/>
+              </p:ext>
+            </p:extLst>
+          </p:nvPr>
+        </p:nvSpPr>
+        <p:spPr>
+          <a:xfrm rot="16200000" flipH="1">
+            <a:off x="-1180882" y="1638085"/>
+            <a:ext cx="6857572" cy="3581401"/>
+          </a:xfrm>
+          <a:prstGeom prst="rect">
+            <a:avLst/>
+          </a:prstGeom>
+          <a:gradFill>
+            <a:gsLst>
+              <a:gs pos="0">
+                <a:srgbClr val="000000">
+                  <a:alpha val="59000"/>
+                </a:srgbClr>
+              </a:gs>
+              <a:gs pos="69000">
+                <a:schemeClr val="accent1">
+                  <a:alpha val="0"/>
+                </a:schemeClr>
+              </a:gs>
+            </a:gsLst>
+            <a:lin ang="13200000" scaled="0"/>
+          </a:gradFill>
+          <a:ln>
+            <a:noFill/>
+          </a:ln>
+        </p:spPr>
+        <p:style>
+          <a:lnRef idx="2">
+            <a:schemeClr val="accent1">
+              <a:shade val="50000"/>
+            </a:schemeClr>
+          </a:lnRef>
+          <a:fillRef idx="1">
+            <a:schemeClr val="accent1"/>
+          </a:fillRef>
+          <a:effectRef idx="0">
+            <a:schemeClr val="accent1"/>
+          </a:effectRef>
+          <a:fontRef idx="minor">
+            <a:schemeClr val="lt1"/>
+          </a:fontRef>
+        </p:style>
+        <p:txBody>
+          <a:bodyPr rtlCol="0" anchor="ctr"/>
+          <a:lstStyle/>
+          <a:p>
+            <a:pPr algn="ctr"/>
+            <a:endParaRPr lang="en-US" dirty="0"/>
+          </a:p>
+        </p:txBody>
+      </p:sp>
+      <p:sp>
+        <p:nvSpPr>
+          <p:cNvPr id="18" name="Freeform: Shape 17">
+            <a:extLst>
+              <a:ext uri="{FF2B5EF4-FFF2-40B4-BE49-F238E27FC236}">
+                <a16:creationId xmlns:a16="http://schemas.microsoft.com/office/drawing/2014/main" id="{F8260ED5-17F7-4158-B241-D51DD4CF1B7E}"/>
+              </a:ext>
+              <a:ext uri="{C183D7F6-B498-43B3-948B-1728B52AA6E4}">
+                <adec:decorative xmlns:adec="http://schemas.microsoft.com/office/drawing/2017/decorative" val="1"/>
+              </a:ext>
+            </a:extLst>
+          </p:cNvPr>
+          <p:cNvSpPr>
+            <a:spLocks noGrp="1" noRot="1" noChangeAspect="1" noMove="1" noResize="1" noEditPoints="1" noAdjustHandles="1" noChangeArrowheads="1" noChangeShapeType="1" noTextEdit="1"/>
+          </p:cNvSpPr>
+          <p:nvPr>
+            <p:extLst>
+              <p:ext uri="{386F3935-93C4-4BCD-93E2-E3B085C9AB24}">
+                <p16:designElem xmlns:p16="http://schemas.microsoft.com/office/powerpoint/2015/main" val="1"/>
+              </p:ext>
+            </p:extLst>
+          </p:nvPr>
+        </p:nvSpPr>
+        <p:spPr>
+          <a:xfrm rot="6097846">
+            <a:off x="-747355" y="1201312"/>
+            <a:ext cx="4808302" cy="4088666"/>
+          </a:xfrm>
+          <a:custGeom>
+            <a:avLst/>
+            <a:gdLst>
+              <a:gd name="connsiteX0" fmla="*/ 48844 w 4808302"/>
+              <a:gd name="connsiteY0" fmla="*/ 2888671 h 4088666"/>
+              <a:gd name="connsiteX1" fmla="*/ 0 w 4808302"/>
+              <a:gd name="connsiteY1" fmla="*/ 2404151 h 4088666"/>
+              <a:gd name="connsiteX2" fmla="*/ 2404151 w 4808302"/>
+              <a:gd name="connsiteY2" fmla="*/ 0 h 4088666"/>
+              <a:gd name="connsiteX3" fmla="*/ 4808302 w 4808302"/>
+              <a:gd name="connsiteY3" fmla="*/ 2404151 h 4088666"/>
+              <a:gd name="connsiteX4" fmla="*/ 4700216 w 4808302"/>
+              <a:gd name="connsiteY4" fmla="*/ 3119072 h 4088666"/>
+              <a:gd name="connsiteX5" fmla="*/ 4643143 w 4808302"/>
+              <a:gd name="connsiteY5" fmla="*/ 3275009 h 4088666"/>
+              <a:gd name="connsiteX6" fmla="*/ 690093 w 4808302"/>
+              <a:gd name="connsiteY6" fmla="*/ 4088666 h 4088666"/>
+              <a:gd name="connsiteX7" fmla="*/ 548991 w 4808302"/>
+              <a:gd name="connsiteY7" fmla="*/ 3933414 h 4088666"/>
+              <a:gd name="connsiteX8" fmla="*/ 48844 w 4808302"/>
+              <a:gd name="connsiteY8" fmla="*/ 2888671 h 4088666"/>
+            </a:gdLst>
+            <a:ahLst/>
+            <a:cxnLst>
+              <a:cxn ang="0">
+                <a:pos x="connsiteX0" y="connsiteY0"/>
+              </a:cxn>
+              <a:cxn ang="0">
+                <a:pos x="connsiteX1" y="connsiteY1"/>
+              </a:cxn>
+              <a:cxn ang="0">
+                <a:pos x="connsiteX2" y="connsiteY2"/>
+              </a:cxn>
+              <a:cxn ang="0">
+                <a:pos x="connsiteX3" y="connsiteY3"/>
+              </a:cxn>
+              <a:cxn ang="0">
+                <a:pos x="connsiteX4" y="connsiteY4"/>
+              </a:cxn>
+              <a:cxn ang="0">
+                <a:pos x="connsiteX5" y="connsiteY5"/>
+              </a:cxn>
+              <a:cxn ang="0">
+                <a:pos x="connsiteX6" y="connsiteY6"/>
+              </a:cxn>
+              <a:cxn ang="0">
+                <a:pos x="connsiteX7" y="connsiteY7"/>
+              </a:cxn>
+              <a:cxn ang="0">
+                <a:pos x="connsiteX8" y="connsiteY8"/>
+              </a:cxn>
+            </a:cxnLst>
+            <a:rect l="l" t="t" r="r" b="b"/>
+            <a:pathLst>
+              <a:path w="4808302" h="4088666">
+                <a:moveTo>
+                  <a:pt x="48844" y="2888671"/>
+                </a:moveTo>
+                <a:cubicBezTo>
+                  <a:pt x="16818" y="2732167"/>
+                  <a:pt x="0" y="2570123"/>
+                  <a:pt x="0" y="2404151"/>
+                </a:cubicBezTo>
+                <a:cubicBezTo>
+                  <a:pt x="0" y="1076375"/>
+                  <a:pt x="1076375" y="0"/>
+                  <a:pt x="2404151" y="0"/>
+                </a:cubicBezTo>
+                <a:cubicBezTo>
+                  <a:pt x="3731927" y="0"/>
+                  <a:pt x="4808302" y="1076375"/>
+                  <a:pt x="4808302" y="2404151"/>
+                </a:cubicBezTo>
+                <a:cubicBezTo>
+                  <a:pt x="4808302" y="2653109"/>
+                  <a:pt x="4770461" y="2893229"/>
+                  <a:pt x="4700216" y="3119072"/>
+                </a:cubicBezTo>
+                <a:lnTo>
+                  <a:pt x="4643143" y="3275009"/>
+                </a:lnTo>
+                <a:lnTo>
+                  <a:pt x="690093" y="4088666"/>
+                </a:lnTo>
+                <a:lnTo>
+                  <a:pt x="548991" y="3933414"/>
+                </a:lnTo>
+                <a:cubicBezTo>
+                  <a:pt x="304015" y="3636572"/>
+                  <a:pt x="128908" y="3279932"/>
+                  <a:pt x="48844" y="2888671"/>
+                </a:cubicBezTo>
+                <a:close/>
+              </a:path>
+            </a:pathLst>
+          </a:custGeom>
+          <a:gradFill>
+            <a:gsLst>
+              <a:gs pos="39000">
+                <a:schemeClr val="accent1">
+                  <a:lumMod val="60000"/>
+                  <a:lumOff val="40000"/>
+                  <a:alpha val="0"/>
+                </a:schemeClr>
+              </a:gs>
+              <a:gs pos="100000">
+                <a:schemeClr val="accent1">
+                  <a:lumMod val="75000"/>
+                  <a:alpha val="26000"/>
+                </a:schemeClr>
+              </a:gs>
+            </a:gsLst>
+            <a:lin ang="18600000" scaled="0"/>
+          </a:gradFill>
+          <a:ln>
+            <a:noFill/>
+          </a:ln>
+        </p:spPr>
+        <p:style>
+          <a:lnRef idx="2">
+            <a:schemeClr val="accent1">
+              <a:shade val="50000"/>
+            </a:schemeClr>
+          </a:lnRef>
+          <a:fillRef idx="1">
+            <a:schemeClr val="accent1"/>
+          </a:fillRef>
+          <a:effectRef idx="0">
+            <a:schemeClr val="accent1"/>
+          </a:effectRef>
+          <a:fontRef idx="minor">
+            <a:schemeClr val="lt1"/>
+          </a:fontRef>
+        </p:style>
+        <p:txBody>
+          <a:bodyPr wrap="square" rtlCol="0" anchor="ctr">
+            <a:noAutofit/>
+          </a:bodyPr>
+          <a:lstStyle/>
+          <a:p>
+            <a:pPr algn="ctr"/>
+            <a:endParaRPr lang="en-US" dirty="0"/>
+          </a:p>
+        </p:txBody>
+      </p:sp>
+      <p:sp>
+        <p:nvSpPr>
+          <p:cNvPr id="2" name="Cím 1">
+            <a:extLst>
+              <a:ext uri="{FF2B5EF4-FFF2-40B4-BE49-F238E27FC236}">
+                <a16:creationId xmlns:a16="http://schemas.microsoft.com/office/drawing/2014/main" id="{83324CB0-604C-413A-A33E-E81A89945FCE}"/>
+              </a:ext>
+            </a:extLst>
+          </p:cNvPr>
+          <p:cNvSpPr>
+            <a:spLocks noGrp="1"/>
+          </p:cNvSpPr>
+          <p:nvPr>
+            <p:ph type="title"/>
+          </p:nvPr>
+        </p:nvSpPr>
+        <p:spPr>
+          <a:xfrm>
+            <a:off x="673104" y="1923325"/>
+            <a:ext cx="2880828" cy="3071906"/>
+          </a:xfrm>
+        </p:spPr>
+        <p:txBody>
+          <a:bodyPr vert="horz" lIns="91440" tIns="45720" rIns="91440" bIns="45720" rtlCol="0" anchor="t">
+            <a:normAutofit/>
+          </a:bodyPr>
+          <a:lstStyle/>
+          <a:p>
+            <a:r>
+              <a:rPr lang="hu-HU" sz="2000" kern="1200" dirty="0">
+                <a:solidFill>
+                  <a:srgbClr val="FFFFFF"/>
+                </a:solidFill>
+                <a:latin typeface="+mj-lt"/>
+                <a:ea typeface="+mj-ea"/>
+                <a:cs typeface="+mj-cs"/>
+              </a:rPr>
+              <a:t>Még egy-egy almenühöz különböző gombok létrehozása.</a:t>
+            </a:r>
+            <a:br>
+              <a:rPr lang="hu-HU" sz="2000" kern="1200" dirty="0">
+                <a:solidFill>
+                  <a:srgbClr val="FFFFFF"/>
+                </a:solidFill>
+                <a:latin typeface="+mj-lt"/>
+                <a:ea typeface="+mj-ea"/>
+                <a:cs typeface="+mj-cs"/>
+              </a:rPr>
+            </a:br>
+            <a:r>
+              <a:rPr lang="hu-HU" sz="2000" kern="1200" dirty="0">
+                <a:solidFill>
+                  <a:srgbClr val="FFFFFF"/>
+                </a:solidFill>
+                <a:latin typeface="+mj-lt"/>
+                <a:ea typeface="+mj-ea"/>
+                <a:cs typeface="+mj-cs"/>
+              </a:rPr>
+              <a:t>Pl.: „Törlés” gomb , amivel az adattáblánkból kitörölhetünk sorokat.  </a:t>
+            </a:r>
+            <a:endParaRPr lang="en-US" sz="2000" kern="1200" dirty="0">
+              <a:solidFill>
+                <a:srgbClr val="FFFFFF"/>
+              </a:solidFill>
+              <a:latin typeface="+mj-lt"/>
+              <a:ea typeface="+mj-ea"/>
+              <a:cs typeface="+mj-cs"/>
+            </a:endParaRPr>
+          </a:p>
+        </p:txBody>
+      </p:sp>
+      <p:pic>
+        <p:nvPicPr>
+          <p:cNvPr id="5" name="Tartalom helye 4">
+            <a:extLst>
+              <a:ext uri="{FF2B5EF4-FFF2-40B4-BE49-F238E27FC236}">
+                <a16:creationId xmlns:a16="http://schemas.microsoft.com/office/drawing/2014/main" id="{B1342991-5790-4FD0-AD15-BD379B7389AC}"/>
+              </a:ext>
+            </a:extLst>
+          </p:cNvPr>
+          <p:cNvPicPr>
+            <a:picLocks noGrp="1" noChangeAspect="1"/>
+          </p:cNvPicPr>
+          <p:nvPr>
+            <p:ph idx="1"/>
+          </p:nvPr>
+        </p:nvPicPr>
+        <p:blipFill>
+          <a:blip r:embed="rId2"/>
+          <a:stretch>
+            <a:fillRect/>
+          </a:stretch>
+        </p:blipFill>
+        <p:spPr>
+          <a:xfrm>
+            <a:off x="4520654" y="541883"/>
+            <a:ext cx="7225748" cy="5834790"/>
+          </a:xfrm>
+          <a:prstGeom prst="rect">
+            <a:avLst/>
+          </a:prstGeom>
+        </p:spPr>
+      </p:pic>
+      <p:sp>
+        <p:nvSpPr>
+          <p:cNvPr id="15" name="Téglalap: lekerekített 14">
+            <a:extLst>
+              <a:ext uri="{FF2B5EF4-FFF2-40B4-BE49-F238E27FC236}">
+                <a16:creationId xmlns:a16="http://schemas.microsoft.com/office/drawing/2014/main" id="{0E941265-82E7-4590-8B6E-383690EE8C85}"/>
+              </a:ext>
+            </a:extLst>
+          </p:cNvPr>
+          <p:cNvSpPr/>
+          <p:nvPr/>
+        </p:nvSpPr>
+        <p:spPr>
+          <a:xfrm>
+            <a:off x="7419401" y="6057013"/>
+            <a:ext cx="801092" cy="298292"/>
+          </a:xfrm>
+          <a:prstGeom prst="roundRect">
+            <a:avLst/>
+          </a:prstGeom>
+          <a:noFill/>
+          <a:ln w="38100">
+            <a:solidFill>
+              <a:srgbClr val="FF0000"/>
+            </a:solidFill>
+          </a:ln>
+        </p:spPr>
+        <p:style>
+          <a:lnRef idx="2">
+            <a:schemeClr val="accent1">
+              <a:shade val="50000"/>
+            </a:schemeClr>
+          </a:lnRef>
+          <a:fillRef idx="1">
+            <a:schemeClr val="accent1"/>
+          </a:fillRef>
+          <a:effectRef idx="0">
+            <a:schemeClr val="accent1"/>
+          </a:effectRef>
+          <a:fontRef idx="minor">
+            <a:schemeClr val="lt1"/>
+          </a:fontRef>
+        </p:style>
+        <p:txBody>
+          <a:bodyPr rtlCol="0" anchor="ctr"/>
+          <a:lstStyle/>
+          <a:p>
+            <a:pPr algn="ctr"/>
+            <a:endParaRPr lang="hu-HU"/>
+          </a:p>
+        </p:txBody>
+      </p:sp>
+      <p:sp>
+        <p:nvSpPr>
+          <p:cNvPr id="17" name="Téglalap: lekerekített 16">
+            <a:extLst>
+              <a:ext uri="{FF2B5EF4-FFF2-40B4-BE49-F238E27FC236}">
+                <a16:creationId xmlns:a16="http://schemas.microsoft.com/office/drawing/2014/main" id="{C2F2B5A4-F4F4-4A69-A38E-13ABCDDD0FEB}"/>
+              </a:ext>
+            </a:extLst>
+          </p:cNvPr>
+          <p:cNvSpPr/>
+          <p:nvPr/>
+        </p:nvSpPr>
+        <p:spPr>
+          <a:xfrm>
+            <a:off x="8523832" y="6057013"/>
+            <a:ext cx="801092" cy="298292"/>
+          </a:xfrm>
+          <a:prstGeom prst="roundRect">
+            <a:avLst/>
+          </a:prstGeom>
+          <a:noFill/>
+          <a:ln w="38100">
+            <a:solidFill>
+              <a:srgbClr val="FF0000"/>
+            </a:solidFill>
+          </a:ln>
+        </p:spPr>
+        <p:style>
+          <a:lnRef idx="2">
+            <a:schemeClr val="accent1">
+              <a:shade val="50000"/>
+            </a:schemeClr>
+          </a:lnRef>
+          <a:fillRef idx="1">
+            <a:schemeClr val="accent1"/>
+          </a:fillRef>
+          <a:effectRef idx="0">
+            <a:schemeClr val="accent1"/>
+          </a:effectRef>
+          <a:fontRef idx="minor">
+            <a:schemeClr val="lt1"/>
+          </a:fontRef>
+        </p:style>
+        <p:txBody>
+          <a:bodyPr rtlCol="0" anchor="ctr"/>
+          <a:lstStyle/>
+          <a:p>
+            <a:pPr algn="ctr"/>
+            <a:endParaRPr lang="hu-HU"/>
+          </a:p>
+        </p:txBody>
+      </p:sp>
+      <p:sp>
+        <p:nvSpPr>
+          <p:cNvPr id="19" name="Téglalap: lekerekített 18">
+            <a:extLst>
+              <a:ext uri="{FF2B5EF4-FFF2-40B4-BE49-F238E27FC236}">
+                <a16:creationId xmlns:a16="http://schemas.microsoft.com/office/drawing/2014/main" id="{8F40412C-D8BC-46CB-974A-234D7A1E9752}"/>
+              </a:ext>
+            </a:extLst>
+          </p:cNvPr>
+          <p:cNvSpPr/>
+          <p:nvPr/>
+        </p:nvSpPr>
+        <p:spPr>
+          <a:xfrm>
+            <a:off x="9610036" y="6057013"/>
+            <a:ext cx="801092" cy="298292"/>
+          </a:xfrm>
+          <a:prstGeom prst="roundRect">
+            <a:avLst/>
+          </a:prstGeom>
+          <a:noFill/>
+          <a:ln w="38100">
+            <a:solidFill>
+              <a:srgbClr val="FF0000"/>
+            </a:solidFill>
+          </a:ln>
+        </p:spPr>
+        <p:style>
+          <a:lnRef idx="2">
+            <a:schemeClr val="accent1">
+              <a:shade val="50000"/>
+            </a:schemeClr>
+          </a:lnRef>
+          <a:fillRef idx="1">
+            <a:schemeClr val="accent1"/>
+          </a:fillRef>
+          <a:effectRef idx="0">
+            <a:schemeClr val="accent1"/>
+          </a:effectRef>
+          <a:fontRef idx="minor">
+            <a:schemeClr val="lt1"/>
+          </a:fontRef>
+        </p:style>
+        <p:txBody>
+          <a:bodyPr rtlCol="0" anchor="ctr"/>
+          <a:lstStyle/>
+          <a:p>
+            <a:pPr algn="ctr"/>
+            <a:endParaRPr lang="hu-HU"/>
+          </a:p>
+        </p:txBody>
+      </p:sp>
+    </p:spTree>
+    <p:extLst>
+      <p:ext uri="{BB962C8B-B14F-4D97-AF65-F5344CB8AC3E}">
+        <p14:creationId xmlns:p14="http://schemas.microsoft.com/office/powerpoint/2010/main" val="3364366076"/>
       </p:ext>
     </p:extLst>
   </p:cSld>

--- a/SFM_Projekt_Áttekintés.pptx
+++ b/SFM_Projekt_Áttekintés.pptx
@@ -11,10 +11,11 @@
     <p:sldId id="263" r:id="rId5"/>
     <p:sldId id="269" r:id="rId6"/>
     <p:sldId id="265" r:id="rId7"/>
-    <p:sldId id="268" r:id="rId8"/>
-    <p:sldId id="260" r:id="rId9"/>
-    <p:sldId id="257" r:id="rId10"/>
-    <p:sldId id="271" r:id="rId11"/>
+    <p:sldId id="272" r:id="rId8"/>
+    <p:sldId id="268" r:id="rId9"/>
+    <p:sldId id="260" r:id="rId10"/>
+    <p:sldId id="257" r:id="rId11"/>
+    <p:sldId id="271" r:id="rId12"/>
   </p:sldIdLst>
   <p:sldSz cx="12192000" cy="6858000"/>
   <p:notesSz cx="6858000" cy="9144000"/>
@@ -268,7 +269,7 @@
           <a:p>
             <a:fld id="{C6FFFD0C-11C6-4FA1-A7C1-12D43718D83B}" type="datetimeFigureOut">
               <a:rPr lang="hu-HU" smtClean="0"/>
-              <a:t>2021. 04. 13.</a:t>
+              <a:t>2021. 04. 15.</a:t>
             </a:fld>
             <a:endParaRPr lang="hu-HU"/>
           </a:p>
@@ -466,7 +467,7 @@
           <a:p>
             <a:fld id="{C6FFFD0C-11C6-4FA1-A7C1-12D43718D83B}" type="datetimeFigureOut">
               <a:rPr lang="hu-HU" smtClean="0"/>
-              <a:t>2021. 04. 13.</a:t>
+              <a:t>2021. 04. 15.</a:t>
             </a:fld>
             <a:endParaRPr lang="hu-HU"/>
           </a:p>
@@ -674,7 +675,7 @@
           <a:p>
             <a:fld id="{C6FFFD0C-11C6-4FA1-A7C1-12D43718D83B}" type="datetimeFigureOut">
               <a:rPr lang="hu-HU" smtClean="0"/>
-              <a:t>2021. 04. 13.</a:t>
+              <a:t>2021. 04. 15.</a:t>
             </a:fld>
             <a:endParaRPr lang="hu-HU"/>
           </a:p>
@@ -872,7 +873,7 @@
           <a:p>
             <a:fld id="{C6FFFD0C-11C6-4FA1-A7C1-12D43718D83B}" type="datetimeFigureOut">
               <a:rPr lang="hu-HU" smtClean="0"/>
-              <a:t>2021. 04. 13.</a:t>
+              <a:t>2021. 04. 15.</a:t>
             </a:fld>
             <a:endParaRPr lang="hu-HU"/>
           </a:p>
@@ -1147,7 +1148,7 @@
           <a:p>
             <a:fld id="{C6FFFD0C-11C6-4FA1-A7C1-12D43718D83B}" type="datetimeFigureOut">
               <a:rPr lang="hu-HU" smtClean="0"/>
-              <a:t>2021. 04. 13.</a:t>
+              <a:t>2021. 04. 15.</a:t>
             </a:fld>
             <a:endParaRPr lang="hu-HU"/>
           </a:p>
@@ -1412,7 +1413,7 @@
           <a:p>
             <a:fld id="{C6FFFD0C-11C6-4FA1-A7C1-12D43718D83B}" type="datetimeFigureOut">
               <a:rPr lang="hu-HU" smtClean="0"/>
-              <a:t>2021. 04. 13.</a:t>
+              <a:t>2021. 04. 15.</a:t>
             </a:fld>
             <a:endParaRPr lang="hu-HU"/>
           </a:p>
@@ -1824,7 +1825,7 @@
           <a:p>
             <a:fld id="{C6FFFD0C-11C6-4FA1-A7C1-12D43718D83B}" type="datetimeFigureOut">
               <a:rPr lang="hu-HU" smtClean="0"/>
-              <a:t>2021. 04. 13.</a:t>
+              <a:t>2021. 04. 15.</a:t>
             </a:fld>
             <a:endParaRPr lang="hu-HU"/>
           </a:p>
@@ -1965,7 +1966,7 @@
           <a:p>
             <a:fld id="{C6FFFD0C-11C6-4FA1-A7C1-12D43718D83B}" type="datetimeFigureOut">
               <a:rPr lang="hu-HU" smtClean="0"/>
-              <a:t>2021. 04. 13.</a:t>
+              <a:t>2021. 04. 15.</a:t>
             </a:fld>
             <a:endParaRPr lang="hu-HU"/>
           </a:p>
@@ -2078,7 +2079,7 @@
           <a:p>
             <a:fld id="{C6FFFD0C-11C6-4FA1-A7C1-12D43718D83B}" type="datetimeFigureOut">
               <a:rPr lang="hu-HU" smtClean="0"/>
-              <a:t>2021. 04. 13.</a:t>
+              <a:t>2021. 04. 15.</a:t>
             </a:fld>
             <a:endParaRPr lang="hu-HU"/>
           </a:p>
@@ -2389,7 +2390,7 @@
           <a:p>
             <a:fld id="{C6FFFD0C-11C6-4FA1-A7C1-12D43718D83B}" type="datetimeFigureOut">
               <a:rPr lang="hu-HU" smtClean="0"/>
-              <a:t>2021. 04. 13.</a:t>
+              <a:t>2021. 04. 15.</a:t>
             </a:fld>
             <a:endParaRPr lang="hu-HU"/>
           </a:p>
@@ -2677,7 +2678,7 @@
           <a:p>
             <a:fld id="{C6FFFD0C-11C6-4FA1-A7C1-12D43718D83B}" type="datetimeFigureOut">
               <a:rPr lang="hu-HU" smtClean="0"/>
-              <a:t>2021. 04. 13.</a:t>
+              <a:t>2021. 04. 15.</a:t>
             </a:fld>
             <a:endParaRPr lang="hu-HU"/>
           </a:p>
@@ -2918,7 +2919,7 @@
           <a:p>
             <a:fld id="{C6FFFD0C-11C6-4FA1-A7C1-12D43718D83B}" type="datetimeFigureOut">
               <a:rPr lang="hu-HU" smtClean="0"/>
-              <a:t>2021. 04. 13.</a:t>
+              <a:t>2021. 04. 15.</a:t>
             </a:fld>
             <a:endParaRPr lang="hu-HU"/>
           </a:p>
@@ -4135,6 +4136,776 @@
       </p:grpSpPr>
       <p:sp useBgFill="1">
         <p:nvSpPr>
+          <p:cNvPr id="10" name="Rectangle 9">
+            <a:extLst>
+              <a:ext uri="{FF2B5EF4-FFF2-40B4-BE49-F238E27FC236}">
+                <a16:creationId xmlns:a16="http://schemas.microsoft.com/office/drawing/2014/main" id="{A8384FB5-9ADC-4DDC-881B-597D56F5B15D}"/>
+              </a:ext>
+              <a:ext uri="{C183D7F6-B498-43B3-948B-1728B52AA6E4}">
+                <adec:decorative xmlns:adec="http://schemas.microsoft.com/office/drawing/2017/decorative" val="1"/>
+              </a:ext>
+            </a:extLst>
+          </p:cNvPr>
+          <p:cNvSpPr>
+            <a:spLocks noGrp="1" noRot="1" noChangeAspect="1" noMove="1" noResize="1" noEditPoints="1" noAdjustHandles="1" noChangeArrowheads="1" noChangeShapeType="1" noTextEdit="1"/>
+          </p:cNvSpPr>
+          <p:nvPr>
+            <p:extLst>
+              <p:ext uri="{386F3935-93C4-4BCD-93E2-E3B085C9AB24}">
+                <p16:designElem xmlns:p16="http://schemas.microsoft.com/office/powerpoint/2015/main" val="1"/>
+              </p:ext>
+            </p:extLst>
+          </p:nvPr>
+        </p:nvSpPr>
+        <p:spPr>
+          <a:xfrm>
+            <a:off x="0" y="0"/>
+            <a:ext cx="12192000" cy="6858000"/>
+          </a:xfrm>
+          <a:prstGeom prst="rect">
+            <a:avLst/>
+          </a:prstGeom>
+          <a:ln w="12700" cap="flat" cmpd="sng" algn="ctr">
+            <a:noFill/>
+            <a:prstDash val="solid"/>
+            <a:miter lim="800000"/>
+          </a:ln>
+          <a:effectLst/>
+          <a:extLst>
+            <a:ext uri="{91240B29-F687-4F45-9708-019B960494DF}">
+              <a14:hiddenLine xmlns:a14="http://schemas.microsoft.com/office/drawing/2010/main" w="12700" cap="flat" cmpd="sng" algn="ctr">
+                <a:solidFill>
+                  <a:schemeClr val="accent1">
+                    <a:shade val="50000"/>
+                  </a:schemeClr>
+                </a:solidFill>
+                <a:prstDash val="solid"/>
+                <a:miter lim="800000"/>
+              </a14:hiddenLine>
+            </a:ext>
+          </a:extLst>
+        </p:spPr>
+        <p:style>
+          <a:lnRef idx="2">
+            <a:schemeClr val="accent1">
+              <a:shade val="50000"/>
+            </a:schemeClr>
+          </a:lnRef>
+          <a:fillRef idx="1">
+            <a:schemeClr val="accent1"/>
+          </a:fillRef>
+          <a:effectRef idx="0">
+            <a:schemeClr val="accent1"/>
+          </a:effectRef>
+          <a:fontRef idx="minor">
+            <a:schemeClr val="lt1"/>
+          </a:fontRef>
+        </p:style>
+        <p:txBody>
+          <a:bodyPr rtlCol="0" anchor="ctr"/>
+          <a:lstStyle/>
+          <a:p>
+            <a:pPr algn="ctr"/>
+            <a:endParaRPr lang="en-US"/>
+          </a:p>
+        </p:txBody>
+      </p:sp>
+      <p:sp>
+        <p:nvSpPr>
+          <p:cNvPr id="12" name="Rectangle 11">
+            <a:extLst>
+              <a:ext uri="{FF2B5EF4-FFF2-40B4-BE49-F238E27FC236}">
+                <a16:creationId xmlns:a16="http://schemas.microsoft.com/office/drawing/2014/main" id="{91E5A9A7-95C6-4F4F-B00E-C82E07FE62EF}"/>
+              </a:ext>
+              <a:ext uri="{C183D7F6-B498-43B3-948B-1728B52AA6E4}">
+                <adec:decorative xmlns:adec="http://schemas.microsoft.com/office/drawing/2017/decorative" val="1"/>
+              </a:ext>
+            </a:extLst>
+          </p:cNvPr>
+          <p:cNvSpPr>
+            <a:spLocks noGrp="1" noRot="1" noChangeAspect="1" noMove="1" noResize="1" noEditPoints="1" noAdjustHandles="1" noChangeArrowheads="1" noChangeShapeType="1" noTextEdit="1"/>
+          </p:cNvSpPr>
+          <p:nvPr>
+            <p:extLst>
+              <p:ext uri="{386F3935-93C4-4BCD-93E2-E3B085C9AB24}">
+                <p16:designElem xmlns:p16="http://schemas.microsoft.com/office/powerpoint/2015/main" val="1"/>
+              </p:ext>
+            </p:extLst>
+          </p:nvPr>
+        </p:nvSpPr>
+        <p:spPr>
+          <a:xfrm rot="5400000" flipH="1">
+            <a:off x="-1417539" y="1417538"/>
+            <a:ext cx="6875818" cy="4040744"/>
+          </a:xfrm>
+          <a:prstGeom prst="rect">
+            <a:avLst/>
+          </a:prstGeom>
+          <a:gradFill>
+            <a:gsLst>
+              <a:gs pos="0">
+                <a:srgbClr val="000000"/>
+              </a:gs>
+              <a:gs pos="100000">
+                <a:schemeClr val="accent1">
+                  <a:lumMod val="75000"/>
+                </a:schemeClr>
+              </a:gs>
+            </a:gsLst>
+            <a:lin ang="18600000" scaled="0"/>
+          </a:gradFill>
+          <a:ln>
+            <a:noFill/>
+          </a:ln>
+        </p:spPr>
+        <p:style>
+          <a:lnRef idx="2">
+            <a:schemeClr val="accent1">
+              <a:shade val="50000"/>
+            </a:schemeClr>
+          </a:lnRef>
+          <a:fillRef idx="1">
+            <a:schemeClr val="accent1"/>
+          </a:fillRef>
+          <a:effectRef idx="0">
+            <a:schemeClr val="accent1"/>
+          </a:effectRef>
+          <a:fontRef idx="minor">
+            <a:schemeClr val="lt1"/>
+          </a:fontRef>
+        </p:style>
+        <p:txBody>
+          <a:bodyPr rtlCol="0" anchor="ctr"/>
+          <a:lstStyle/>
+          <a:p>
+            <a:pPr algn="ctr"/>
+            <a:endParaRPr lang="en-US" dirty="0"/>
+          </a:p>
+        </p:txBody>
+      </p:sp>
+      <p:sp>
+        <p:nvSpPr>
+          <p:cNvPr id="14" name="Rectangle 13">
+            <a:extLst>
+              <a:ext uri="{FF2B5EF4-FFF2-40B4-BE49-F238E27FC236}">
+                <a16:creationId xmlns:a16="http://schemas.microsoft.com/office/drawing/2014/main" id="{D07DD2DE-F619-49DD-B5E7-03A290FF4ED1}"/>
+              </a:ext>
+              <a:ext uri="{C183D7F6-B498-43B3-948B-1728B52AA6E4}">
+                <adec:decorative xmlns:adec="http://schemas.microsoft.com/office/drawing/2017/decorative" val="1"/>
+              </a:ext>
+            </a:extLst>
+          </p:cNvPr>
+          <p:cNvSpPr>
+            <a:spLocks noGrp="1" noRot="1" noChangeAspect="1" noMove="1" noResize="1" noEditPoints="1" noAdjustHandles="1" noChangeArrowheads="1" noChangeShapeType="1" noTextEdit="1"/>
+          </p:cNvSpPr>
+          <p:nvPr>
+            <p:extLst>
+              <p:ext uri="{386F3935-93C4-4BCD-93E2-E3B085C9AB24}">
+                <p16:designElem xmlns:p16="http://schemas.microsoft.com/office/powerpoint/2015/main" val="1"/>
+              </p:ext>
+            </p:extLst>
+          </p:nvPr>
+        </p:nvSpPr>
+        <p:spPr>
+          <a:xfrm rot="16200000">
+            <a:off x="-158495" y="2660473"/>
+            <a:ext cx="4355594" cy="4038603"/>
+          </a:xfrm>
+          <a:prstGeom prst="rect">
+            <a:avLst/>
+          </a:prstGeom>
+          <a:gradFill>
+            <a:gsLst>
+              <a:gs pos="0">
+                <a:schemeClr val="accent1">
+                  <a:alpha val="50000"/>
+                </a:schemeClr>
+              </a:gs>
+              <a:gs pos="100000">
+                <a:schemeClr val="accent1">
+                  <a:lumMod val="50000"/>
+                  <a:alpha val="0"/>
+                </a:schemeClr>
+              </a:gs>
+            </a:gsLst>
+            <a:lin ang="11400000" scaled="0"/>
+          </a:gradFill>
+          <a:ln>
+            <a:noFill/>
+          </a:ln>
+        </p:spPr>
+        <p:style>
+          <a:lnRef idx="2">
+            <a:schemeClr val="accent1">
+              <a:shade val="50000"/>
+            </a:schemeClr>
+          </a:lnRef>
+          <a:fillRef idx="1">
+            <a:schemeClr val="accent1"/>
+          </a:fillRef>
+          <a:effectRef idx="0">
+            <a:schemeClr val="accent1"/>
+          </a:effectRef>
+          <a:fontRef idx="minor">
+            <a:schemeClr val="lt1"/>
+          </a:fontRef>
+        </p:style>
+        <p:txBody>
+          <a:bodyPr rtlCol="0" anchor="ctr"/>
+          <a:lstStyle/>
+          <a:p>
+            <a:pPr algn="ctr"/>
+            <a:endParaRPr lang="en-US"/>
+          </a:p>
+        </p:txBody>
+      </p:sp>
+      <p:sp>
+        <p:nvSpPr>
+          <p:cNvPr id="16" name="Rectangle 15">
+            <a:extLst>
+              <a:ext uri="{FF2B5EF4-FFF2-40B4-BE49-F238E27FC236}">
+                <a16:creationId xmlns:a16="http://schemas.microsoft.com/office/drawing/2014/main" id="{85149191-5F60-4A28-AAFF-039F96B0F3EC}"/>
+              </a:ext>
+              <a:ext uri="{C183D7F6-B498-43B3-948B-1728B52AA6E4}">
+                <adec:decorative xmlns:adec="http://schemas.microsoft.com/office/drawing/2017/decorative" val="1"/>
+              </a:ext>
+            </a:extLst>
+          </p:cNvPr>
+          <p:cNvSpPr>
+            <a:spLocks noGrp="1" noRot="1" noChangeAspect="1" noMove="1" noResize="1" noEditPoints="1" noAdjustHandles="1" noChangeArrowheads="1" noChangeShapeType="1" noTextEdit="1"/>
+          </p:cNvSpPr>
+          <p:nvPr>
+            <p:extLst>
+              <p:ext uri="{386F3935-93C4-4BCD-93E2-E3B085C9AB24}">
+                <p16:designElem xmlns:p16="http://schemas.microsoft.com/office/powerpoint/2015/main" val="1"/>
+              </p:ext>
+            </p:extLst>
+          </p:nvPr>
+        </p:nvSpPr>
+        <p:spPr>
+          <a:xfrm rot="16200000" flipH="1">
+            <a:off x="-1180882" y="1638085"/>
+            <a:ext cx="6857572" cy="3581401"/>
+          </a:xfrm>
+          <a:prstGeom prst="rect">
+            <a:avLst/>
+          </a:prstGeom>
+          <a:gradFill>
+            <a:gsLst>
+              <a:gs pos="0">
+                <a:srgbClr val="000000">
+                  <a:alpha val="59000"/>
+                </a:srgbClr>
+              </a:gs>
+              <a:gs pos="69000">
+                <a:schemeClr val="accent1">
+                  <a:alpha val="0"/>
+                </a:schemeClr>
+              </a:gs>
+            </a:gsLst>
+            <a:lin ang="13200000" scaled="0"/>
+          </a:gradFill>
+          <a:ln>
+            <a:noFill/>
+          </a:ln>
+        </p:spPr>
+        <p:style>
+          <a:lnRef idx="2">
+            <a:schemeClr val="accent1">
+              <a:shade val="50000"/>
+            </a:schemeClr>
+          </a:lnRef>
+          <a:fillRef idx="1">
+            <a:schemeClr val="accent1"/>
+          </a:fillRef>
+          <a:effectRef idx="0">
+            <a:schemeClr val="accent1"/>
+          </a:effectRef>
+          <a:fontRef idx="minor">
+            <a:schemeClr val="lt1"/>
+          </a:fontRef>
+        </p:style>
+        <p:txBody>
+          <a:bodyPr rtlCol="0" anchor="ctr"/>
+          <a:lstStyle/>
+          <a:p>
+            <a:pPr algn="ctr"/>
+            <a:endParaRPr lang="en-US" dirty="0"/>
+          </a:p>
+        </p:txBody>
+      </p:sp>
+      <p:sp>
+        <p:nvSpPr>
+          <p:cNvPr id="18" name="Freeform: Shape 17">
+            <a:extLst>
+              <a:ext uri="{FF2B5EF4-FFF2-40B4-BE49-F238E27FC236}">
+                <a16:creationId xmlns:a16="http://schemas.microsoft.com/office/drawing/2014/main" id="{F8260ED5-17F7-4158-B241-D51DD4CF1B7E}"/>
+              </a:ext>
+              <a:ext uri="{C183D7F6-B498-43B3-948B-1728B52AA6E4}">
+                <adec:decorative xmlns:adec="http://schemas.microsoft.com/office/drawing/2017/decorative" val="1"/>
+              </a:ext>
+            </a:extLst>
+          </p:cNvPr>
+          <p:cNvSpPr>
+            <a:spLocks noGrp="1" noRot="1" noChangeAspect="1" noMove="1" noResize="1" noEditPoints="1" noAdjustHandles="1" noChangeArrowheads="1" noChangeShapeType="1" noTextEdit="1"/>
+          </p:cNvSpPr>
+          <p:nvPr>
+            <p:extLst>
+              <p:ext uri="{386F3935-93C4-4BCD-93E2-E3B085C9AB24}">
+                <p16:designElem xmlns:p16="http://schemas.microsoft.com/office/powerpoint/2015/main" val="1"/>
+              </p:ext>
+            </p:extLst>
+          </p:nvPr>
+        </p:nvSpPr>
+        <p:spPr>
+          <a:xfrm rot="6097846">
+            <a:off x="-747355" y="1201312"/>
+            <a:ext cx="4808302" cy="4088666"/>
+          </a:xfrm>
+          <a:custGeom>
+            <a:avLst/>
+            <a:gdLst>
+              <a:gd name="connsiteX0" fmla="*/ 48844 w 4808302"/>
+              <a:gd name="connsiteY0" fmla="*/ 2888671 h 4088666"/>
+              <a:gd name="connsiteX1" fmla="*/ 0 w 4808302"/>
+              <a:gd name="connsiteY1" fmla="*/ 2404151 h 4088666"/>
+              <a:gd name="connsiteX2" fmla="*/ 2404151 w 4808302"/>
+              <a:gd name="connsiteY2" fmla="*/ 0 h 4088666"/>
+              <a:gd name="connsiteX3" fmla="*/ 4808302 w 4808302"/>
+              <a:gd name="connsiteY3" fmla="*/ 2404151 h 4088666"/>
+              <a:gd name="connsiteX4" fmla="*/ 4700216 w 4808302"/>
+              <a:gd name="connsiteY4" fmla="*/ 3119072 h 4088666"/>
+              <a:gd name="connsiteX5" fmla="*/ 4643143 w 4808302"/>
+              <a:gd name="connsiteY5" fmla="*/ 3275009 h 4088666"/>
+              <a:gd name="connsiteX6" fmla="*/ 690093 w 4808302"/>
+              <a:gd name="connsiteY6" fmla="*/ 4088666 h 4088666"/>
+              <a:gd name="connsiteX7" fmla="*/ 548991 w 4808302"/>
+              <a:gd name="connsiteY7" fmla="*/ 3933414 h 4088666"/>
+              <a:gd name="connsiteX8" fmla="*/ 48844 w 4808302"/>
+              <a:gd name="connsiteY8" fmla="*/ 2888671 h 4088666"/>
+            </a:gdLst>
+            <a:ahLst/>
+            <a:cxnLst>
+              <a:cxn ang="0">
+                <a:pos x="connsiteX0" y="connsiteY0"/>
+              </a:cxn>
+              <a:cxn ang="0">
+                <a:pos x="connsiteX1" y="connsiteY1"/>
+              </a:cxn>
+              <a:cxn ang="0">
+                <a:pos x="connsiteX2" y="connsiteY2"/>
+              </a:cxn>
+              <a:cxn ang="0">
+                <a:pos x="connsiteX3" y="connsiteY3"/>
+              </a:cxn>
+              <a:cxn ang="0">
+                <a:pos x="connsiteX4" y="connsiteY4"/>
+              </a:cxn>
+              <a:cxn ang="0">
+                <a:pos x="connsiteX5" y="connsiteY5"/>
+              </a:cxn>
+              <a:cxn ang="0">
+                <a:pos x="connsiteX6" y="connsiteY6"/>
+              </a:cxn>
+              <a:cxn ang="0">
+                <a:pos x="connsiteX7" y="connsiteY7"/>
+              </a:cxn>
+              <a:cxn ang="0">
+                <a:pos x="connsiteX8" y="connsiteY8"/>
+              </a:cxn>
+            </a:cxnLst>
+            <a:rect l="l" t="t" r="r" b="b"/>
+            <a:pathLst>
+              <a:path w="4808302" h="4088666">
+                <a:moveTo>
+                  <a:pt x="48844" y="2888671"/>
+                </a:moveTo>
+                <a:cubicBezTo>
+                  <a:pt x="16818" y="2732167"/>
+                  <a:pt x="0" y="2570123"/>
+                  <a:pt x="0" y="2404151"/>
+                </a:cubicBezTo>
+                <a:cubicBezTo>
+                  <a:pt x="0" y="1076375"/>
+                  <a:pt x="1076375" y="0"/>
+                  <a:pt x="2404151" y="0"/>
+                </a:cubicBezTo>
+                <a:cubicBezTo>
+                  <a:pt x="3731927" y="0"/>
+                  <a:pt x="4808302" y="1076375"/>
+                  <a:pt x="4808302" y="2404151"/>
+                </a:cubicBezTo>
+                <a:cubicBezTo>
+                  <a:pt x="4808302" y="2653109"/>
+                  <a:pt x="4770461" y="2893229"/>
+                  <a:pt x="4700216" y="3119072"/>
+                </a:cubicBezTo>
+                <a:lnTo>
+                  <a:pt x="4643143" y="3275009"/>
+                </a:lnTo>
+                <a:lnTo>
+                  <a:pt x="690093" y="4088666"/>
+                </a:lnTo>
+                <a:lnTo>
+                  <a:pt x="548991" y="3933414"/>
+                </a:lnTo>
+                <a:cubicBezTo>
+                  <a:pt x="304015" y="3636572"/>
+                  <a:pt x="128908" y="3279932"/>
+                  <a:pt x="48844" y="2888671"/>
+                </a:cubicBezTo>
+                <a:close/>
+              </a:path>
+            </a:pathLst>
+          </a:custGeom>
+          <a:gradFill>
+            <a:gsLst>
+              <a:gs pos="39000">
+                <a:schemeClr val="accent1">
+                  <a:lumMod val="60000"/>
+                  <a:lumOff val="40000"/>
+                  <a:alpha val="0"/>
+                </a:schemeClr>
+              </a:gs>
+              <a:gs pos="100000">
+                <a:schemeClr val="accent1">
+                  <a:lumMod val="75000"/>
+                  <a:alpha val="26000"/>
+                </a:schemeClr>
+              </a:gs>
+            </a:gsLst>
+            <a:lin ang="18600000" scaled="0"/>
+          </a:gradFill>
+          <a:ln>
+            <a:noFill/>
+          </a:ln>
+        </p:spPr>
+        <p:style>
+          <a:lnRef idx="2">
+            <a:schemeClr val="accent1">
+              <a:shade val="50000"/>
+            </a:schemeClr>
+          </a:lnRef>
+          <a:fillRef idx="1">
+            <a:schemeClr val="accent1"/>
+          </a:fillRef>
+          <a:effectRef idx="0">
+            <a:schemeClr val="accent1"/>
+          </a:effectRef>
+          <a:fontRef idx="minor">
+            <a:schemeClr val="lt1"/>
+          </a:fontRef>
+        </p:style>
+        <p:txBody>
+          <a:bodyPr wrap="square" rtlCol="0" anchor="ctr">
+            <a:noAutofit/>
+          </a:bodyPr>
+          <a:lstStyle/>
+          <a:p>
+            <a:pPr algn="ctr"/>
+            <a:endParaRPr lang="en-US" dirty="0"/>
+          </a:p>
+        </p:txBody>
+      </p:sp>
+      <p:sp>
+        <p:nvSpPr>
+          <p:cNvPr id="2" name="Cím 1">
+            <a:extLst>
+              <a:ext uri="{FF2B5EF4-FFF2-40B4-BE49-F238E27FC236}">
+                <a16:creationId xmlns:a16="http://schemas.microsoft.com/office/drawing/2014/main" id="{83324CB0-604C-413A-A33E-E81A89945FCE}"/>
+              </a:ext>
+            </a:extLst>
+          </p:cNvPr>
+          <p:cNvSpPr>
+            <a:spLocks noGrp="1"/>
+          </p:cNvSpPr>
+          <p:nvPr>
+            <p:ph type="title"/>
+          </p:nvPr>
+        </p:nvSpPr>
+        <p:spPr>
+          <a:xfrm>
+            <a:off x="673104" y="1923325"/>
+            <a:ext cx="2880828" cy="3071906"/>
+          </a:xfrm>
+        </p:spPr>
+        <p:txBody>
+          <a:bodyPr vert="horz" lIns="91440" tIns="45720" rIns="91440" bIns="45720" rtlCol="0" anchor="t">
+            <a:normAutofit/>
+          </a:bodyPr>
+          <a:lstStyle/>
+          <a:p>
+            <a:r>
+              <a:rPr lang="hu-HU" sz="2000" kern="1200" dirty="0">
+                <a:solidFill>
+                  <a:srgbClr val="FFFFFF"/>
+                </a:solidFill>
+                <a:latin typeface="+mj-lt"/>
+                <a:ea typeface="+mj-ea"/>
+                <a:cs typeface="+mj-cs"/>
+              </a:rPr>
+              <a:t>Még egy-egy almenühöz különböző gombok létrehozása.</a:t>
+            </a:r>
+            <a:br>
+              <a:rPr lang="hu-HU" sz="2000" kern="1200" dirty="0">
+                <a:solidFill>
+                  <a:srgbClr val="FFFFFF"/>
+                </a:solidFill>
+                <a:latin typeface="+mj-lt"/>
+                <a:ea typeface="+mj-ea"/>
+                <a:cs typeface="+mj-cs"/>
+              </a:rPr>
+            </a:br>
+            <a:r>
+              <a:rPr lang="hu-HU" sz="2000" kern="1200" dirty="0">
+                <a:solidFill>
+                  <a:srgbClr val="FFFFFF"/>
+                </a:solidFill>
+                <a:latin typeface="+mj-lt"/>
+                <a:ea typeface="+mj-ea"/>
+                <a:cs typeface="+mj-cs"/>
+              </a:rPr>
+              <a:t>Pl.: „Törlés” gomb , amivel az adattáblánkból kitörölhetünk sorokat.  </a:t>
+            </a:r>
+            <a:endParaRPr lang="en-US" sz="2000" kern="1200" dirty="0">
+              <a:solidFill>
+                <a:srgbClr val="FFFFFF"/>
+              </a:solidFill>
+              <a:latin typeface="+mj-lt"/>
+              <a:ea typeface="+mj-ea"/>
+              <a:cs typeface="+mj-cs"/>
+            </a:endParaRPr>
+          </a:p>
+        </p:txBody>
+      </p:sp>
+      <p:pic>
+        <p:nvPicPr>
+          <p:cNvPr id="5" name="Tartalom helye 4">
+            <a:extLst>
+              <a:ext uri="{FF2B5EF4-FFF2-40B4-BE49-F238E27FC236}">
+                <a16:creationId xmlns:a16="http://schemas.microsoft.com/office/drawing/2014/main" id="{B1342991-5790-4FD0-AD15-BD379B7389AC}"/>
+              </a:ext>
+            </a:extLst>
+          </p:cNvPr>
+          <p:cNvPicPr>
+            <a:picLocks noGrp="1" noChangeAspect="1"/>
+          </p:cNvPicPr>
+          <p:nvPr>
+            <p:ph idx="1"/>
+          </p:nvPr>
+        </p:nvPicPr>
+        <p:blipFill>
+          <a:blip r:embed="rId2"/>
+          <a:stretch>
+            <a:fillRect/>
+          </a:stretch>
+        </p:blipFill>
+        <p:spPr>
+          <a:xfrm>
+            <a:off x="4520654" y="541883"/>
+            <a:ext cx="7225748" cy="5834790"/>
+          </a:xfrm>
+          <a:prstGeom prst="rect">
+            <a:avLst/>
+          </a:prstGeom>
+        </p:spPr>
+      </p:pic>
+      <p:sp>
+        <p:nvSpPr>
+          <p:cNvPr id="15" name="Téglalap: lekerekített 14">
+            <a:extLst>
+              <a:ext uri="{FF2B5EF4-FFF2-40B4-BE49-F238E27FC236}">
+                <a16:creationId xmlns:a16="http://schemas.microsoft.com/office/drawing/2014/main" id="{0E941265-82E7-4590-8B6E-383690EE8C85}"/>
+              </a:ext>
+            </a:extLst>
+          </p:cNvPr>
+          <p:cNvSpPr/>
+          <p:nvPr/>
+        </p:nvSpPr>
+        <p:spPr>
+          <a:xfrm>
+            <a:off x="7419401" y="6057013"/>
+            <a:ext cx="801092" cy="298292"/>
+          </a:xfrm>
+          <a:prstGeom prst="roundRect">
+            <a:avLst/>
+          </a:prstGeom>
+          <a:noFill/>
+          <a:ln w="38100">
+            <a:solidFill>
+              <a:srgbClr val="FF0000"/>
+            </a:solidFill>
+          </a:ln>
+        </p:spPr>
+        <p:style>
+          <a:lnRef idx="2">
+            <a:schemeClr val="accent1">
+              <a:shade val="50000"/>
+            </a:schemeClr>
+          </a:lnRef>
+          <a:fillRef idx="1">
+            <a:schemeClr val="accent1"/>
+          </a:fillRef>
+          <a:effectRef idx="0">
+            <a:schemeClr val="accent1"/>
+          </a:effectRef>
+          <a:fontRef idx="minor">
+            <a:schemeClr val="lt1"/>
+          </a:fontRef>
+        </p:style>
+        <p:txBody>
+          <a:bodyPr rtlCol="0" anchor="ctr"/>
+          <a:lstStyle/>
+          <a:p>
+            <a:pPr algn="ctr"/>
+            <a:endParaRPr lang="hu-HU"/>
+          </a:p>
+        </p:txBody>
+      </p:sp>
+      <p:sp>
+        <p:nvSpPr>
+          <p:cNvPr id="17" name="Téglalap: lekerekített 16">
+            <a:extLst>
+              <a:ext uri="{FF2B5EF4-FFF2-40B4-BE49-F238E27FC236}">
+                <a16:creationId xmlns:a16="http://schemas.microsoft.com/office/drawing/2014/main" id="{C2F2B5A4-F4F4-4A69-A38E-13ABCDDD0FEB}"/>
+              </a:ext>
+            </a:extLst>
+          </p:cNvPr>
+          <p:cNvSpPr/>
+          <p:nvPr/>
+        </p:nvSpPr>
+        <p:spPr>
+          <a:xfrm>
+            <a:off x="8523832" y="6057013"/>
+            <a:ext cx="801092" cy="298292"/>
+          </a:xfrm>
+          <a:prstGeom prst="roundRect">
+            <a:avLst/>
+          </a:prstGeom>
+          <a:noFill/>
+          <a:ln w="38100">
+            <a:solidFill>
+              <a:srgbClr val="FF0000"/>
+            </a:solidFill>
+          </a:ln>
+        </p:spPr>
+        <p:style>
+          <a:lnRef idx="2">
+            <a:schemeClr val="accent1">
+              <a:shade val="50000"/>
+            </a:schemeClr>
+          </a:lnRef>
+          <a:fillRef idx="1">
+            <a:schemeClr val="accent1"/>
+          </a:fillRef>
+          <a:effectRef idx="0">
+            <a:schemeClr val="accent1"/>
+          </a:effectRef>
+          <a:fontRef idx="minor">
+            <a:schemeClr val="lt1"/>
+          </a:fontRef>
+        </p:style>
+        <p:txBody>
+          <a:bodyPr rtlCol="0" anchor="ctr"/>
+          <a:lstStyle/>
+          <a:p>
+            <a:pPr algn="ctr"/>
+            <a:endParaRPr lang="hu-HU"/>
+          </a:p>
+        </p:txBody>
+      </p:sp>
+      <p:sp>
+        <p:nvSpPr>
+          <p:cNvPr id="19" name="Téglalap: lekerekített 18">
+            <a:extLst>
+              <a:ext uri="{FF2B5EF4-FFF2-40B4-BE49-F238E27FC236}">
+                <a16:creationId xmlns:a16="http://schemas.microsoft.com/office/drawing/2014/main" id="{8F40412C-D8BC-46CB-974A-234D7A1E9752}"/>
+              </a:ext>
+            </a:extLst>
+          </p:cNvPr>
+          <p:cNvSpPr/>
+          <p:nvPr/>
+        </p:nvSpPr>
+        <p:spPr>
+          <a:xfrm>
+            <a:off x="9610036" y="6057013"/>
+            <a:ext cx="801092" cy="298292"/>
+          </a:xfrm>
+          <a:prstGeom prst="roundRect">
+            <a:avLst/>
+          </a:prstGeom>
+          <a:noFill/>
+          <a:ln w="38100">
+            <a:solidFill>
+              <a:srgbClr val="FF0000"/>
+            </a:solidFill>
+          </a:ln>
+        </p:spPr>
+        <p:style>
+          <a:lnRef idx="2">
+            <a:schemeClr val="accent1">
+              <a:shade val="50000"/>
+            </a:schemeClr>
+          </a:lnRef>
+          <a:fillRef idx="1">
+            <a:schemeClr val="accent1"/>
+          </a:fillRef>
+          <a:effectRef idx="0">
+            <a:schemeClr val="accent1"/>
+          </a:effectRef>
+          <a:fontRef idx="minor">
+            <a:schemeClr val="lt1"/>
+          </a:fontRef>
+        </p:style>
+        <p:txBody>
+          <a:bodyPr rtlCol="0" anchor="ctr"/>
+          <a:lstStyle/>
+          <a:p>
+            <a:pPr algn="ctr"/>
+            <a:endParaRPr lang="hu-HU"/>
+          </a:p>
+        </p:txBody>
+      </p:sp>
+    </p:spTree>
+    <p:extLst>
+      <p:ext uri="{BB962C8B-B14F-4D97-AF65-F5344CB8AC3E}">
+        <p14:creationId xmlns:p14="http://schemas.microsoft.com/office/powerpoint/2010/main" val="3364366076"/>
+      </p:ext>
+    </p:extLst>
+  </p:cSld>
+  <p:clrMapOvr>
+    <a:masterClrMapping/>
+  </p:clrMapOvr>
+</p:sld>
+</file>
+
+<file path=ppt/slides/slide11.xml><?xml version="1.0" encoding="utf-8"?>
+<p:sld xmlns:a="http://schemas.openxmlformats.org/drawingml/2006/main" xmlns:r="http://schemas.openxmlformats.org/officeDocument/2006/relationships" xmlns:p="http://schemas.openxmlformats.org/presentationml/2006/main">
+  <p:cSld>
+    <p:bg>
+      <p:bgPr>
+        <a:solidFill>
+          <a:schemeClr val="bg1"/>
+        </a:solidFill>
+        <a:effectLst/>
+      </p:bgPr>
+    </p:bg>
+    <p:spTree>
+      <p:nvGrpSpPr>
+        <p:cNvPr id="1" name=""/>
+        <p:cNvGrpSpPr/>
+        <p:nvPr/>
+      </p:nvGrpSpPr>
+      <p:grpSpPr>
+        <a:xfrm>
+          <a:off x="0" y="0"/>
+          <a:ext cx="0" cy="0"/>
+          <a:chOff x="0" y="0"/>
+          <a:chExt cx="0" cy="0"/>
+        </a:xfrm>
+      </p:grpSpPr>
+      <p:sp useBgFill="1">
+        <p:nvSpPr>
           <p:cNvPr id="24" name="Rectangle 23">
             <a:extLst>
               <a:ext uri="{FF2B5EF4-FFF2-40B4-BE49-F238E27FC236}">
@@ -8195,7 +8966,7 @@
                   <a:srgbClr val="FFFFFF"/>
                 </a:solidFill>
               </a:rPr>
-              <a:t>Új sorokat hozzáadni </a:t>
+              <a:t>Új sorokat hozzáadni. </a:t>
             </a:r>
           </a:p>
         </p:txBody>
@@ -8322,6 +9093,162 @@
           <a:p>
             <a:pPr algn="ctr"/>
             <a:endParaRPr lang="hu-HU"/>
+          </a:p>
+        </p:txBody>
+      </p:sp>
+      <p:sp>
+        <p:nvSpPr>
+          <p:cNvPr id="25" name="Cím 1">
+            <a:extLst>
+              <a:ext uri="{FF2B5EF4-FFF2-40B4-BE49-F238E27FC236}">
+                <a16:creationId xmlns:a16="http://schemas.microsoft.com/office/drawing/2014/main" id="{C4C8A4AD-93D0-4306-BA95-EBEE7D3FF0D5}"/>
+              </a:ext>
+            </a:extLst>
+          </p:cNvPr>
+          <p:cNvSpPr txBox="1">
+            <a:spLocks/>
+          </p:cNvSpPr>
+          <p:nvPr/>
+        </p:nvSpPr>
+        <p:spPr>
+          <a:xfrm>
+            <a:off x="-2139" y="5320420"/>
+            <a:ext cx="1705567" cy="995205"/>
+          </a:xfrm>
+          <a:prstGeom prst="rect">
+            <a:avLst/>
+          </a:prstGeom>
+        </p:spPr>
+        <p:txBody>
+          <a:bodyPr vert="horz" lIns="91440" tIns="45720" rIns="91440" bIns="45720" rtlCol="0" anchor="t">
+            <a:normAutofit fontScale="97500"/>
+          </a:bodyPr>
+          <a:lstStyle>
+            <a:lvl1pPr algn="ctr" defTabSz="914400" rtl="0" eaLnBrk="1" latinLnBrk="0" hangingPunct="1">
+              <a:lnSpc>
+                <a:spcPct val="90000"/>
+              </a:lnSpc>
+              <a:spcBef>
+                <a:spcPct val="0"/>
+              </a:spcBef>
+              <a:buNone/>
+              <a:defRPr sz="6000" kern="1200">
+                <a:solidFill>
+                  <a:schemeClr val="tx1"/>
+                </a:solidFill>
+                <a:latin typeface="+mj-lt"/>
+                <a:ea typeface="+mj-ea"/>
+                <a:cs typeface="+mj-cs"/>
+              </a:defRPr>
+            </a:lvl1pPr>
+          </a:lstStyle>
+          <a:p>
+            <a:r>
+              <a:rPr lang="hu-HU" sz="2000" dirty="0">
+                <a:solidFill>
+                  <a:srgbClr val="FFFFFF"/>
+                </a:solidFill>
+              </a:rPr>
+              <a:t>„Exportálás” gomb:</a:t>
+            </a:r>
+            <a:br>
+              <a:rPr lang="hu-HU" sz="2000" dirty="0">
+                <a:solidFill>
+                  <a:srgbClr val="FFFFFF"/>
+                </a:solidFill>
+              </a:rPr>
+            </a:br>
+            <a:endParaRPr lang="hu-HU" sz="2000" dirty="0">
+              <a:solidFill>
+                <a:srgbClr val="FFFFFF"/>
+              </a:solidFill>
+            </a:endParaRPr>
+          </a:p>
+        </p:txBody>
+      </p:sp>
+      <p:sp>
+        <p:nvSpPr>
+          <p:cNvPr id="26" name="Cím 1">
+            <a:extLst>
+              <a:ext uri="{FF2B5EF4-FFF2-40B4-BE49-F238E27FC236}">
+                <a16:creationId xmlns:a16="http://schemas.microsoft.com/office/drawing/2014/main" id="{3F00E247-74A1-4631-921E-149162AD7BE7}"/>
+              </a:ext>
+            </a:extLst>
+          </p:cNvPr>
+          <p:cNvSpPr txBox="1">
+            <a:spLocks/>
+          </p:cNvSpPr>
+          <p:nvPr/>
+        </p:nvSpPr>
+        <p:spPr>
+          <a:xfrm>
+            <a:off x="1667568" y="5319992"/>
+            <a:ext cx="1705567" cy="995205"/>
+          </a:xfrm>
+          <a:prstGeom prst="rect">
+            <a:avLst/>
+          </a:prstGeom>
+        </p:spPr>
+        <p:txBody>
+          <a:bodyPr vert="horz" lIns="91440" tIns="45720" rIns="91440" bIns="45720" rtlCol="0" anchor="t">
+            <a:normAutofit fontScale="82500" lnSpcReduction="10000"/>
+          </a:bodyPr>
+          <a:lstStyle>
+            <a:lvl1pPr algn="ctr" defTabSz="914400" rtl="0" eaLnBrk="1" latinLnBrk="0" hangingPunct="1">
+              <a:lnSpc>
+                <a:spcPct val="90000"/>
+              </a:lnSpc>
+              <a:spcBef>
+                <a:spcPct val="0"/>
+              </a:spcBef>
+              <a:buNone/>
+              <a:defRPr sz="6000" kern="1200">
+                <a:solidFill>
+                  <a:schemeClr val="tx1"/>
+                </a:solidFill>
+                <a:latin typeface="+mj-lt"/>
+                <a:ea typeface="+mj-ea"/>
+                <a:cs typeface="+mj-cs"/>
+              </a:defRPr>
+            </a:lvl1pPr>
+          </a:lstStyle>
+          <a:p>
+            <a:r>
+              <a:rPr lang="hu-HU" sz="2000" dirty="0">
+                <a:solidFill>
+                  <a:srgbClr val="FFFFFF"/>
+                </a:solidFill>
+              </a:rPr>
+              <a:t>Az adattáblánkat eltudjuk menteni </a:t>
+            </a:r>
+            <a:r>
+              <a:rPr lang="hu-HU" sz="2000" dirty="0" err="1">
+                <a:solidFill>
+                  <a:srgbClr val="FFFFFF"/>
+                </a:solidFill>
+              </a:rPr>
+              <a:t>pdf-ként</a:t>
+            </a:r>
+            <a:r>
+              <a:rPr lang="hu-HU" sz="2000" dirty="0">
+                <a:solidFill>
+                  <a:srgbClr val="FFFFFF"/>
+                </a:solidFill>
+              </a:rPr>
+              <a:t>.</a:t>
+            </a:r>
+            <a:br>
+              <a:rPr lang="hu-HU" sz="2000" dirty="0">
+                <a:solidFill>
+                  <a:srgbClr val="FFFFFF"/>
+                </a:solidFill>
+              </a:rPr>
+            </a:br>
+            <a:endParaRPr lang="hu-HU" sz="2000" dirty="0">
+              <a:solidFill>
+                <a:srgbClr val="FFFFFF"/>
+              </a:solidFill>
+            </a:endParaRPr>
           </a:p>
         </p:txBody>
       </p:sp>
@@ -9074,6 +10001,726 @@
 </file>
 
 <file path=ppt/slides/slide7.xml><?xml version="1.0" encoding="utf-8"?>
+<p:sld xmlns:a="http://schemas.openxmlformats.org/drawingml/2006/main" xmlns:r="http://schemas.openxmlformats.org/officeDocument/2006/relationships" xmlns:p="http://schemas.openxmlformats.org/presentationml/2006/main">
+  <p:cSld>
+    <p:bg>
+      <p:bgPr>
+        <a:solidFill>
+          <a:schemeClr val="bg1"/>
+        </a:solidFill>
+        <a:effectLst/>
+      </p:bgPr>
+    </p:bg>
+    <p:spTree>
+      <p:nvGrpSpPr>
+        <p:cNvPr id="1" name=""/>
+        <p:cNvGrpSpPr/>
+        <p:nvPr/>
+      </p:nvGrpSpPr>
+      <p:grpSpPr>
+        <a:xfrm>
+          <a:off x="0" y="0"/>
+          <a:ext cx="0" cy="0"/>
+          <a:chOff x="0" y="0"/>
+          <a:chExt cx="0" cy="0"/>
+        </a:xfrm>
+      </p:grpSpPr>
+      <p:sp useBgFill="1">
+        <p:nvSpPr>
+          <p:cNvPr id="22" name="Rectangle 21">
+            <a:extLst>
+              <a:ext uri="{FF2B5EF4-FFF2-40B4-BE49-F238E27FC236}">
+                <a16:creationId xmlns:a16="http://schemas.microsoft.com/office/drawing/2014/main" id="{A8384FB5-9ADC-4DDC-881B-597D56F5B15D}"/>
+              </a:ext>
+              <a:ext uri="{C183D7F6-B498-43B3-948B-1728B52AA6E4}">
+                <adec:decorative xmlns:adec="http://schemas.microsoft.com/office/drawing/2017/decorative" val="1"/>
+              </a:ext>
+            </a:extLst>
+          </p:cNvPr>
+          <p:cNvSpPr>
+            <a:spLocks noGrp="1" noRot="1" noChangeAspect="1" noMove="1" noResize="1" noEditPoints="1" noAdjustHandles="1" noChangeArrowheads="1" noChangeShapeType="1" noTextEdit="1"/>
+          </p:cNvSpPr>
+          <p:nvPr>
+            <p:extLst>
+              <p:ext uri="{386F3935-93C4-4BCD-93E2-E3B085C9AB24}">
+                <p16:designElem xmlns:p16="http://schemas.microsoft.com/office/powerpoint/2015/main" val="1"/>
+              </p:ext>
+            </p:extLst>
+          </p:nvPr>
+        </p:nvSpPr>
+        <p:spPr>
+          <a:xfrm>
+            <a:off x="0" y="0"/>
+            <a:ext cx="12192000" cy="6858000"/>
+          </a:xfrm>
+          <a:prstGeom prst="rect">
+            <a:avLst/>
+          </a:prstGeom>
+          <a:ln w="12700" cap="flat" cmpd="sng" algn="ctr">
+            <a:noFill/>
+            <a:prstDash val="solid"/>
+            <a:miter lim="800000"/>
+          </a:ln>
+          <a:effectLst/>
+          <a:extLst>
+            <a:ext uri="{91240B29-F687-4F45-9708-019B960494DF}">
+              <a14:hiddenLine xmlns:a14="http://schemas.microsoft.com/office/drawing/2010/main" w="12700" cap="flat" cmpd="sng" algn="ctr">
+                <a:solidFill>
+                  <a:schemeClr val="accent1">
+                    <a:shade val="50000"/>
+                  </a:schemeClr>
+                </a:solidFill>
+                <a:prstDash val="solid"/>
+                <a:miter lim="800000"/>
+              </a14:hiddenLine>
+            </a:ext>
+          </a:extLst>
+        </p:spPr>
+        <p:style>
+          <a:lnRef idx="2">
+            <a:schemeClr val="accent1">
+              <a:shade val="50000"/>
+            </a:schemeClr>
+          </a:lnRef>
+          <a:fillRef idx="1">
+            <a:schemeClr val="accent1"/>
+          </a:fillRef>
+          <a:effectRef idx="0">
+            <a:schemeClr val="accent1"/>
+          </a:effectRef>
+          <a:fontRef idx="minor">
+            <a:schemeClr val="lt1"/>
+          </a:fontRef>
+        </p:style>
+        <p:txBody>
+          <a:bodyPr rtlCol="0" anchor="ctr"/>
+          <a:lstStyle/>
+          <a:p>
+            <a:pPr algn="ctr"/>
+            <a:endParaRPr lang="en-US"/>
+          </a:p>
+        </p:txBody>
+      </p:sp>
+      <p:sp>
+        <p:nvSpPr>
+          <p:cNvPr id="24" name="Rectangle 23">
+            <a:extLst>
+              <a:ext uri="{FF2B5EF4-FFF2-40B4-BE49-F238E27FC236}">
+                <a16:creationId xmlns:a16="http://schemas.microsoft.com/office/drawing/2014/main" id="{91E5A9A7-95C6-4F4F-B00E-C82E07FE62EF}"/>
+              </a:ext>
+              <a:ext uri="{C183D7F6-B498-43B3-948B-1728B52AA6E4}">
+                <adec:decorative xmlns:adec="http://schemas.microsoft.com/office/drawing/2017/decorative" val="1"/>
+              </a:ext>
+            </a:extLst>
+          </p:cNvPr>
+          <p:cNvSpPr>
+            <a:spLocks noGrp="1" noRot="1" noChangeAspect="1" noMove="1" noResize="1" noEditPoints="1" noAdjustHandles="1" noChangeArrowheads="1" noChangeShapeType="1" noTextEdit="1"/>
+          </p:cNvSpPr>
+          <p:nvPr>
+            <p:extLst>
+              <p:ext uri="{386F3935-93C4-4BCD-93E2-E3B085C9AB24}">
+                <p16:designElem xmlns:p16="http://schemas.microsoft.com/office/powerpoint/2015/main" val="1"/>
+              </p:ext>
+            </p:extLst>
+          </p:nvPr>
+        </p:nvSpPr>
+        <p:spPr>
+          <a:xfrm rot="5400000" flipH="1">
+            <a:off x="-1417539" y="1417538"/>
+            <a:ext cx="6875818" cy="4040744"/>
+          </a:xfrm>
+          <a:prstGeom prst="rect">
+            <a:avLst/>
+          </a:prstGeom>
+          <a:gradFill>
+            <a:gsLst>
+              <a:gs pos="0">
+                <a:srgbClr val="000000"/>
+              </a:gs>
+              <a:gs pos="100000">
+                <a:schemeClr val="accent1">
+                  <a:lumMod val="75000"/>
+                </a:schemeClr>
+              </a:gs>
+            </a:gsLst>
+            <a:lin ang="18600000" scaled="0"/>
+          </a:gradFill>
+          <a:ln>
+            <a:noFill/>
+          </a:ln>
+        </p:spPr>
+        <p:style>
+          <a:lnRef idx="2">
+            <a:schemeClr val="accent1">
+              <a:shade val="50000"/>
+            </a:schemeClr>
+          </a:lnRef>
+          <a:fillRef idx="1">
+            <a:schemeClr val="accent1"/>
+          </a:fillRef>
+          <a:effectRef idx="0">
+            <a:schemeClr val="accent1"/>
+          </a:effectRef>
+          <a:fontRef idx="minor">
+            <a:schemeClr val="lt1"/>
+          </a:fontRef>
+        </p:style>
+        <p:txBody>
+          <a:bodyPr rtlCol="0" anchor="ctr"/>
+          <a:lstStyle/>
+          <a:p>
+            <a:pPr algn="ctr"/>
+            <a:endParaRPr lang="en-US" dirty="0"/>
+          </a:p>
+        </p:txBody>
+      </p:sp>
+      <p:sp>
+        <p:nvSpPr>
+          <p:cNvPr id="26" name="Rectangle 25">
+            <a:extLst>
+              <a:ext uri="{FF2B5EF4-FFF2-40B4-BE49-F238E27FC236}">
+                <a16:creationId xmlns:a16="http://schemas.microsoft.com/office/drawing/2014/main" id="{D07DD2DE-F619-49DD-B5E7-03A290FF4ED1}"/>
+              </a:ext>
+              <a:ext uri="{C183D7F6-B498-43B3-948B-1728B52AA6E4}">
+                <adec:decorative xmlns:adec="http://schemas.microsoft.com/office/drawing/2017/decorative" val="1"/>
+              </a:ext>
+            </a:extLst>
+          </p:cNvPr>
+          <p:cNvSpPr>
+            <a:spLocks noGrp="1" noRot="1" noChangeAspect="1" noMove="1" noResize="1" noEditPoints="1" noAdjustHandles="1" noChangeArrowheads="1" noChangeShapeType="1" noTextEdit="1"/>
+          </p:cNvSpPr>
+          <p:nvPr>
+            <p:extLst>
+              <p:ext uri="{386F3935-93C4-4BCD-93E2-E3B085C9AB24}">
+                <p16:designElem xmlns:p16="http://schemas.microsoft.com/office/powerpoint/2015/main" val="1"/>
+              </p:ext>
+            </p:extLst>
+          </p:nvPr>
+        </p:nvSpPr>
+        <p:spPr>
+          <a:xfrm rot="16200000">
+            <a:off x="-158495" y="2660473"/>
+            <a:ext cx="4355594" cy="4038603"/>
+          </a:xfrm>
+          <a:prstGeom prst="rect">
+            <a:avLst/>
+          </a:prstGeom>
+          <a:gradFill>
+            <a:gsLst>
+              <a:gs pos="0">
+                <a:schemeClr val="accent1">
+                  <a:alpha val="50000"/>
+                </a:schemeClr>
+              </a:gs>
+              <a:gs pos="100000">
+                <a:schemeClr val="accent1">
+                  <a:lumMod val="50000"/>
+                  <a:alpha val="0"/>
+                </a:schemeClr>
+              </a:gs>
+            </a:gsLst>
+            <a:lin ang="11400000" scaled="0"/>
+          </a:gradFill>
+          <a:ln>
+            <a:noFill/>
+          </a:ln>
+        </p:spPr>
+        <p:style>
+          <a:lnRef idx="2">
+            <a:schemeClr val="accent1">
+              <a:shade val="50000"/>
+            </a:schemeClr>
+          </a:lnRef>
+          <a:fillRef idx="1">
+            <a:schemeClr val="accent1"/>
+          </a:fillRef>
+          <a:effectRef idx="0">
+            <a:schemeClr val="accent1"/>
+          </a:effectRef>
+          <a:fontRef idx="minor">
+            <a:schemeClr val="lt1"/>
+          </a:fontRef>
+        </p:style>
+        <p:txBody>
+          <a:bodyPr rtlCol="0" anchor="ctr"/>
+          <a:lstStyle/>
+          <a:p>
+            <a:pPr algn="ctr"/>
+            <a:endParaRPr lang="en-US"/>
+          </a:p>
+        </p:txBody>
+      </p:sp>
+      <p:sp>
+        <p:nvSpPr>
+          <p:cNvPr id="28" name="Rectangle 27">
+            <a:extLst>
+              <a:ext uri="{FF2B5EF4-FFF2-40B4-BE49-F238E27FC236}">
+                <a16:creationId xmlns:a16="http://schemas.microsoft.com/office/drawing/2014/main" id="{85149191-5F60-4A28-AAFF-039F96B0F3EC}"/>
+              </a:ext>
+              <a:ext uri="{C183D7F6-B498-43B3-948B-1728B52AA6E4}">
+                <adec:decorative xmlns:adec="http://schemas.microsoft.com/office/drawing/2017/decorative" val="1"/>
+              </a:ext>
+            </a:extLst>
+          </p:cNvPr>
+          <p:cNvSpPr>
+            <a:spLocks noGrp="1" noRot="1" noChangeAspect="1" noMove="1" noResize="1" noEditPoints="1" noAdjustHandles="1" noChangeArrowheads="1" noChangeShapeType="1" noTextEdit="1"/>
+          </p:cNvSpPr>
+          <p:nvPr>
+            <p:extLst>
+              <p:ext uri="{386F3935-93C4-4BCD-93E2-E3B085C9AB24}">
+                <p16:designElem xmlns:p16="http://schemas.microsoft.com/office/powerpoint/2015/main" val="1"/>
+              </p:ext>
+            </p:extLst>
+          </p:nvPr>
+        </p:nvSpPr>
+        <p:spPr>
+          <a:xfrm rot="16200000" flipH="1">
+            <a:off x="-1180882" y="1638085"/>
+            <a:ext cx="6857572" cy="3581401"/>
+          </a:xfrm>
+          <a:prstGeom prst="rect">
+            <a:avLst/>
+          </a:prstGeom>
+          <a:gradFill>
+            <a:gsLst>
+              <a:gs pos="0">
+                <a:srgbClr val="000000">
+                  <a:alpha val="59000"/>
+                </a:srgbClr>
+              </a:gs>
+              <a:gs pos="69000">
+                <a:schemeClr val="accent1">
+                  <a:alpha val="0"/>
+                </a:schemeClr>
+              </a:gs>
+            </a:gsLst>
+            <a:lin ang="13200000" scaled="0"/>
+          </a:gradFill>
+          <a:ln>
+            <a:noFill/>
+          </a:ln>
+        </p:spPr>
+        <p:style>
+          <a:lnRef idx="2">
+            <a:schemeClr val="accent1">
+              <a:shade val="50000"/>
+            </a:schemeClr>
+          </a:lnRef>
+          <a:fillRef idx="1">
+            <a:schemeClr val="accent1"/>
+          </a:fillRef>
+          <a:effectRef idx="0">
+            <a:schemeClr val="accent1"/>
+          </a:effectRef>
+          <a:fontRef idx="minor">
+            <a:schemeClr val="lt1"/>
+          </a:fontRef>
+        </p:style>
+        <p:txBody>
+          <a:bodyPr rtlCol="0" anchor="ctr"/>
+          <a:lstStyle/>
+          <a:p>
+            <a:pPr algn="ctr"/>
+            <a:endParaRPr lang="en-US" dirty="0"/>
+          </a:p>
+        </p:txBody>
+      </p:sp>
+      <p:sp>
+        <p:nvSpPr>
+          <p:cNvPr id="30" name="Freeform: Shape 29">
+            <a:extLst>
+              <a:ext uri="{FF2B5EF4-FFF2-40B4-BE49-F238E27FC236}">
+                <a16:creationId xmlns:a16="http://schemas.microsoft.com/office/drawing/2014/main" id="{F8260ED5-17F7-4158-B241-D51DD4CF1B7E}"/>
+              </a:ext>
+              <a:ext uri="{C183D7F6-B498-43B3-948B-1728B52AA6E4}">
+                <adec:decorative xmlns:adec="http://schemas.microsoft.com/office/drawing/2017/decorative" val="1"/>
+              </a:ext>
+            </a:extLst>
+          </p:cNvPr>
+          <p:cNvSpPr>
+            <a:spLocks noGrp="1" noRot="1" noChangeAspect="1" noMove="1" noResize="1" noEditPoints="1" noAdjustHandles="1" noChangeArrowheads="1" noChangeShapeType="1" noTextEdit="1"/>
+          </p:cNvSpPr>
+          <p:nvPr>
+            <p:extLst>
+              <p:ext uri="{386F3935-93C4-4BCD-93E2-E3B085C9AB24}">
+                <p16:designElem xmlns:p16="http://schemas.microsoft.com/office/powerpoint/2015/main" val="1"/>
+              </p:ext>
+            </p:extLst>
+          </p:nvPr>
+        </p:nvSpPr>
+        <p:spPr>
+          <a:xfrm rot="6097846">
+            <a:off x="-747355" y="1201312"/>
+            <a:ext cx="4808302" cy="4088666"/>
+          </a:xfrm>
+          <a:custGeom>
+            <a:avLst/>
+            <a:gdLst>
+              <a:gd name="connsiteX0" fmla="*/ 48844 w 4808302"/>
+              <a:gd name="connsiteY0" fmla="*/ 2888671 h 4088666"/>
+              <a:gd name="connsiteX1" fmla="*/ 0 w 4808302"/>
+              <a:gd name="connsiteY1" fmla="*/ 2404151 h 4088666"/>
+              <a:gd name="connsiteX2" fmla="*/ 2404151 w 4808302"/>
+              <a:gd name="connsiteY2" fmla="*/ 0 h 4088666"/>
+              <a:gd name="connsiteX3" fmla="*/ 4808302 w 4808302"/>
+              <a:gd name="connsiteY3" fmla="*/ 2404151 h 4088666"/>
+              <a:gd name="connsiteX4" fmla="*/ 4700216 w 4808302"/>
+              <a:gd name="connsiteY4" fmla="*/ 3119072 h 4088666"/>
+              <a:gd name="connsiteX5" fmla="*/ 4643143 w 4808302"/>
+              <a:gd name="connsiteY5" fmla="*/ 3275009 h 4088666"/>
+              <a:gd name="connsiteX6" fmla="*/ 690093 w 4808302"/>
+              <a:gd name="connsiteY6" fmla="*/ 4088666 h 4088666"/>
+              <a:gd name="connsiteX7" fmla="*/ 548991 w 4808302"/>
+              <a:gd name="connsiteY7" fmla="*/ 3933414 h 4088666"/>
+              <a:gd name="connsiteX8" fmla="*/ 48844 w 4808302"/>
+              <a:gd name="connsiteY8" fmla="*/ 2888671 h 4088666"/>
+            </a:gdLst>
+            <a:ahLst/>
+            <a:cxnLst>
+              <a:cxn ang="0">
+                <a:pos x="connsiteX0" y="connsiteY0"/>
+              </a:cxn>
+              <a:cxn ang="0">
+                <a:pos x="connsiteX1" y="connsiteY1"/>
+              </a:cxn>
+              <a:cxn ang="0">
+                <a:pos x="connsiteX2" y="connsiteY2"/>
+              </a:cxn>
+              <a:cxn ang="0">
+                <a:pos x="connsiteX3" y="connsiteY3"/>
+              </a:cxn>
+              <a:cxn ang="0">
+                <a:pos x="connsiteX4" y="connsiteY4"/>
+              </a:cxn>
+              <a:cxn ang="0">
+                <a:pos x="connsiteX5" y="connsiteY5"/>
+              </a:cxn>
+              <a:cxn ang="0">
+                <a:pos x="connsiteX6" y="connsiteY6"/>
+              </a:cxn>
+              <a:cxn ang="0">
+                <a:pos x="connsiteX7" y="connsiteY7"/>
+              </a:cxn>
+              <a:cxn ang="0">
+                <a:pos x="connsiteX8" y="connsiteY8"/>
+              </a:cxn>
+            </a:cxnLst>
+            <a:rect l="l" t="t" r="r" b="b"/>
+            <a:pathLst>
+              <a:path w="4808302" h="4088666">
+                <a:moveTo>
+                  <a:pt x="48844" y="2888671"/>
+                </a:moveTo>
+                <a:cubicBezTo>
+                  <a:pt x="16818" y="2732167"/>
+                  <a:pt x="0" y="2570123"/>
+                  <a:pt x="0" y="2404151"/>
+                </a:cubicBezTo>
+                <a:cubicBezTo>
+                  <a:pt x="0" y="1076375"/>
+                  <a:pt x="1076375" y="0"/>
+                  <a:pt x="2404151" y="0"/>
+                </a:cubicBezTo>
+                <a:cubicBezTo>
+                  <a:pt x="3731927" y="0"/>
+                  <a:pt x="4808302" y="1076375"/>
+                  <a:pt x="4808302" y="2404151"/>
+                </a:cubicBezTo>
+                <a:cubicBezTo>
+                  <a:pt x="4808302" y="2653109"/>
+                  <a:pt x="4770461" y="2893229"/>
+                  <a:pt x="4700216" y="3119072"/>
+                </a:cubicBezTo>
+                <a:lnTo>
+                  <a:pt x="4643143" y="3275009"/>
+                </a:lnTo>
+                <a:lnTo>
+                  <a:pt x="690093" y="4088666"/>
+                </a:lnTo>
+                <a:lnTo>
+                  <a:pt x="548991" y="3933414"/>
+                </a:lnTo>
+                <a:cubicBezTo>
+                  <a:pt x="304015" y="3636572"/>
+                  <a:pt x="128908" y="3279932"/>
+                  <a:pt x="48844" y="2888671"/>
+                </a:cubicBezTo>
+                <a:close/>
+              </a:path>
+            </a:pathLst>
+          </a:custGeom>
+          <a:gradFill>
+            <a:gsLst>
+              <a:gs pos="39000">
+                <a:schemeClr val="accent1">
+                  <a:lumMod val="60000"/>
+                  <a:lumOff val="40000"/>
+                  <a:alpha val="0"/>
+                </a:schemeClr>
+              </a:gs>
+              <a:gs pos="100000">
+                <a:schemeClr val="accent1">
+                  <a:lumMod val="75000"/>
+                  <a:alpha val="26000"/>
+                </a:schemeClr>
+              </a:gs>
+            </a:gsLst>
+            <a:lin ang="18600000" scaled="0"/>
+          </a:gradFill>
+          <a:ln>
+            <a:noFill/>
+          </a:ln>
+        </p:spPr>
+        <p:style>
+          <a:lnRef idx="2">
+            <a:schemeClr val="accent1">
+              <a:shade val="50000"/>
+            </a:schemeClr>
+          </a:lnRef>
+          <a:fillRef idx="1">
+            <a:schemeClr val="accent1"/>
+          </a:fillRef>
+          <a:effectRef idx="0">
+            <a:schemeClr val="accent1"/>
+          </a:effectRef>
+          <a:fontRef idx="minor">
+            <a:schemeClr val="lt1"/>
+          </a:fontRef>
+        </p:style>
+        <p:txBody>
+          <a:bodyPr wrap="square" rtlCol="0" anchor="ctr">
+            <a:noAutofit/>
+          </a:bodyPr>
+          <a:lstStyle/>
+          <a:p>
+            <a:pPr algn="ctr"/>
+            <a:endParaRPr lang="en-US" dirty="0"/>
+          </a:p>
+        </p:txBody>
+      </p:sp>
+      <p:sp>
+        <p:nvSpPr>
+          <p:cNvPr id="2" name="Cím 1">
+            <a:extLst>
+              <a:ext uri="{FF2B5EF4-FFF2-40B4-BE49-F238E27FC236}">
+                <a16:creationId xmlns:a16="http://schemas.microsoft.com/office/drawing/2014/main" id="{B2A0928F-D58D-4CF1-9C6C-0CB712D7A6B9}"/>
+              </a:ext>
+            </a:extLst>
+          </p:cNvPr>
+          <p:cNvSpPr>
+            <a:spLocks noGrp="1"/>
+          </p:cNvSpPr>
+          <p:nvPr>
+            <p:ph type="ctrTitle"/>
+          </p:nvPr>
+        </p:nvSpPr>
+        <p:spPr>
+          <a:xfrm>
+            <a:off x="455066" y="2363582"/>
+            <a:ext cx="3280472" cy="2130406"/>
+          </a:xfrm>
+        </p:spPr>
+        <p:txBody>
+          <a:bodyPr anchor="t">
+            <a:normAutofit/>
+          </a:bodyPr>
+          <a:lstStyle/>
+          <a:p>
+            <a:pPr algn="l"/>
+            <a:r>
+              <a:rPr lang="hu-HU" sz="2000" dirty="0">
+                <a:solidFill>
+                  <a:srgbClr val="FFFFFF"/>
+                </a:solidFill>
+              </a:rPr>
+              <a:t>Az adattáblánkat PDF formátummá tudjuk alakítani, ha rányomunk a „Exportálás” gombra. Ekkor  „felugrok” egy ablak ahol megadhatjuk hogy milyen néven szeretnénk elmenteni.</a:t>
+            </a:r>
+          </a:p>
+        </p:txBody>
+      </p:sp>
+      <p:sp>
+        <p:nvSpPr>
+          <p:cNvPr id="3" name="Alcím 2">
+            <a:extLst>
+              <a:ext uri="{FF2B5EF4-FFF2-40B4-BE49-F238E27FC236}">
+                <a16:creationId xmlns:a16="http://schemas.microsoft.com/office/drawing/2014/main" id="{9C9AE997-4508-48BB-8A35-FB9009EFD7B5}"/>
+              </a:ext>
+            </a:extLst>
+          </p:cNvPr>
+          <p:cNvSpPr>
+            <a:spLocks noGrp="1"/>
+          </p:cNvSpPr>
+          <p:nvPr>
+            <p:ph type="subTitle" idx="1"/>
+          </p:nvPr>
+        </p:nvSpPr>
+        <p:spPr>
+          <a:xfrm>
+            <a:off x="660042" y="806825"/>
+            <a:ext cx="2919738" cy="408022"/>
+          </a:xfrm>
+        </p:spPr>
+        <p:txBody>
+          <a:bodyPr anchor="b">
+            <a:noAutofit/>
+          </a:bodyPr>
+          <a:lstStyle/>
+          <a:p>
+            <a:r>
+              <a:rPr lang="hu-HU" sz="3200" dirty="0">
+                <a:solidFill>
+                  <a:srgbClr val="FFFFFF"/>
+                </a:solidFill>
+              </a:rPr>
+              <a:t>„Exportálás” Gomb:</a:t>
+            </a:r>
+          </a:p>
+        </p:txBody>
+      </p:sp>
+      <p:pic>
+        <p:nvPicPr>
+          <p:cNvPr id="5" name="Kép 4">
+            <a:extLst>
+              <a:ext uri="{FF2B5EF4-FFF2-40B4-BE49-F238E27FC236}">
+                <a16:creationId xmlns:a16="http://schemas.microsoft.com/office/drawing/2014/main" id="{B5DF0BA1-7A65-4551-AAE8-96DED1672993}"/>
+              </a:ext>
+            </a:extLst>
+          </p:cNvPr>
+          <p:cNvPicPr>
+            <a:picLocks noChangeAspect="1"/>
+          </p:cNvPicPr>
+          <p:nvPr/>
+        </p:nvPicPr>
+        <p:blipFill>
+          <a:blip r:embed="rId2"/>
+          <a:stretch>
+            <a:fillRect/>
+          </a:stretch>
+        </p:blipFill>
+        <p:spPr>
+          <a:xfrm>
+            <a:off x="4493670" y="608991"/>
+            <a:ext cx="6963747" cy="5639587"/>
+          </a:xfrm>
+          <a:prstGeom prst="rect">
+            <a:avLst/>
+          </a:prstGeom>
+        </p:spPr>
+      </p:pic>
+    </p:spTree>
+    <p:extLst>
+      <p:ext uri="{BB962C8B-B14F-4D97-AF65-F5344CB8AC3E}">
+        <p14:creationId xmlns:p14="http://schemas.microsoft.com/office/powerpoint/2010/main" val="4183353328"/>
+      </p:ext>
+    </p:extLst>
+  </p:cSld>
+  <p:clrMapOvr>
+    <a:masterClrMapping/>
+  </p:clrMapOvr>
+  <p:timing>
+    <p:tnLst>
+      <p:par>
+        <p:cTn id="1" dur="indefinite" restart="never" nodeType="tmRoot">
+          <p:childTnLst>
+            <p:seq concurrent="1" nextAc="seek">
+              <p:cTn id="2" dur="indefinite" nodeType="mainSeq">
+                <p:childTnLst>
+                  <p:par>
+                    <p:cTn id="3" fill="hold">
+                      <p:stCondLst>
+                        <p:cond delay="indefinite"/>
+                        <p:cond evt="onBegin" delay="0">
+                          <p:tn val="2"/>
+                        </p:cond>
+                      </p:stCondLst>
+                      <p:childTnLst>
+                        <p:par>
+                          <p:cTn id="4" fill="hold">
+                            <p:stCondLst>
+                              <p:cond delay="0"/>
+                            </p:stCondLst>
+                            <p:childTnLst>
+                              <p:par>
+                                <p:cTn id="5" presetID="10" presetClass="entr" presetSubtype="0" fill="hold" grpId="0" nodeType="withEffect">
+                                  <p:stCondLst>
+                                    <p:cond delay="1500"/>
+                                  </p:stCondLst>
+                                  <p:iterate>
+                                    <p:tmPct val="10000"/>
+                                  </p:iterate>
+                                  <p:childTnLst>
+                                    <p:set>
+                                      <p:cBhvr>
+                                        <p:cTn id="6" dur="1" fill="hold">
+                                          <p:stCondLst>
+                                            <p:cond delay="0"/>
+                                          </p:stCondLst>
+                                        </p:cTn>
+                                        <p:tgtEl>
+                                          <p:spTgt spid="3">
+                                            <p:txEl>
+                                              <p:pRg st="0" end="0"/>
+                                            </p:txEl>
+                                          </p:spTgt>
+                                        </p:tgtEl>
+                                        <p:attrNameLst>
+                                          <p:attrName>style.visibility</p:attrName>
+                                        </p:attrNameLst>
+                                      </p:cBhvr>
+                                      <p:to>
+                                        <p:strVal val="visible"/>
+                                      </p:to>
+                                    </p:set>
+                                    <p:animEffect transition="in" filter="fade">
+                                      <p:cBhvr>
+                                        <p:cTn id="7" dur="700"/>
+                                        <p:tgtEl>
+                                          <p:spTgt spid="3">
+                                            <p:txEl>
+                                              <p:pRg st="0" end="0"/>
+                                            </p:txEl>
+                                          </p:spTgt>
+                                        </p:tgtEl>
+                                      </p:cBhvr>
+                                    </p:animEffect>
+                                  </p:childTnLst>
+                                </p:cTn>
+                              </p:par>
+                            </p:childTnLst>
+                          </p:cTn>
+                        </p:par>
+                      </p:childTnLst>
+                    </p:cTn>
+                  </p:par>
+                </p:childTnLst>
+              </p:cTn>
+              <p:prevCondLst>
+                <p:cond evt="onPrev" delay="0">
+                  <p:tgtEl>
+                    <p:sldTgt/>
+                  </p:tgtEl>
+                </p:cond>
+              </p:prevCondLst>
+              <p:nextCondLst>
+                <p:cond evt="onNext" delay="0">
+                  <p:tgtEl>
+                    <p:sldTgt/>
+                  </p:tgtEl>
+                </p:cond>
+              </p:nextCondLst>
+            </p:seq>
+          </p:childTnLst>
+        </p:cTn>
+      </p:par>
+    </p:tnLst>
+    <p:bldLst>
+      <p:bldP spid="3" grpId="0" build="p"/>
+    </p:bldLst>
+  </p:timing>
+</p:sld>
+</file>
+
+<file path=ppt/slides/slide8.xml><?xml version="1.0" encoding="utf-8"?>
 <p:sld xmlns:a="http://schemas.openxmlformats.org/drawingml/2006/main" xmlns:r="http://schemas.openxmlformats.org/officeDocument/2006/relationships" xmlns:p="http://schemas.openxmlformats.org/presentationml/2006/main">
   <p:cSld>
     <p:bg>
@@ -9894,7 +11541,7 @@
 </p:sld>
 </file>
 
-<file path=ppt/slides/slide8.xml><?xml version="1.0" encoding="utf-8"?>
+<file path=ppt/slides/slide9.xml><?xml version="1.0" encoding="utf-8"?>
 <p:sld xmlns:a="http://schemas.openxmlformats.org/drawingml/2006/main" xmlns:r="http://schemas.openxmlformats.org/officeDocument/2006/relationships" xmlns:p="http://schemas.openxmlformats.org/presentationml/2006/main">
   <p:cSld>
     <p:bg>
@@ -10557,776 +12204,6 @@
     <p:extLst>
       <p:ext uri="{BB962C8B-B14F-4D97-AF65-F5344CB8AC3E}">
         <p14:creationId xmlns:p14="http://schemas.microsoft.com/office/powerpoint/2010/main" val="1968849174"/>
-      </p:ext>
-    </p:extLst>
-  </p:cSld>
-  <p:clrMapOvr>
-    <a:masterClrMapping/>
-  </p:clrMapOvr>
-</p:sld>
-</file>
-
-<file path=ppt/slides/slide9.xml><?xml version="1.0" encoding="utf-8"?>
-<p:sld xmlns:a="http://schemas.openxmlformats.org/drawingml/2006/main" xmlns:r="http://schemas.openxmlformats.org/officeDocument/2006/relationships" xmlns:p="http://schemas.openxmlformats.org/presentationml/2006/main">
-  <p:cSld>
-    <p:bg>
-      <p:bgPr>
-        <a:solidFill>
-          <a:schemeClr val="bg1"/>
-        </a:solidFill>
-        <a:effectLst/>
-      </p:bgPr>
-    </p:bg>
-    <p:spTree>
-      <p:nvGrpSpPr>
-        <p:cNvPr id="1" name=""/>
-        <p:cNvGrpSpPr/>
-        <p:nvPr/>
-      </p:nvGrpSpPr>
-      <p:grpSpPr>
-        <a:xfrm>
-          <a:off x="0" y="0"/>
-          <a:ext cx="0" cy="0"/>
-          <a:chOff x="0" y="0"/>
-          <a:chExt cx="0" cy="0"/>
-        </a:xfrm>
-      </p:grpSpPr>
-      <p:sp useBgFill="1">
-        <p:nvSpPr>
-          <p:cNvPr id="10" name="Rectangle 9">
-            <a:extLst>
-              <a:ext uri="{FF2B5EF4-FFF2-40B4-BE49-F238E27FC236}">
-                <a16:creationId xmlns:a16="http://schemas.microsoft.com/office/drawing/2014/main" id="{A8384FB5-9ADC-4DDC-881B-597D56F5B15D}"/>
-              </a:ext>
-              <a:ext uri="{C183D7F6-B498-43B3-948B-1728B52AA6E4}">
-                <adec:decorative xmlns:adec="http://schemas.microsoft.com/office/drawing/2017/decorative" val="1"/>
-              </a:ext>
-            </a:extLst>
-          </p:cNvPr>
-          <p:cNvSpPr>
-            <a:spLocks noGrp="1" noRot="1" noChangeAspect="1" noMove="1" noResize="1" noEditPoints="1" noAdjustHandles="1" noChangeArrowheads="1" noChangeShapeType="1" noTextEdit="1"/>
-          </p:cNvSpPr>
-          <p:nvPr>
-            <p:extLst>
-              <p:ext uri="{386F3935-93C4-4BCD-93E2-E3B085C9AB24}">
-                <p16:designElem xmlns:p16="http://schemas.microsoft.com/office/powerpoint/2015/main" val="1"/>
-              </p:ext>
-            </p:extLst>
-          </p:nvPr>
-        </p:nvSpPr>
-        <p:spPr>
-          <a:xfrm>
-            <a:off x="0" y="0"/>
-            <a:ext cx="12192000" cy="6858000"/>
-          </a:xfrm>
-          <a:prstGeom prst="rect">
-            <a:avLst/>
-          </a:prstGeom>
-          <a:ln w="12700" cap="flat" cmpd="sng" algn="ctr">
-            <a:noFill/>
-            <a:prstDash val="solid"/>
-            <a:miter lim="800000"/>
-          </a:ln>
-          <a:effectLst/>
-          <a:extLst>
-            <a:ext uri="{91240B29-F687-4F45-9708-019B960494DF}">
-              <a14:hiddenLine xmlns:a14="http://schemas.microsoft.com/office/drawing/2010/main" w="12700" cap="flat" cmpd="sng" algn="ctr">
-                <a:solidFill>
-                  <a:schemeClr val="accent1">
-                    <a:shade val="50000"/>
-                  </a:schemeClr>
-                </a:solidFill>
-                <a:prstDash val="solid"/>
-                <a:miter lim="800000"/>
-              </a14:hiddenLine>
-            </a:ext>
-          </a:extLst>
-        </p:spPr>
-        <p:style>
-          <a:lnRef idx="2">
-            <a:schemeClr val="accent1">
-              <a:shade val="50000"/>
-            </a:schemeClr>
-          </a:lnRef>
-          <a:fillRef idx="1">
-            <a:schemeClr val="accent1"/>
-          </a:fillRef>
-          <a:effectRef idx="0">
-            <a:schemeClr val="accent1"/>
-          </a:effectRef>
-          <a:fontRef idx="minor">
-            <a:schemeClr val="lt1"/>
-          </a:fontRef>
-        </p:style>
-        <p:txBody>
-          <a:bodyPr rtlCol="0" anchor="ctr"/>
-          <a:lstStyle/>
-          <a:p>
-            <a:pPr algn="ctr"/>
-            <a:endParaRPr lang="en-US"/>
-          </a:p>
-        </p:txBody>
-      </p:sp>
-      <p:sp>
-        <p:nvSpPr>
-          <p:cNvPr id="12" name="Rectangle 11">
-            <a:extLst>
-              <a:ext uri="{FF2B5EF4-FFF2-40B4-BE49-F238E27FC236}">
-                <a16:creationId xmlns:a16="http://schemas.microsoft.com/office/drawing/2014/main" id="{91E5A9A7-95C6-4F4F-B00E-C82E07FE62EF}"/>
-              </a:ext>
-              <a:ext uri="{C183D7F6-B498-43B3-948B-1728B52AA6E4}">
-                <adec:decorative xmlns:adec="http://schemas.microsoft.com/office/drawing/2017/decorative" val="1"/>
-              </a:ext>
-            </a:extLst>
-          </p:cNvPr>
-          <p:cNvSpPr>
-            <a:spLocks noGrp="1" noRot="1" noChangeAspect="1" noMove="1" noResize="1" noEditPoints="1" noAdjustHandles="1" noChangeArrowheads="1" noChangeShapeType="1" noTextEdit="1"/>
-          </p:cNvSpPr>
-          <p:nvPr>
-            <p:extLst>
-              <p:ext uri="{386F3935-93C4-4BCD-93E2-E3B085C9AB24}">
-                <p16:designElem xmlns:p16="http://schemas.microsoft.com/office/powerpoint/2015/main" val="1"/>
-              </p:ext>
-            </p:extLst>
-          </p:nvPr>
-        </p:nvSpPr>
-        <p:spPr>
-          <a:xfrm rot="5400000" flipH="1">
-            <a:off x="-1417539" y="1417538"/>
-            <a:ext cx="6875818" cy="4040744"/>
-          </a:xfrm>
-          <a:prstGeom prst="rect">
-            <a:avLst/>
-          </a:prstGeom>
-          <a:gradFill>
-            <a:gsLst>
-              <a:gs pos="0">
-                <a:srgbClr val="000000"/>
-              </a:gs>
-              <a:gs pos="100000">
-                <a:schemeClr val="accent1">
-                  <a:lumMod val="75000"/>
-                </a:schemeClr>
-              </a:gs>
-            </a:gsLst>
-            <a:lin ang="18600000" scaled="0"/>
-          </a:gradFill>
-          <a:ln>
-            <a:noFill/>
-          </a:ln>
-        </p:spPr>
-        <p:style>
-          <a:lnRef idx="2">
-            <a:schemeClr val="accent1">
-              <a:shade val="50000"/>
-            </a:schemeClr>
-          </a:lnRef>
-          <a:fillRef idx="1">
-            <a:schemeClr val="accent1"/>
-          </a:fillRef>
-          <a:effectRef idx="0">
-            <a:schemeClr val="accent1"/>
-          </a:effectRef>
-          <a:fontRef idx="minor">
-            <a:schemeClr val="lt1"/>
-          </a:fontRef>
-        </p:style>
-        <p:txBody>
-          <a:bodyPr rtlCol="0" anchor="ctr"/>
-          <a:lstStyle/>
-          <a:p>
-            <a:pPr algn="ctr"/>
-            <a:endParaRPr lang="en-US" dirty="0"/>
-          </a:p>
-        </p:txBody>
-      </p:sp>
-      <p:sp>
-        <p:nvSpPr>
-          <p:cNvPr id="14" name="Rectangle 13">
-            <a:extLst>
-              <a:ext uri="{FF2B5EF4-FFF2-40B4-BE49-F238E27FC236}">
-                <a16:creationId xmlns:a16="http://schemas.microsoft.com/office/drawing/2014/main" id="{D07DD2DE-F619-49DD-B5E7-03A290FF4ED1}"/>
-              </a:ext>
-              <a:ext uri="{C183D7F6-B498-43B3-948B-1728B52AA6E4}">
-                <adec:decorative xmlns:adec="http://schemas.microsoft.com/office/drawing/2017/decorative" val="1"/>
-              </a:ext>
-            </a:extLst>
-          </p:cNvPr>
-          <p:cNvSpPr>
-            <a:spLocks noGrp="1" noRot="1" noChangeAspect="1" noMove="1" noResize="1" noEditPoints="1" noAdjustHandles="1" noChangeArrowheads="1" noChangeShapeType="1" noTextEdit="1"/>
-          </p:cNvSpPr>
-          <p:nvPr>
-            <p:extLst>
-              <p:ext uri="{386F3935-93C4-4BCD-93E2-E3B085C9AB24}">
-                <p16:designElem xmlns:p16="http://schemas.microsoft.com/office/powerpoint/2015/main" val="1"/>
-              </p:ext>
-            </p:extLst>
-          </p:nvPr>
-        </p:nvSpPr>
-        <p:spPr>
-          <a:xfrm rot="16200000">
-            <a:off x="-158495" y="2660473"/>
-            <a:ext cx="4355594" cy="4038603"/>
-          </a:xfrm>
-          <a:prstGeom prst="rect">
-            <a:avLst/>
-          </a:prstGeom>
-          <a:gradFill>
-            <a:gsLst>
-              <a:gs pos="0">
-                <a:schemeClr val="accent1">
-                  <a:alpha val="50000"/>
-                </a:schemeClr>
-              </a:gs>
-              <a:gs pos="100000">
-                <a:schemeClr val="accent1">
-                  <a:lumMod val="50000"/>
-                  <a:alpha val="0"/>
-                </a:schemeClr>
-              </a:gs>
-            </a:gsLst>
-            <a:lin ang="11400000" scaled="0"/>
-          </a:gradFill>
-          <a:ln>
-            <a:noFill/>
-          </a:ln>
-        </p:spPr>
-        <p:style>
-          <a:lnRef idx="2">
-            <a:schemeClr val="accent1">
-              <a:shade val="50000"/>
-            </a:schemeClr>
-          </a:lnRef>
-          <a:fillRef idx="1">
-            <a:schemeClr val="accent1"/>
-          </a:fillRef>
-          <a:effectRef idx="0">
-            <a:schemeClr val="accent1"/>
-          </a:effectRef>
-          <a:fontRef idx="minor">
-            <a:schemeClr val="lt1"/>
-          </a:fontRef>
-        </p:style>
-        <p:txBody>
-          <a:bodyPr rtlCol="0" anchor="ctr"/>
-          <a:lstStyle/>
-          <a:p>
-            <a:pPr algn="ctr"/>
-            <a:endParaRPr lang="en-US"/>
-          </a:p>
-        </p:txBody>
-      </p:sp>
-      <p:sp>
-        <p:nvSpPr>
-          <p:cNvPr id="16" name="Rectangle 15">
-            <a:extLst>
-              <a:ext uri="{FF2B5EF4-FFF2-40B4-BE49-F238E27FC236}">
-                <a16:creationId xmlns:a16="http://schemas.microsoft.com/office/drawing/2014/main" id="{85149191-5F60-4A28-AAFF-039F96B0F3EC}"/>
-              </a:ext>
-              <a:ext uri="{C183D7F6-B498-43B3-948B-1728B52AA6E4}">
-                <adec:decorative xmlns:adec="http://schemas.microsoft.com/office/drawing/2017/decorative" val="1"/>
-              </a:ext>
-            </a:extLst>
-          </p:cNvPr>
-          <p:cNvSpPr>
-            <a:spLocks noGrp="1" noRot="1" noChangeAspect="1" noMove="1" noResize="1" noEditPoints="1" noAdjustHandles="1" noChangeArrowheads="1" noChangeShapeType="1" noTextEdit="1"/>
-          </p:cNvSpPr>
-          <p:nvPr>
-            <p:extLst>
-              <p:ext uri="{386F3935-93C4-4BCD-93E2-E3B085C9AB24}">
-                <p16:designElem xmlns:p16="http://schemas.microsoft.com/office/powerpoint/2015/main" val="1"/>
-              </p:ext>
-            </p:extLst>
-          </p:nvPr>
-        </p:nvSpPr>
-        <p:spPr>
-          <a:xfrm rot="16200000" flipH="1">
-            <a:off x="-1180882" y="1638085"/>
-            <a:ext cx="6857572" cy="3581401"/>
-          </a:xfrm>
-          <a:prstGeom prst="rect">
-            <a:avLst/>
-          </a:prstGeom>
-          <a:gradFill>
-            <a:gsLst>
-              <a:gs pos="0">
-                <a:srgbClr val="000000">
-                  <a:alpha val="59000"/>
-                </a:srgbClr>
-              </a:gs>
-              <a:gs pos="69000">
-                <a:schemeClr val="accent1">
-                  <a:alpha val="0"/>
-                </a:schemeClr>
-              </a:gs>
-            </a:gsLst>
-            <a:lin ang="13200000" scaled="0"/>
-          </a:gradFill>
-          <a:ln>
-            <a:noFill/>
-          </a:ln>
-        </p:spPr>
-        <p:style>
-          <a:lnRef idx="2">
-            <a:schemeClr val="accent1">
-              <a:shade val="50000"/>
-            </a:schemeClr>
-          </a:lnRef>
-          <a:fillRef idx="1">
-            <a:schemeClr val="accent1"/>
-          </a:fillRef>
-          <a:effectRef idx="0">
-            <a:schemeClr val="accent1"/>
-          </a:effectRef>
-          <a:fontRef idx="minor">
-            <a:schemeClr val="lt1"/>
-          </a:fontRef>
-        </p:style>
-        <p:txBody>
-          <a:bodyPr rtlCol="0" anchor="ctr"/>
-          <a:lstStyle/>
-          <a:p>
-            <a:pPr algn="ctr"/>
-            <a:endParaRPr lang="en-US" dirty="0"/>
-          </a:p>
-        </p:txBody>
-      </p:sp>
-      <p:sp>
-        <p:nvSpPr>
-          <p:cNvPr id="18" name="Freeform: Shape 17">
-            <a:extLst>
-              <a:ext uri="{FF2B5EF4-FFF2-40B4-BE49-F238E27FC236}">
-                <a16:creationId xmlns:a16="http://schemas.microsoft.com/office/drawing/2014/main" id="{F8260ED5-17F7-4158-B241-D51DD4CF1B7E}"/>
-              </a:ext>
-              <a:ext uri="{C183D7F6-B498-43B3-948B-1728B52AA6E4}">
-                <adec:decorative xmlns:adec="http://schemas.microsoft.com/office/drawing/2017/decorative" val="1"/>
-              </a:ext>
-            </a:extLst>
-          </p:cNvPr>
-          <p:cNvSpPr>
-            <a:spLocks noGrp="1" noRot="1" noChangeAspect="1" noMove="1" noResize="1" noEditPoints="1" noAdjustHandles="1" noChangeArrowheads="1" noChangeShapeType="1" noTextEdit="1"/>
-          </p:cNvSpPr>
-          <p:nvPr>
-            <p:extLst>
-              <p:ext uri="{386F3935-93C4-4BCD-93E2-E3B085C9AB24}">
-                <p16:designElem xmlns:p16="http://schemas.microsoft.com/office/powerpoint/2015/main" val="1"/>
-              </p:ext>
-            </p:extLst>
-          </p:nvPr>
-        </p:nvSpPr>
-        <p:spPr>
-          <a:xfrm rot="6097846">
-            <a:off x="-747355" y="1201312"/>
-            <a:ext cx="4808302" cy="4088666"/>
-          </a:xfrm>
-          <a:custGeom>
-            <a:avLst/>
-            <a:gdLst>
-              <a:gd name="connsiteX0" fmla="*/ 48844 w 4808302"/>
-              <a:gd name="connsiteY0" fmla="*/ 2888671 h 4088666"/>
-              <a:gd name="connsiteX1" fmla="*/ 0 w 4808302"/>
-              <a:gd name="connsiteY1" fmla="*/ 2404151 h 4088666"/>
-              <a:gd name="connsiteX2" fmla="*/ 2404151 w 4808302"/>
-              <a:gd name="connsiteY2" fmla="*/ 0 h 4088666"/>
-              <a:gd name="connsiteX3" fmla="*/ 4808302 w 4808302"/>
-              <a:gd name="connsiteY3" fmla="*/ 2404151 h 4088666"/>
-              <a:gd name="connsiteX4" fmla="*/ 4700216 w 4808302"/>
-              <a:gd name="connsiteY4" fmla="*/ 3119072 h 4088666"/>
-              <a:gd name="connsiteX5" fmla="*/ 4643143 w 4808302"/>
-              <a:gd name="connsiteY5" fmla="*/ 3275009 h 4088666"/>
-              <a:gd name="connsiteX6" fmla="*/ 690093 w 4808302"/>
-              <a:gd name="connsiteY6" fmla="*/ 4088666 h 4088666"/>
-              <a:gd name="connsiteX7" fmla="*/ 548991 w 4808302"/>
-              <a:gd name="connsiteY7" fmla="*/ 3933414 h 4088666"/>
-              <a:gd name="connsiteX8" fmla="*/ 48844 w 4808302"/>
-              <a:gd name="connsiteY8" fmla="*/ 2888671 h 4088666"/>
-            </a:gdLst>
-            <a:ahLst/>
-            <a:cxnLst>
-              <a:cxn ang="0">
-                <a:pos x="connsiteX0" y="connsiteY0"/>
-              </a:cxn>
-              <a:cxn ang="0">
-                <a:pos x="connsiteX1" y="connsiteY1"/>
-              </a:cxn>
-              <a:cxn ang="0">
-                <a:pos x="connsiteX2" y="connsiteY2"/>
-              </a:cxn>
-              <a:cxn ang="0">
-                <a:pos x="connsiteX3" y="connsiteY3"/>
-              </a:cxn>
-              <a:cxn ang="0">
-                <a:pos x="connsiteX4" y="connsiteY4"/>
-              </a:cxn>
-              <a:cxn ang="0">
-                <a:pos x="connsiteX5" y="connsiteY5"/>
-              </a:cxn>
-              <a:cxn ang="0">
-                <a:pos x="connsiteX6" y="connsiteY6"/>
-              </a:cxn>
-              <a:cxn ang="0">
-                <a:pos x="connsiteX7" y="connsiteY7"/>
-              </a:cxn>
-              <a:cxn ang="0">
-                <a:pos x="connsiteX8" y="connsiteY8"/>
-              </a:cxn>
-            </a:cxnLst>
-            <a:rect l="l" t="t" r="r" b="b"/>
-            <a:pathLst>
-              <a:path w="4808302" h="4088666">
-                <a:moveTo>
-                  <a:pt x="48844" y="2888671"/>
-                </a:moveTo>
-                <a:cubicBezTo>
-                  <a:pt x="16818" y="2732167"/>
-                  <a:pt x="0" y="2570123"/>
-                  <a:pt x="0" y="2404151"/>
-                </a:cubicBezTo>
-                <a:cubicBezTo>
-                  <a:pt x="0" y="1076375"/>
-                  <a:pt x="1076375" y="0"/>
-                  <a:pt x="2404151" y="0"/>
-                </a:cubicBezTo>
-                <a:cubicBezTo>
-                  <a:pt x="3731927" y="0"/>
-                  <a:pt x="4808302" y="1076375"/>
-                  <a:pt x="4808302" y="2404151"/>
-                </a:cubicBezTo>
-                <a:cubicBezTo>
-                  <a:pt x="4808302" y="2653109"/>
-                  <a:pt x="4770461" y="2893229"/>
-                  <a:pt x="4700216" y="3119072"/>
-                </a:cubicBezTo>
-                <a:lnTo>
-                  <a:pt x="4643143" y="3275009"/>
-                </a:lnTo>
-                <a:lnTo>
-                  <a:pt x="690093" y="4088666"/>
-                </a:lnTo>
-                <a:lnTo>
-                  <a:pt x="548991" y="3933414"/>
-                </a:lnTo>
-                <a:cubicBezTo>
-                  <a:pt x="304015" y="3636572"/>
-                  <a:pt x="128908" y="3279932"/>
-                  <a:pt x="48844" y="2888671"/>
-                </a:cubicBezTo>
-                <a:close/>
-              </a:path>
-            </a:pathLst>
-          </a:custGeom>
-          <a:gradFill>
-            <a:gsLst>
-              <a:gs pos="39000">
-                <a:schemeClr val="accent1">
-                  <a:lumMod val="60000"/>
-                  <a:lumOff val="40000"/>
-                  <a:alpha val="0"/>
-                </a:schemeClr>
-              </a:gs>
-              <a:gs pos="100000">
-                <a:schemeClr val="accent1">
-                  <a:lumMod val="75000"/>
-                  <a:alpha val="26000"/>
-                </a:schemeClr>
-              </a:gs>
-            </a:gsLst>
-            <a:lin ang="18600000" scaled="0"/>
-          </a:gradFill>
-          <a:ln>
-            <a:noFill/>
-          </a:ln>
-        </p:spPr>
-        <p:style>
-          <a:lnRef idx="2">
-            <a:schemeClr val="accent1">
-              <a:shade val="50000"/>
-            </a:schemeClr>
-          </a:lnRef>
-          <a:fillRef idx="1">
-            <a:schemeClr val="accent1"/>
-          </a:fillRef>
-          <a:effectRef idx="0">
-            <a:schemeClr val="accent1"/>
-          </a:effectRef>
-          <a:fontRef idx="minor">
-            <a:schemeClr val="lt1"/>
-          </a:fontRef>
-        </p:style>
-        <p:txBody>
-          <a:bodyPr wrap="square" rtlCol="0" anchor="ctr">
-            <a:noAutofit/>
-          </a:bodyPr>
-          <a:lstStyle/>
-          <a:p>
-            <a:pPr algn="ctr"/>
-            <a:endParaRPr lang="en-US" dirty="0"/>
-          </a:p>
-        </p:txBody>
-      </p:sp>
-      <p:sp>
-        <p:nvSpPr>
-          <p:cNvPr id="2" name="Cím 1">
-            <a:extLst>
-              <a:ext uri="{FF2B5EF4-FFF2-40B4-BE49-F238E27FC236}">
-                <a16:creationId xmlns:a16="http://schemas.microsoft.com/office/drawing/2014/main" id="{83324CB0-604C-413A-A33E-E81A89945FCE}"/>
-              </a:ext>
-            </a:extLst>
-          </p:cNvPr>
-          <p:cNvSpPr>
-            <a:spLocks noGrp="1"/>
-          </p:cNvSpPr>
-          <p:nvPr>
-            <p:ph type="title"/>
-          </p:nvPr>
-        </p:nvSpPr>
-        <p:spPr>
-          <a:xfrm>
-            <a:off x="673104" y="1923325"/>
-            <a:ext cx="2880828" cy="3071906"/>
-          </a:xfrm>
-        </p:spPr>
-        <p:txBody>
-          <a:bodyPr vert="horz" lIns="91440" tIns="45720" rIns="91440" bIns="45720" rtlCol="0" anchor="t">
-            <a:normAutofit/>
-          </a:bodyPr>
-          <a:lstStyle/>
-          <a:p>
-            <a:r>
-              <a:rPr lang="hu-HU" sz="2000" kern="1200" dirty="0">
-                <a:solidFill>
-                  <a:srgbClr val="FFFFFF"/>
-                </a:solidFill>
-                <a:latin typeface="+mj-lt"/>
-                <a:ea typeface="+mj-ea"/>
-                <a:cs typeface="+mj-cs"/>
-              </a:rPr>
-              <a:t>Még egy-egy almenühöz különböző gombok létrehozása.</a:t>
-            </a:r>
-            <a:br>
-              <a:rPr lang="hu-HU" sz="2000" kern="1200" dirty="0">
-                <a:solidFill>
-                  <a:srgbClr val="FFFFFF"/>
-                </a:solidFill>
-                <a:latin typeface="+mj-lt"/>
-                <a:ea typeface="+mj-ea"/>
-                <a:cs typeface="+mj-cs"/>
-              </a:rPr>
-            </a:br>
-            <a:r>
-              <a:rPr lang="hu-HU" sz="2000" kern="1200" dirty="0">
-                <a:solidFill>
-                  <a:srgbClr val="FFFFFF"/>
-                </a:solidFill>
-                <a:latin typeface="+mj-lt"/>
-                <a:ea typeface="+mj-ea"/>
-                <a:cs typeface="+mj-cs"/>
-              </a:rPr>
-              <a:t>Pl.: „Törlés” gomb , amivel az adattáblánkból kitörölhetünk sorokat.  </a:t>
-            </a:r>
-            <a:endParaRPr lang="en-US" sz="2000" kern="1200" dirty="0">
-              <a:solidFill>
-                <a:srgbClr val="FFFFFF"/>
-              </a:solidFill>
-              <a:latin typeface="+mj-lt"/>
-              <a:ea typeface="+mj-ea"/>
-              <a:cs typeface="+mj-cs"/>
-            </a:endParaRPr>
-          </a:p>
-        </p:txBody>
-      </p:sp>
-      <p:pic>
-        <p:nvPicPr>
-          <p:cNvPr id="5" name="Tartalom helye 4">
-            <a:extLst>
-              <a:ext uri="{FF2B5EF4-FFF2-40B4-BE49-F238E27FC236}">
-                <a16:creationId xmlns:a16="http://schemas.microsoft.com/office/drawing/2014/main" id="{B1342991-5790-4FD0-AD15-BD379B7389AC}"/>
-              </a:ext>
-            </a:extLst>
-          </p:cNvPr>
-          <p:cNvPicPr>
-            <a:picLocks noGrp="1" noChangeAspect="1"/>
-          </p:cNvPicPr>
-          <p:nvPr>
-            <p:ph idx="1"/>
-          </p:nvPr>
-        </p:nvPicPr>
-        <p:blipFill>
-          <a:blip r:embed="rId2"/>
-          <a:stretch>
-            <a:fillRect/>
-          </a:stretch>
-        </p:blipFill>
-        <p:spPr>
-          <a:xfrm>
-            <a:off x="4520654" y="541883"/>
-            <a:ext cx="7225748" cy="5834790"/>
-          </a:xfrm>
-          <a:prstGeom prst="rect">
-            <a:avLst/>
-          </a:prstGeom>
-        </p:spPr>
-      </p:pic>
-      <p:sp>
-        <p:nvSpPr>
-          <p:cNvPr id="15" name="Téglalap: lekerekített 14">
-            <a:extLst>
-              <a:ext uri="{FF2B5EF4-FFF2-40B4-BE49-F238E27FC236}">
-                <a16:creationId xmlns:a16="http://schemas.microsoft.com/office/drawing/2014/main" id="{0E941265-82E7-4590-8B6E-383690EE8C85}"/>
-              </a:ext>
-            </a:extLst>
-          </p:cNvPr>
-          <p:cNvSpPr/>
-          <p:nvPr/>
-        </p:nvSpPr>
-        <p:spPr>
-          <a:xfrm>
-            <a:off x="7419401" y="6057013"/>
-            <a:ext cx="801092" cy="298292"/>
-          </a:xfrm>
-          <a:prstGeom prst="roundRect">
-            <a:avLst/>
-          </a:prstGeom>
-          <a:noFill/>
-          <a:ln w="38100">
-            <a:solidFill>
-              <a:srgbClr val="FF0000"/>
-            </a:solidFill>
-          </a:ln>
-        </p:spPr>
-        <p:style>
-          <a:lnRef idx="2">
-            <a:schemeClr val="accent1">
-              <a:shade val="50000"/>
-            </a:schemeClr>
-          </a:lnRef>
-          <a:fillRef idx="1">
-            <a:schemeClr val="accent1"/>
-          </a:fillRef>
-          <a:effectRef idx="0">
-            <a:schemeClr val="accent1"/>
-          </a:effectRef>
-          <a:fontRef idx="minor">
-            <a:schemeClr val="lt1"/>
-          </a:fontRef>
-        </p:style>
-        <p:txBody>
-          <a:bodyPr rtlCol="0" anchor="ctr"/>
-          <a:lstStyle/>
-          <a:p>
-            <a:pPr algn="ctr"/>
-            <a:endParaRPr lang="hu-HU"/>
-          </a:p>
-        </p:txBody>
-      </p:sp>
-      <p:sp>
-        <p:nvSpPr>
-          <p:cNvPr id="17" name="Téglalap: lekerekített 16">
-            <a:extLst>
-              <a:ext uri="{FF2B5EF4-FFF2-40B4-BE49-F238E27FC236}">
-                <a16:creationId xmlns:a16="http://schemas.microsoft.com/office/drawing/2014/main" id="{C2F2B5A4-F4F4-4A69-A38E-13ABCDDD0FEB}"/>
-              </a:ext>
-            </a:extLst>
-          </p:cNvPr>
-          <p:cNvSpPr/>
-          <p:nvPr/>
-        </p:nvSpPr>
-        <p:spPr>
-          <a:xfrm>
-            <a:off x="8523832" y="6057013"/>
-            <a:ext cx="801092" cy="298292"/>
-          </a:xfrm>
-          <a:prstGeom prst="roundRect">
-            <a:avLst/>
-          </a:prstGeom>
-          <a:noFill/>
-          <a:ln w="38100">
-            <a:solidFill>
-              <a:srgbClr val="FF0000"/>
-            </a:solidFill>
-          </a:ln>
-        </p:spPr>
-        <p:style>
-          <a:lnRef idx="2">
-            <a:schemeClr val="accent1">
-              <a:shade val="50000"/>
-            </a:schemeClr>
-          </a:lnRef>
-          <a:fillRef idx="1">
-            <a:schemeClr val="accent1"/>
-          </a:fillRef>
-          <a:effectRef idx="0">
-            <a:schemeClr val="accent1"/>
-          </a:effectRef>
-          <a:fontRef idx="minor">
-            <a:schemeClr val="lt1"/>
-          </a:fontRef>
-        </p:style>
-        <p:txBody>
-          <a:bodyPr rtlCol="0" anchor="ctr"/>
-          <a:lstStyle/>
-          <a:p>
-            <a:pPr algn="ctr"/>
-            <a:endParaRPr lang="hu-HU"/>
-          </a:p>
-        </p:txBody>
-      </p:sp>
-      <p:sp>
-        <p:nvSpPr>
-          <p:cNvPr id="19" name="Téglalap: lekerekített 18">
-            <a:extLst>
-              <a:ext uri="{FF2B5EF4-FFF2-40B4-BE49-F238E27FC236}">
-                <a16:creationId xmlns:a16="http://schemas.microsoft.com/office/drawing/2014/main" id="{8F40412C-D8BC-46CB-974A-234D7A1E9752}"/>
-              </a:ext>
-            </a:extLst>
-          </p:cNvPr>
-          <p:cNvSpPr/>
-          <p:nvPr/>
-        </p:nvSpPr>
-        <p:spPr>
-          <a:xfrm>
-            <a:off x="9610036" y="6057013"/>
-            <a:ext cx="801092" cy="298292"/>
-          </a:xfrm>
-          <a:prstGeom prst="roundRect">
-            <a:avLst/>
-          </a:prstGeom>
-          <a:noFill/>
-          <a:ln w="38100">
-            <a:solidFill>
-              <a:srgbClr val="FF0000"/>
-            </a:solidFill>
-          </a:ln>
-        </p:spPr>
-        <p:style>
-          <a:lnRef idx="2">
-            <a:schemeClr val="accent1">
-              <a:shade val="50000"/>
-            </a:schemeClr>
-          </a:lnRef>
-          <a:fillRef idx="1">
-            <a:schemeClr val="accent1"/>
-          </a:fillRef>
-          <a:effectRef idx="0">
-            <a:schemeClr val="accent1"/>
-          </a:effectRef>
-          <a:fontRef idx="minor">
-            <a:schemeClr val="lt1"/>
-          </a:fontRef>
-        </p:style>
-        <p:txBody>
-          <a:bodyPr rtlCol="0" anchor="ctr"/>
-          <a:lstStyle/>
-          <a:p>
-            <a:pPr algn="ctr"/>
-            <a:endParaRPr lang="hu-HU"/>
-          </a:p>
-        </p:txBody>
-      </p:sp>
-    </p:spTree>
-    <p:extLst>
-      <p:ext uri="{BB962C8B-B14F-4D97-AF65-F5344CB8AC3E}">
-        <p14:creationId xmlns:p14="http://schemas.microsoft.com/office/powerpoint/2010/main" val="3364366076"/>
       </p:ext>
     </p:extLst>
   </p:cSld>
